--- a/spring12/slidesS12/strong-induction.pptx
+++ b/spring12/slidesS12/strong-induction.pptx
@@ -5,10 +5,10 @@
     <p:sldMasterId id="2147483648" r:id="rId1"/>
   </p:sldMasterIdLst>
   <p:notesMasterIdLst>
-    <p:notesMasterId r:id="rId18"/>
+    <p:notesMasterId r:id="rId19"/>
   </p:notesMasterIdLst>
   <p:handoutMasterIdLst>
-    <p:handoutMasterId r:id="rId19"/>
+    <p:handoutMasterId r:id="rId20"/>
   </p:handoutMasterIdLst>
   <p:sldIdLst>
     <p:sldId id="311" r:id="rId2"/>
@@ -18,20 +18,21 @@
     <p:sldId id="408" r:id="rId6"/>
     <p:sldId id="409" r:id="rId7"/>
     <p:sldId id="410" r:id="rId8"/>
-    <p:sldId id="425" r:id="rId9"/>
-    <p:sldId id="426" r:id="rId10"/>
-    <p:sldId id="427" r:id="rId11"/>
-    <p:sldId id="428" r:id="rId12"/>
-    <p:sldId id="429" r:id="rId13"/>
-    <p:sldId id="430" r:id="rId14"/>
-    <p:sldId id="431" r:id="rId15"/>
-    <p:sldId id="432" r:id="rId16"/>
-    <p:sldId id="433" r:id="rId17"/>
+    <p:sldId id="434" r:id="rId9"/>
+    <p:sldId id="425" r:id="rId10"/>
+    <p:sldId id="426" r:id="rId11"/>
+    <p:sldId id="427" r:id="rId12"/>
+    <p:sldId id="428" r:id="rId13"/>
+    <p:sldId id="429" r:id="rId14"/>
+    <p:sldId id="430" r:id="rId15"/>
+    <p:sldId id="431" r:id="rId16"/>
+    <p:sldId id="432" r:id="rId17"/>
+    <p:sldId id="433" r:id="rId18"/>
   </p:sldIdLst>
   <p:sldSz cx="9144000" cy="6858000" type="screen4x3"/>
   <p:notesSz cx="7315200" cy="9601200"/>
   <p:custDataLst>
-    <p:tags r:id="rId21"/>
+    <p:tags r:id="rId22"/>
   </p:custDataLst>
   <p:defaultTextStyle>
     <a:defPPr>
@@ -759,6 +760,98 @@
       </p:grpSpPr>
       <p:sp>
         <p:nvSpPr>
+          <p:cNvPr id="39938" name="Rectangle 7"/>
+          <p:cNvSpPr>
+            <a:spLocks noGrp="1" noChangeArrowheads="1"/>
+          </p:cNvSpPr>
+          <p:nvPr>
+            <p:ph type="sldNum" sz="quarter" idx="5"/>
+          </p:nvPr>
+        </p:nvSpPr>
+        <p:spPr>
+          <a:noFill/>
+        </p:spPr>
+        <p:txBody>
+          <a:bodyPr/>
+          <a:lstStyle/>
+          <a:p>
+            <a:fld id="{DFF0C907-82E0-4C61-9785-665D6353C9DA}" type="slidenum">
+              <a:rPr lang="en-US">
+                <a:cs typeface="Arial" charset="0"/>
+              </a:rPr>
+              <a:pPr/>
+              <a:t>10</a:t>
+            </a:fld>
+            <a:endParaRPr lang="en-US">
+              <a:cs typeface="Arial" charset="0"/>
+            </a:endParaRPr>
+          </a:p>
+        </p:txBody>
+      </p:sp>
+      <p:sp>
+        <p:nvSpPr>
+          <p:cNvPr id="39939" name="Rectangle 2"/>
+          <p:cNvSpPr>
+            <a:spLocks noGrp="1" noRot="1" noChangeAspect="1" noChangeArrowheads="1" noTextEdit="1"/>
+          </p:cNvSpPr>
+          <p:nvPr>
+            <p:ph type="sldImg"/>
+          </p:nvPr>
+        </p:nvSpPr>
+        <p:spPr>
+          <a:ln/>
+        </p:spPr>
+      </p:sp>
+      <p:sp>
+        <p:nvSpPr>
+          <p:cNvPr id="39940" name="Rectangle 3"/>
+          <p:cNvSpPr>
+            <a:spLocks noGrp="1" noChangeArrowheads="1"/>
+          </p:cNvSpPr>
+          <p:nvPr>
+            <p:ph type="body" idx="1"/>
+          </p:nvPr>
+        </p:nvSpPr>
+        <p:spPr>
+          <a:noFill/>
+          <a:ln/>
+        </p:spPr>
+        <p:txBody>
+          <a:bodyPr/>
+          <a:lstStyle/>
+          <a:p>
+            <a:pPr eaLnBrk="1" hangingPunct="1"/>
+            <a:endParaRPr lang="en-US" smtClean="0"/>
+          </a:p>
+        </p:txBody>
+      </p:sp>
+    </p:spTree>
+  </p:cSld>
+  <p:clrMapOvr>
+    <a:masterClrMapping/>
+  </p:clrMapOvr>
+</p:notes>
+</file>
+
+<file path=ppt/notesSlides/notesSlide11.xml><?xml version="1.0" encoding="utf-8"?>
+<p:notes xmlns:a="http://schemas.openxmlformats.org/drawingml/2006/main" xmlns:r="http://schemas.openxmlformats.org/officeDocument/2006/relationships" xmlns:p="http://schemas.openxmlformats.org/presentationml/2006/main">
+  <p:cSld>
+    <p:spTree>
+      <p:nvGrpSpPr>
+        <p:cNvPr id="1" name=""/>
+        <p:cNvGrpSpPr/>
+        <p:nvPr/>
+      </p:nvGrpSpPr>
+      <p:grpSpPr>
+        <a:xfrm>
+          <a:off x="0" y="0"/>
+          <a:ext cx="0" cy="0"/>
+          <a:chOff x="0" y="0"/>
+          <a:chExt cx="0" cy="0"/>
+        </a:xfrm>
+      </p:grpSpPr>
+      <p:sp>
+        <p:nvSpPr>
           <p:cNvPr id="40962" name="Rectangle 7"/>
           <p:cNvSpPr>
             <a:spLocks noGrp="1" noChangeArrowheads="1"/>
@@ -779,7 +872,7 @@
                 <a:cs typeface="Arial" charset="0"/>
               </a:rPr>
               <a:pPr/>
-              <a:t>10</a:t>
+              <a:t>11</a:t>
             </a:fld>
             <a:endParaRPr lang="en-US">
               <a:cs typeface="Arial" charset="0"/>
@@ -832,7 +925,7 @@
 </p:notes>
 </file>
 
-<file path=ppt/notesSlides/notesSlide11.xml><?xml version="1.0" encoding="utf-8"?>
+<file path=ppt/notesSlides/notesSlide12.xml><?xml version="1.0" encoding="utf-8"?>
 <p:notes xmlns:a="http://schemas.openxmlformats.org/drawingml/2006/main" xmlns:r="http://schemas.openxmlformats.org/officeDocument/2006/relationships" xmlns:p="http://schemas.openxmlformats.org/presentationml/2006/main">
   <p:cSld>
     <p:spTree>
@@ -871,7 +964,7 @@
                 <a:cs typeface="Arial" charset="0"/>
               </a:rPr>
               <a:pPr/>
-              <a:t>11</a:t>
+              <a:t>12</a:t>
             </a:fld>
             <a:endParaRPr lang="en-US">
               <a:cs typeface="Arial" charset="0"/>
@@ -924,7 +1017,7 @@
 </p:notes>
 </file>
 
-<file path=ppt/notesSlides/notesSlide12.xml><?xml version="1.0" encoding="utf-8"?>
+<file path=ppt/notesSlides/notesSlide13.xml><?xml version="1.0" encoding="utf-8"?>
 <p:notes xmlns:a="http://schemas.openxmlformats.org/drawingml/2006/main" xmlns:r="http://schemas.openxmlformats.org/officeDocument/2006/relationships" xmlns:p="http://schemas.openxmlformats.org/presentationml/2006/main">
   <p:cSld>
     <p:spTree>
@@ -963,7 +1056,7 @@
                 <a:cs typeface="Arial" charset="0"/>
               </a:rPr>
               <a:pPr/>
-              <a:t>12</a:t>
+              <a:t>13</a:t>
             </a:fld>
             <a:endParaRPr lang="en-US">
               <a:cs typeface="Arial" charset="0"/>
@@ -1016,7 +1109,7 @@
 </p:notes>
 </file>
 
-<file path=ppt/notesSlides/notesSlide13.xml><?xml version="1.0" encoding="utf-8"?>
+<file path=ppt/notesSlides/notesSlide14.xml><?xml version="1.0" encoding="utf-8"?>
 <p:notes xmlns:a="http://schemas.openxmlformats.org/drawingml/2006/main" xmlns:r="http://schemas.openxmlformats.org/officeDocument/2006/relationships" xmlns:p="http://schemas.openxmlformats.org/presentationml/2006/main">
   <p:cSld>
     <p:spTree>
@@ -1055,7 +1148,7 @@
                 <a:cs typeface="Arial" charset="0"/>
               </a:rPr>
               <a:pPr/>
-              <a:t>13</a:t>
+              <a:t>14</a:t>
             </a:fld>
             <a:endParaRPr lang="en-US">
               <a:cs typeface="Arial" charset="0"/>
@@ -1108,7 +1201,7 @@
 </p:notes>
 </file>
 
-<file path=ppt/notesSlides/notesSlide14.xml><?xml version="1.0" encoding="utf-8"?>
+<file path=ppt/notesSlides/notesSlide15.xml><?xml version="1.0" encoding="utf-8"?>
 <p:notes xmlns:a="http://schemas.openxmlformats.org/drawingml/2006/main" xmlns:r="http://schemas.openxmlformats.org/officeDocument/2006/relationships" xmlns:p="http://schemas.openxmlformats.org/presentationml/2006/main">
   <p:cSld>
     <p:spTree>
@@ -1147,7 +1240,7 @@
                 <a:cs typeface="Arial" charset="0"/>
               </a:rPr>
               <a:pPr/>
-              <a:t>14</a:t>
+              <a:t>15</a:t>
             </a:fld>
             <a:endParaRPr lang="en-US">
               <a:cs typeface="Arial" charset="0"/>
@@ -1200,7 +1293,7 @@
 </p:notes>
 </file>
 
-<file path=ppt/notesSlides/notesSlide15.xml><?xml version="1.0" encoding="utf-8"?>
+<file path=ppt/notesSlides/notesSlide16.xml><?xml version="1.0" encoding="utf-8"?>
 <p:notes xmlns:a="http://schemas.openxmlformats.org/drawingml/2006/main" xmlns:r="http://schemas.openxmlformats.org/officeDocument/2006/relationships" xmlns:p="http://schemas.openxmlformats.org/presentationml/2006/main">
   <p:cSld>
     <p:spTree>
@@ -1239,7 +1332,7 @@
                 <a:cs typeface="Arial" charset="0"/>
               </a:rPr>
               <a:pPr/>
-              <a:t>15</a:t>
+              <a:t>16</a:t>
             </a:fld>
             <a:endParaRPr lang="en-US">
               <a:cs typeface="Arial" charset="0"/>
@@ -1292,7 +1385,7 @@
 </p:notes>
 </file>
 
-<file path=ppt/notesSlides/notesSlide16.xml><?xml version="1.0" encoding="utf-8"?>
+<file path=ppt/notesSlides/notesSlide17.xml><?xml version="1.0" encoding="utf-8"?>
 <p:notes xmlns:a="http://schemas.openxmlformats.org/drawingml/2006/main" xmlns:r="http://schemas.openxmlformats.org/officeDocument/2006/relationships" xmlns:p="http://schemas.openxmlformats.org/presentationml/2006/main">
   <p:cSld>
     <p:spTree>
@@ -1331,7 +1424,7 @@
                 <a:cs typeface="Arial" charset="0"/>
               </a:rPr>
               <a:pPr/>
-              <a:t>16</a:t>
+              <a:t>17</a:t>
             </a:fld>
             <a:endParaRPr lang="en-US">
               <a:cs typeface="Arial" charset="0"/>
@@ -1955,7 +2048,7 @@
       </p:grpSpPr>
       <p:sp>
         <p:nvSpPr>
-          <p:cNvPr id="38914" name="Rectangle 7"/>
+          <p:cNvPr id="58370" name="Rectangle 7"/>
           <p:cNvSpPr>
             <a:spLocks noGrp="1" noChangeArrowheads="1"/>
           </p:cNvSpPr>
@@ -1970,7 +2063,7 @@
           <a:bodyPr/>
           <a:lstStyle/>
           <a:p>
-            <a:fld id="{E54C5D03-0289-40E8-8DE2-ED57FC4EBD93}" type="slidenum">
+            <a:fld id="{9CE643A7-21B0-4515-AD83-FC820013B14D}" type="slidenum">
               <a:rPr lang="en-US">
                 <a:cs typeface="Arial" charset="0"/>
               </a:rPr>
@@ -1985,7 +2078,7 @@
       </p:sp>
       <p:sp>
         <p:nvSpPr>
-          <p:cNvPr id="38915" name="Rectangle 2"/>
+          <p:cNvPr id="58371" name="Rectangle 2"/>
           <p:cNvSpPr>
             <a:spLocks noGrp="1" noRot="1" noChangeAspect="1" noChangeArrowheads="1" noTextEdit="1"/>
           </p:cNvSpPr>
@@ -1999,7 +2092,7 @@
       </p:sp>
       <p:sp>
         <p:nvSpPr>
-          <p:cNvPr id="38916" name="Rectangle 3"/>
+          <p:cNvPr id="58372" name="Rectangle 3"/>
           <p:cNvSpPr>
             <a:spLocks noGrp="1" noChangeArrowheads="1"/>
           </p:cNvSpPr>
@@ -2047,7 +2140,7 @@
       </p:grpSpPr>
       <p:sp>
         <p:nvSpPr>
-          <p:cNvPr id="39938" name="Rectangle 7"/>
+          <p:cNvPr id="38914" name="Rectangle 7"/>
           <p:cNvSpPr>
             <a:spLocks noGrp="1" noChangeArrowheads="1"/>
           </p:cNvSpPr>
@@ -2062,7 +2155,7 @@
           <a:bodyPr/>
           <a:lstStyle/>
           <a:p>
-            <a:fld id="{DFF0C907-82E0-4C61-9785-665D6353C9DA}" type="slidenum">
+            <a:fld id="{E54C5D03-0289-40E8-8DE2-ED57FC4EBD93}" type="slidenum">
               <a:rPr lang="en-US">
                 <a:cs typeface="Arial" charset="0"/>
               </a:rPr>
@@ -2077,7 +2170,7 @@
       </p:sp>
       <p:sp>
         <p:nvSpPr>
-          <p:cNvPr id="39939" name="Rectangle 2"/>
+          <p:cNvPr id="38915" name="Rectangle 2"/>
           <p:cNvSpPr>
             <a:spLocks noGrp="1" noRot="1" noChangeAspect="1" noChangeArrowheads="1" noTextEdit="1"/>
           </p:cNvSpPr>
@@ -2091,7 +2184,7 @@
       </p:sp>
       <p:sp>
         <p:nvSpPr>
-          <p:cNvPr id="39940" name="Rectangle 3"/>
+          <p:cNvPr id="38916" name="Rectangle 3"/>
           <p:cNvSpPr>
             <a:spLocks noGrp="1" noChangeArrowheads="1"/>
           </p:cNvSpPr>
@@ -3354,17 +3447,17 @@
           <a:p>
             <a:pPr eaLnBrk="1" hangingPunct="1"/>
             <a:r>
-              <a:rPr lang="en-US" sz="11000" dirty="0" smtClean="0"/>
+              <a:rPr lang="en-US" sz="11000" b="0" dirty="0" smtClean="0"/>
               <a:t>Strong</a:t>
             </a:r>
             <a:br>
-              <a:rPr lang="en-US" sz="11000" dirty="0" smtClean="0"/>
+              <a:rPr lang="en-US" sz="11000" b="0" dirty="0" smtClean="0"/>
             </a:br>
             <a:r>
-              <a:rPr lang="en-US" sz="11000" dirty="0" smtClean="0"/>
+              <a:rPr lang="en-US" sz="11000" b="0" dirty="0" smtClean="0"/>
               <a:t>Induction</a:t>
             </a:r>
-            <a:endParaRPr lang="en-US" sz="11000" baseline="-25000" dirty="0" smtClean="0"/>
+            <a:endParaRPr lang="en-US" sz="11000" b="0" baseline="-25000" dirty="0" smtClean="0"/>
           </a:p>
         </p:txBody>
       </p:sp>
@@ -3402,6 +3495,372 @@
       </p:grpSpPr>
       <p:sp>
         <p:nvSpPr>
+          <p:cNvPr id="1028" name="Rectangle 2"/>
+          <p:cNvSpPr>
+            <a:spLocks noGrp="1" noChangeArrowheads="1"/>
+          </p:cNvSpPr>
+          <p:nvPr>
+            <p:ph type="title" idx="4294967295"/>
+          </p:nvPr>
+        </p:nvSpPr>
+        <p:spPr>
+          <a:xfrm>
+            <a:off x="1600200" y="0"/>
+            <a:ext cx="7543800" cy="1143000"/>
+          </a:xfrm>
+        </p:spPr>
+        <p:txBody>
+          <a:bodyPr/>
+          <a:lstStyle/>
+          <a:p>
+            <a:pPr eaLnBrk="1" hangingPunct="1"/>
+            <a:r>
+              <a:rPr lang="en-US" smtClean="0"/>
+              <a:t>Analyzing the Stacking Game</a:t>
+            </a:r>
+          </a:p>
+        </p:txBody>
+      </p:sp>
+      <p:sp>
+        <p:nvSpPr>
+          <p:cNvPr id="330755" name="Rectangle 3"/>
+          <p:cNvSpPr>
+            <a:spLocks noGrp="1" noChangeArrowheads="1"/>
+          </p:cNvSpPr>
+          <p:nvPr>
+            <p:ph type="body" idx="4294967295"/>
+          </p:nvPr>
+        </p:nvSpPr>
+        <p:spPr>
+          <a:xfrm>
+            <a:off x="381000" y="1752600"/>
+            <a:ext cx="8305800" cy="3276600"/>
+          </a:xfrm>
+        </p:spPr>
+        <p:txBody>
+          <a:bodyPr/>
+          <a:lstStyle/>
+          <a:p>
+            <a:pPr eaLnBrk="1" hangingPunct="1">
+              <a:buFontTx/>
+              <a:buNone/>
+            </a:pPr>
+            <a:r>
+              <a:rPr lang="en-US" sz="4400" dirty="0" smtClean="0"/>
+              <a:t>Claim: Every way of </a:t>
+            </a:r>
+            <a:r>
+              <a:rPr lang="en-US" sz="4400" dirty="0" err="1" smtClean="0"/>
+              <a:t>unstacking</a:t>
+            </a:r>
+            <a:r>
+              <a:rPr lang="en-US" sz="4400" dirty="0" smtClean="0"/>
+              <a:t> </a:t>
+            </a:r>
+          </a:p>
+          <a:p>
+            <a:pPr eaLnBrk="1" hangingPunct="1">
+              <a:buFontTx/>
+              <a:buNone/>
+            </a:pPr>
+            <a:r>
+              <a:rPr lang="en-US" sz="4400" dirty="0" smtClean="0">
+                <a:solidFill>
+                  <a:srgbClr val="008000"/>
+                </a:solidFill>
+              </a:rPr>
+              <a:t>n</a:t>
+            </a:r>
+            <a:r>
+              <a:rPr lang="en-US" sz="4400" dirty="0" smtClean="0"/>
+              <a:t> blocks gives the same score:</a:t>
+            </a:r>
+          </a:p>
+          <a:p>
+            <a:pPr eaLnBrk="1" hangingPunct="1">
+              <a:buFontTx/>
+              <a:buNone/>
+            </a:pPr>
+            <a:endParaRPr lang="en-US" sz="4400" dirty="0" smtClean="0"/>
+          </a:p>
+          <a:p>
+            <a:pPr eaLnBrk="1" hangingPunct="1">
+              <a:buFontTx/>
+              <a:buNone/>
+            </a:pPr>
+            <a:r>
+              <a:rPr lang="en-US" sz="4400" dirty="0" smtClean="0"/>
+              <a:t>(</a:t>
+            </a:r>
+            <a:r>
+              <a:rPr lang="en-US" sz="4400" dirty="0" smtClean="0">
+                <a:solidFill>
+                  <a:srgbClr val="008000"/>
+                </a:solidFill>
+              </a:rPr>
+              <a:t>n</a:t>
+            </a:r>
+            <a:r>
+              <a:rPr lang="en-US" sz="4400" dirty="0" smtClean="0"/>
+              <a:t>-1)+(</a:t>
+            </a:r>
+            <a:r>
+              <a:rPr lang="en-US" sz="4400" dirty="0" smtClean="0">
+                <a:solidFill>
+                  <a:srgbClr val="008000"/>
+                </a:solidFill>
+              </a:rPr>
+              <a:t>n</a:t>
+            </a:r>
+            <a:r>
+              <a:rPr lang="en-US" sz="4400" dirty="0" smtClean="0"/>
+              <a:t>-2)+</a:t>
+            </a:r>
+            <a:r>
+              <a:rPr lang="en-US" sz="4400" dirty="0" smtClean="0">
+                <a:sym typeface="Euclid Extra" pitchFamily="18" charset="2"/>
+              </a:rPr>
+              <a:t></a:t>
+            </a:r>
+            <a:r>
+              <a:rPr lang="en-US" sz="4400" dirty="0" smtClean="0"/>
+              <a:t>+1</a:t>
+            </a:r>
+          </a:p>
+        </p:txBody>
+      </p:sp>
+      <p:graphicFrame>
+        <p:nvGraphicFramePr>
+          <p:cNvPr id="330757" name="Object 5"/>
+          <p:cNvGraphicFramePr>
+            <a:graphicFrameLocks noChangeAspect="1"/>
+          </p:cNvGraphicFramePr>
+          <p:nvPr/>
+        </p:nvGraphicFramePr>
+        <p:xfrm>
+          <a:off x="4814888" y="3444875"/>
+          <a:ext cx="2749550" cy="2036763"/>
+        </p:xfrm>
+        <a:graphic>
+          <a:graphicData uri="http://schemas.openxmlformats.org/presentationml/2006/ole">
+            <mc:AlternateContent xmlns:mc="http://schemas.openxmlformats.org/markup-compatibility/2006">
+              <mc:Choice xmlns:v="urn:schemas-microsoft-com:vml" Requires="v">
+                <p:oleObj spid="_x0000_s402452" name="Equation" r:id="rId4" imgW="7315200" imgH="5410200" progId="Equation.DSMT4">
+                  <p:embed/>
+                </p:oleObj>
+              </mc:Choice>
+              <mc:Fallback>
+                <p:oleObj name="Equation" r:id="rId4" imgW="7315200" imgH="5410200" progId="Equation.DSMT4">
+                  <p:embed/>
+                  <p:pic>
+                    <p:nvPicPr>
+                      <p:cNvPr id="0" name="Object 5"/>
+                      <p:cNvPicPr>
+                        <a:picLocks noChangeAspect="1" noChangeArrowheads="1"/>
+                      </p:cNvPicPr>
+                      <p:nvPr/>
+                    </p:nvPicPr>
+                    <p:blipFill>
+                      <a:blip r:embed="rId5">
+                        <a:extLst>
+                          <a:ext uri="{28A0092B-C50C-407E-A947-70E740481C1C}">
+                            <a14:useLocalDpi xmlns:a14="http://schemas.microsoft.com/office/drawing/2010/main" val="0"/>
+                          </a:ext>
+                        </a:extLst>
+                      </a:blip>
+                      <a:srcRect/>
+                      <a:stretch>
+                        <a:fillRect/>
+                      </a:stretch>
+                    </p:blipFill>
+                    <p:spPr bwMode="auto">
+                      <a:xfrm>
+                        <a:off x="4814888" y="3444875"/>
+                        <a:ext cx="2749550" cy="2036763"/>
+                      </a:xfrm>
+                      <a:prstGeom prst="rect">
+                        <a:avLst/>
+                      </a:prstGeom>
+                      <a:noFill/>
+                      <a:extLst>
+                        <a:ext uri="{909E8E84-426E-40dd-AFC4-6F175D3DCCD1}">
+                          <a14:hiddenFill xmlns:a14="http://schemas.microsoft.com/office/drawing/2010/main">
+                            <a:solidFill>
+                              <a:srgbClr val="FFFFFF"/>
+                            </a:solidFill>
+                          </a14:hiddenFill>
+                        </a:ext>
+                      </a:extLst>
+                    </p:spPr>
+                  </p:pic>
+                </p:oleObj>
+              </mc:Fallback>
+            </mc:AlternateContent>
+          </a:graphicData>
+        </a:graphic>
+      </p:graphicFrame>
+    </p:spTree>
+  </p:cSld>
+  <p:clrMapOvr>
+    <a:masterClrMapping/>
+  </p:clrMapOvr>
+  <p:transition xmlns:p14="http://schemas.microsoft.com/office/powerpoint/2010/main">
+    <p:fade/>
+  </p:transition>
+  <p:timing>
+    <p:tnLst>
+      <p:par>
+        <p:cTn xmlns:p14="http://schemas.microsoft.com/office/powerpoint/2010/main" id="1" dur="indefinite" restart="never" nodeType="tmRoot">
+          <p:childTnLst>
+            <p:seq concurrent="1" nextAc="seek">
+              <p:cTn id="2" dur="indefinite" nodeType="mainSeq">
+                <p:childTnLst>
+                  <p:par>
+                    <p:cTn id="3" fill="hold">
+                      <p:stCondLst>
+                        <p:cond delay="indefinite"/>
+                      </p:stCondLst>
+                      <p:childTnLst>
+                        <p:par>
+                          <p:cTn id="4" fill="hold">
+                            <p:stCondLst>
+                              <p:cond delay="0"/>
+                            </p:stCondLst>
+                            <p:childTnLst>
+                              <p:par>
+                                <p:cTn id="5" presetID="1" presetClass="entr" presetSubtype="0" fill="hold" nodeType="clickEffect">
+                                  <p:stCondLst>
+                                    <p:cond delay="0"/>
+                                  </p:stCondLst>
+                                  <p:childTnLst>
+                                    <p:set>
+                                      <p:cBhvr>
+                                        <p:cTn id="6" dur="1" fill="hold">
+                                          <p:stCondLst>
+                                            <p:cond delay="0"/>
+                                          </p:stCondLst>
+                                        </p:cTn>
+                                        <p:tgtEl>
+                                          <p:spTgt spid="330755">
+                                            <p:txEl>
+                                              <p:pRg st="3" end="3"/>
+                                            </p:txEl>
+                                          </p:spTgt>
+                                        </p:tgtEl>
+                                        <p:attrNameLst>
+                                          <p:attrName>style.visibility</p:attrName>
+                                        </p:attrNameLst>
+                                      </p:cBhvr>
+                                      <p:to>
+                                        <p:strVal val="visible"/>
+                                      </p:to>
+                                    </p:set>
+                                  </p:childTnLst>
+                                </p:cTn>
+                              </p:par>
+                            </p:childTnLst>
+                          </p:cTn>
+                        </p:par>
+                      </p:childTnLst>
+                    </p:cTn>
+                  </p:par>
+                  <p:par>
+                    <p:cTn id="7" fill="hold">
+                      <p:stCondLst>
+                        <p:cond delay="indefinite"/>
+                      </p:stCondLst>
+                      <p:childTnLst>
+                        <p:par>
+                          <p:cTn id="8" fill="hold">
+                            <p:stCondLst>
+                              <p:cond delay="0"/>
+                            </p:stCondLst>
+                            <p:childTnLst>
+                              <p:par>
+                                <p:cTn id="9" presetID="22" presetClass="entr" presetSubtype="8" fill="hold" nodeType="clickEffect">
+                                  <p:stCondLst>
+                                    <p:cond delay="0"/>
+                                  </p:stCondLst>
+                                  <p:childTnLst>
+                                    <p:set>
+                                      <p:cBhvr>
+                                        <p:cTn id="10" dur="1" fill="hold">
+                                          <p:stCondLst>
+                                            <p:cond delay="0"/>
+                                          </p:stCondLst>
+                                        </p:cTn>
+                                        <p:tgtEl>
+                                          <p:spTgt spid="330757"/>
+                                        </p:tgtEl>
+                                        <p:attrNameLst>
+                                          <p:attrName>style.visibility</p:attrName>
+                                        </p:attrNameLst>
+                                      </p:cBhvr>
+                                      <p:to>
+                                        <p:strVal val="visible"/>
+                                      </p:to>
+                                    </p:set>
+                                    <p:animEffect transition="in" filter="wipe(left)">
+                                      <p:cBhvr>
+                                        <p:cTn id="11" dur="500"/>
+                                        <p:tgtEl>
+                                          <p:spTgt spid="330757"/>
+                                        </p:tgtEl>
+                                      </p:cBhvr>
+                                    </p:animEffect>
+                                  </p:childTnLst>
+                                </p:cTn>
+                              </p:par>
+                            </p:childTnLst>
+                          </p:cTn>
+                        </p:par>
+                      </p:childTnLst>
+                    </p:cTn>
+                  </p:par>
+                </p:childTnLst>
+              </p:cTn>
+              <p:prevCondLst>
+                <p:cond evt="onPrev" delay="0">
+                  <p:tgtEl>
+                    <p:sldTgt/>
+                  </p:tgtEl>
+                </p:cond>
+              </p:prevCondLst>
+              <p:nextCondLst>
+                <p:cond evt="onNext" delay="0">
+                  <p:tgtEl>
+                    <p:sldTgt/>
+                  </p:tgtEl>
+                </p:cond>
+              </p:nextCondLst>
+            </p:seq>
+          </p:childTnLst>
+        </p:cTn>
+      </p:par>
+    </p:tnLst>
+  </p:timing>
+</p:sld>
+</file>
+
+<file path=ppt/slides/slide11.xml><?xml version="1.0" encoding="utf-8"?>
+<p:sld xmlns:a="http://schemas.openxmlformats.org/drawingml/2006/main" xmlns:r="http://schemas.openxmlformats.org/officeDocument/2006/relationships" xmlns:p="http://schemas.openxmlformats.org/presentationml/2006/main">
+  <p:cSld>
+    <p:spTree>
+      <p:nvGrpSpPr>
+        <p:cNvPr id="1" name=""/>
+        <p:cNvGrpSpPr/>
+        <p:nvPr/>
+      </p:nvGrpSpPr>
+      <p:grpSpPr>
+        <a:xfrm>
+          <a:off x="0" y="0"/>
+          <a:ext cx="0" cy="0"/>
+          <a:chOff x="0" y="0"/>
+          <a:chExt cx="0" cy="0"/>
+        </a:xfrm>
+      </p:grpSpPr>
+      <p:sp>
+        <p:nvSpPr>
           <p:cNvPr id="2052" name="Rectangle 2"/>
           <p:cNvSpPr>
             <a:spLocks noGrp="1" noChangeArrowheads="1"/>
@@ -3508,7 +3967,7 @@
           <a:graphicData uri="http://schemas.openxmlformats.org/presentationml/2006/ole">
             <mc:AlternateContent xmlns:mc="http://schemas.openxmlformats.org/markup-compatibility/2006">
               <mc:Choice xmlns:v="urn:schemas-microsoft-com:vml" Requires="v">
-                <p:oleObj spid="_x0000_s404496" name="Equation" r:id="rId4" imgW="7315200" imgH="6604000" progId="Equation.DSMT4">
+                <p:oleObj spid="_x0000_s404500" name="Equation" r:id="rId4" imgW="7315200" imgH="6604000" progId="Equation.DSMT4">
                   <p:embed/>
                 </p:oleObj>
               </mc:Choice>
@@ -3572,8 +4031,8 @@
         </p:nvSpPr>
         <p:spPr bwMode="auto">
           <a:xfrm>
-            <a:off x="960405" y="4740275"/>
-            <a:ext cx="7192995" cy="1569660"/>
+            <a:off x="304800" y="4724400"/>
+            <a:ext cx="8441333" cy="1446550"/>
           </a:xfrm>
           <a:prstGeom prst="rect">
             <a:avLst/>
@@ -3593,21 +4052,42 @@
           <a:lstStyle/>
           <a:p>
             <a:r>
-              <a:rPr lang="en-US" sz="4800" dirty="0">
-                <a:latin typeface="Comic Sans MS" pitchFamily="66" charset="0"/>
-              </a:rPr>
-              <a:t>Proof: by Induction with</a:t>
+              <a:rPr lang="en-US" sz="4400" dirty="0">
+                <a:latin typeface="Comic Sans MS" pitchFamily="66" charset="0"/>
+              </a:rPr>
+              <a:t>Proof: by </a:t>
+            </a:r>
+            <a:r>
+              <a:rPr lang="en-US" sz="4400" dirty="0" smtClean="0">
+                <a:solidFill>
+                  <a:srgbClr val="FF33CC"/>
+                </a:solidFill>
+                <a:latin typeface="Comic Sans MS" pitchFamily="66" charset="0"/>
+              </a:rPr>
+              <a:t>Strong induction</a:t>
+            </a:r>
+            <a:r>
+              <a:rPr lang="en-US" sz="4400" dirty="0" smtClean="0">
+                <a:latin typeface="Comic Sans MS" pitchFamily="66" charset="0"/>
+              </a:rPr>
+              <a:t> </a:t>
+            </a:r>
+            <a:r>
+              <a:rPr lang="en-US" sz="4400" dirty="0">
+                <a:latin typeface="Comic Sans MS" pitchFamily="66" charset="0"/>
+              </a:rPr>
+              <a:t>with</a:t>
             </a:r>
           </a:p>
           <a:p>
             <a:r>
-              <a:rPr lang="en-US" sz="4800" dirty="0">
+              <a:rPr lang="en-US" sz="4400" dirty="0">
                 <a:latin typeface="Comic Sans MS" pitchFamily="66" charset="0"/>
               </a:rPr>
               <a:t>   Claim(</a:t>
             </a:r>
             <a:r>
-              <a:rPr lang="en-US" sz="4800" dirty="0">
+              <a:rPr lang="en-US" sz="4400" dirty="0">
                 <a:solidFill>
                   <a:srgbClr val="008000"/>
                 </a:solidFill>
@@ -3616,7 +4096,7 @@
               <a:t>n</a:t>
             </a:r>
             <a:r>
-              <a:rPr lang="en-US" sz="4800" dirty="0">
+              <a:rPr lang="en-US" sz="4400" dirty="0">
                 <a:latin typeface="Comic Sans MS" pitchFamily="66" charset="0"/>
               </a:rPr>
               <a:t>) as hypothesis</a:t>
@@ -3721,7 +4201,7 @@
 </p:sld>
 </file>
 
-<file path=ppt/slides/slide11.xml><?xml version="1.0" encoding="utf-8"?>
+<file path=ppt/slides/slide12.xml><?xml version="1.0" encoding="utf-8"?>
 <p:sld xmlns:a="http://schemas.openxmlformats.org/drawingml/2006/main" xmlns:r="http://schemas.openxmlformats.org/officeDocument/2006/relationships" xmlns:p="http://schemas.openxmlformats.org/presentationml/2006/main">
   <p:cSld>
     <p:spTree>
@@ -3791,8 +4271,16 @@
               <a:buNone/>
             </a:pPr>
             <a:r>
+              <a:rPr lang="en-US" sz="6000" dirty="0" smtClean="0">
+                <a:solidFill>
+                  <a:srgbClr val="FF33CC"/>
+                </a:solidFill>
+              </a:rPr>
+              <a:t>Base case</a:t>
+            </a:r>
+            <a:r>
               <a:rPr lang="en-US" sz="6000" dirty="0" smtClean="0"/>
-              <a:t>Base case </a:t>
+              <a:t> </a:t>
             </a:r>
             <a:r>
               <a:rPr lang="en-US" sz="6000" dirty="0" smtClean="0">
@@ -3857,7 +4345,7 @@
           <a:graphicData uri="http://schemas.openxmlformats.org/presentationml/2006/ole">
             <mc:AlternateContent xmlns:mc="http://schemas.openxmlformats.org/markup-compatibility/2006">
               <mc:Choice xmlns:v="urn:schemas-microsoft-com:vml" Requires="v">
-                <p:oleObj spid="_x0000_s406544" name="Equation" r:id="rId4" imgW="723600" imgH="406080" progId="Equation.DSMT4">
+                <p:oleObj spid="_x0000_s406548" name="Equation" r:id="rId4" imgW="723600" imgH="406080" progId="Equation.DSMT4">
                   <p:embed/>
                 </p:oleObj>
               </mc:Choice>
@@ -4132,7 +4620,7 @@
               <a:pPr>
                 <a:defRPr/>
               </a:pPr>
-              <a:t>11</a:t>
+              <a:t>12</a:t>
             </a:fld>
             <a:endParaRPr lang="en-US" dirty="0"/>
           </a:p>
@@ -4143,7 +4631,18 @@
   <p:clrMapOvr>
     <a:masterClrMapping/>
   </p:clrMapOvr>
-  <p:transition xmlns:p14="http://schemas.microsoft.com/office/powerpoint/2010/main"/>
+  <mc:AlternateContent xmlns:mc="http://schemas.openxmlformats.org/markup-compatibility/2006">
+    <mc:Choice xmlns:p14="http://schemas.microsoft.com/office/powerpoint/2010/main" Requires="p14">
+      <p:transition spd="med" p14:dur="700">
+        <p:fade/>
+      </p:transition>
+    </mc:Choice>
+    <mc:Fallback>
+      <p:transition xmlns:p14="http://schemas.microsoft.com/office/powerpoint/2010/main" spd="med">
+        <p:fade/>
+      </p:transition>
+    </mc:Fallback>
+  </mc:AlternateContent>
   <p:timing>
     <p:tnLst>
       <p:par>
@@ -4321,7 +4820,7 @@
 </p:sld>
 </file>
 
-<file path=ppt/slides/slide12.xml><?xml version="1.0" encoding="utf-8"?>
+<file path=ppt/slides/slide13.xml><?xml version="1.0" encoding="utf-8"?>
 <p:sld xmlns:a="http://schemas.openxmlformats.org/drawingml/2006/main" xmlns:r="http://schemas.openxmlformats.org/officeDocument/2006/relationships" xmlns:p="http://schemas.openxmlformats.org/presentationml/2006/main">
   <p:cSld>
     <p:spTree>
@@ -4363,7 +4862,11 @@
               <a:buNone/>
             </a:pPr>
             <a:r>
-              <a:rPr lang="en-US" sz="4800" b="1" dirty="0" smtClean="0"/>
+              <a:rPr lang="en-US" sz="4800" dirty="0" smtClean="0">
+                <a:solidFill>
+                  <a:srgbClr val="FF33CC"/>
+                </a:solidFill>
+              </a:rPr>
               <a:t>Inductive step.</a:t>
             </a:r>
             <a:r>
@@ -4372,7 +4875,11 @@
             </a:r>
             <a:r>
               <a:rPr lang="en-US" sz="4400" dirty="0" smtClean="0"/>
-              <a:t>assume for</a:t>
+              <a:t>Assume </a:t>
+            </a:r>
+            <a:r>
+              <a:rPr lang="en-US" sz="4400" dirty="0" smtClean="0"/>
+              <a:t>for</a:t>
             </a:r>
           </a:p>
           <a:p>
@@ -4463,7 +4970,7 @@
           <a:graphicData uri="http://schemas.openxmlformats.org/presentationml/2006/ole">
             <mc:AlternateContent xmlns:mc="http://schemas.openxmlformats.org/markup-compatibility/2006">
               <mc:Choice xmlns:v="urn:schemas-microsoft-com:vml" Requires="v">
-                <p:oleObj spid="_x0000_s408592" name="Equation" r:id="rId4" imgW="7315200" imgH="6438900" progId="Equation.DSMT4">
+                <p:oleObj spid="_x0000_s408596" name="Equation" r:id="rId4" imgW="7315200" imgH="6438900" progId="Equation.DSMT4">
                   <p:embed/>
                 </p:oleObj>
               </mc:Choice>
@@ -4694,7 +5201,7 @@
 </p:sld>
 </file>
 
-<file path=ppt/slides/slide13.xml><?xml version="1.0" encoding="utf-8"?>
+<file path=ppt/slides/slide14.xml><?xml version="1.0" encoding="utf-8"?>
 <p:sld xmlns:a="http://schemas.openxmlformats.org/drawingml/2006/main" xmlns:r="http://schemas.openxmlformats.org/officeDocument/2006/relationships" xmlns:p="http://schemas.openxmlformats.org/presentationml/2006/main">
   <p:cSld>
     <p:spTree>
@@ -4723,7 +5230,7 @@
         </p:nvSpPr>
         <p:spPr>
           <a:xfrm>
-            <a:off x="304800" y="1219200"/>
+            <a:off x="381000" y="1371600"/>
             <a:ext cx="8610600" cy="2057400"/>
           </a:xfrm>
         </p:spPr>
@@ -4736,12 +5243,16 @@
               <a:buNone/>
             </a:pPr>
             <a:r>
-              <a:rPr lang="en-US" sz="4800" b="1" dirty="0" smtClean="0"/>
-              <a:t>Inductive step.</a:t>
+              <a:rPr lang="en-US" sz="4800" dirty="0" smtClean="0">
+                <a:solidFill>
+                  <a:srgbClr val="FF33CC"/>
+                </a:solidFill>
+              </a:rPr>
+              <a:t>Inductive step. </a:t>
             </a:r>
             <a:r>
               <a:rPr lang="en-US" sz="4800" dirty="0" smtClean="0"/>
-              <a:t>   </a:t>
+              <a:t>  </a:t>
             </a:r>
           </a:p>
           <a:p>
@@ -4750,8 +5261,12 @@
               <a:buNone/>
             </a:pPr>
             <a:r>
+              <a:rPr lang="en-US" sz="4400" dirty="0" smtClean="0"/>
+              <a:t>Case</a:t>
+            </a:r>
+            <a:r>
               <a:rPr lang="en-US" sz="4400" b="1" dirty="0" smtClean="0"/>
-              <a:t>Case </a:t>
+              <a:t> </a:t>
             </a:r>
             <a:r>
               <a:rPr lang="en-US" sz="4400" dirty="0" smtClean="0">
@@ -4806,17 +5321,23 @@
           <p:cNvGraphicFramePr>
             <a:graphicFrameLocks noChangeAspect="1"/>
           </p:cNvGraphicFramePr>
-          <p:nvPr/>
+          <p:nvPr>
+            <p:extLst>
+              <p:ext uri="{D42A27DB-BD31-4B8C-83A1-F6EECF244321}">
+                <p14:modId xmlns:p14="http://schemas.microsoft.com/office/powerpoint/2010/main" val="8010538"/>
+              </p:ext>
+            </p:extLst>
+          </p:nvPr>
         </p:nvGraphicFramePr>
         <p:xfrm>
-          <a:off x="1371600" y="2743200"/>
+          <a:off x="1371600" y="2874963"/>
           <a:ext cx="6118225" cy="2154237"/>
         </p:xfrm>
         <a:graphic>
           <a:graphicData uri="http://schemas.openxmlformats.org/presentationml/2006/ole">
             <mc:AlternateContent xmlns:mc="http://schemas.openxmlformats.org/markup-compatibility/2006">
               <mc:Choice xmlns:v="urn:schemas-microsoft-com:vml" Requires="v">
-                <p:oleObj spid="_x0000_s410640" name="Equation" r:id="rId4" imgW="7315200" imgH="2578100" progId="Equation.DSMT4">
+                <p:oleObj spid="_x0000_s410644" name="Equation" r:id="rId4" imgW="7315200" imgH="2578100" progId="Equation.DSMT4">
                   <p:embed/>
                 </p:oleObj>
               </mc:Choice>
@@ -4846,7 +5367,7 @@
                     </p:blipFill>
                     <p:spPr bwMode="auto">
                       <a:xfrm>
-                        <a:off x="1371600" y="2743200"/>
+                        <a:off x="1371600" y="2874963"/>
                         <a:ext cx="6118225" cy="2154237"/>
                       </a:xfrm>
                       <a:prstGeom prst="rect">
@@ -5148,7 +5669,7 @@
 </p:sld>
 </file>
 
-<file path=ppt/slides/slide14.xml><?xml version="1.0" encoding="utf-8"?>
+<file path=ppt/slides/slide15.xml><?xml version="1.0" encoding="utf-8"?>
 <p:sld xmlns:a="http://schemas.openxmlformats.org/drawingml/2006/main" xmlns:r="http://schemas.openxmlformats.org/officeDocument/2006/relationships" xmlns:p="http://schemas.openxmlformats.org/presentationml/2006/main">
   <p:cSld>
     <p:spTree>
@@ -5193,10 +5714,18 @@
               <a:buNone/>
             </a:pPr>
             <a:r>
-              <a:rPr lang="en-US" sz="4800" b="1" dirty="0" smtClean="0"/>
+              <a:rPr lang="en-US" sz="4800" dirty="0" smtClean="0">
+                <a:solidFill>
+                  <a:srgbClr val="FF33CC"/>
+                </a:solidFill>
+              </a:rPr>
               <a:t>Inductive step.</a:t>
             </a:r>
-            <a:endParaRPr lang="en-US" sz="4400" dirty="0" smtClean="0"/>
+            <a:endParaRPr lang="en-US" sz="4400" dirty="0" smtClean="0">
+              <a:solidFill>
+                <a:srgbClr val="FF33CC"/>
+              </a:solidFill>
+            </a:endParaRPr>
           </a:p>
         </p:txBody>
       </p:sp>
@@ -5239,10 +5768,16 @@
               </a:spcBef>
             </a:pPr>
             <a:r>
+              <a:rPr lang="en-US" sz="4400" dirty="0">
+                <a:latin typeface="Comic Sans MS" pitchFamily="66" charset="0"/>
+              </a:rPr>
+              <a:t>Case</a:t>
+            </a:r>
+            <a:r>
               <a:rPr lang="en-US" sz="4400" b="1" dirty="0">
                 <a:latin typeface="Comic Sans MS" pitchFamily="66" charset="0"/>
               </a:rPr>
-              <a:t>Case </a:t>
+              <a:t> </a:t>
             </a:r>
             <a:r>
               <a:rPr lang="en-US" sz="4400" dirty="0">
@@ -5849,7 +6384,7 @@
 </p:sld>
 </file>
 
-<file path=ppt/slides/slide15.xml><?xml version="1.0" encoding="utf-8"?>
+<file path=ppt/slides/slide16.xml><?xml version="1.0" encoding="utf-8"?>
 <p:sld xmlns:a="http://schemas.openxmlformats.org/drawingml/2006/main" xmlns:r="http://schemas.openxmlformats.org/officeDocument/2006/relationships" xmlns:p="http://schemas.openxmlformats.org/presentationml/2006/main">
   <p:cSld>
     <p:spTree>
@@ -5984,7 +6519,7 @@
           <a:graphicData uri="http://schemas.openxmlformats.org/presentationml/2006/ole">
             <mc:AlternateContent xmlns:mc="http://schemas.openxmlformats.org/markup-compatibility/2006">
               <mc:Choice xmlns:v="urn:schemas-microsoft-com:vml" Requires="v">
-                <p:oleObj spid="_x0000_s414746" name="Equation" r:id="rId4" imgW="7315200" imgH="2146300" progId="Equation.DSMT4">
+                <p:oleObj spid="_x0000_s414753" name="Equation" r:id="rId4" imgW="7315200" imgH="2146300" progId="Equation.DSMT4">
                   <p:embed/>
                 </p:oleObj>
               </mc:Choice>
@@ -6054,7 +6589,7 @@
           <a:graphicData uri="http://schemas.openxmlformats.org/presentationml/2006/ole">
             <mc:AlternateContent xmlns:mc="http://schemas.openxmlformats.org/markup-compatibility/2006">
               <mc:Choice xmlns:v="urn:schemas-microsoft-com:vml" Requires="v">
-                <p:oleObj spid="_x0000_s414747" name="Equation" r:id="rId6" imgW="7315200" imgH="2120900" progId="Equation.DSMT4">
+                <p:oleObj spid="_x0000_s414754" name="Equation" r:id="rId6" imgW="7315200" imgH="2120900" progId="Equation.DSMT4">
                   <p:embed/>
                 </p:oleObj>
               </mc:Choice>
@@ -6113,7 +6648,18 @@
   <p:clrMapOvr>
     <a:masterClrMapping/>
   </p:clrMapOvr>
-  <p:transition xmlns:p14="http://schemas.microsoft.com/office/powerpoint/2010/main"/>
+  <mc:AlternateContent xmlns:mc="http://schemas.openxmlformats.org/markup-compatibility/2006">
+    <mc:Choice xmlns:p14="http://schemas.microsoft.com/office/powerpoint/2010/main" Requires="p14">
+      <p:transition spd="med" p14:dur="700">
+        <p:fade/>
+      </p:transition>
+    </mc:Choice>
+    <mc:Fallback>
+      <p:transition xmlns:p14="http://schemas.microsoft.com/office/powerpoint/2010/main" spd="med">
+        <p:fade/>
+      </p:transition>
+    </mc:Fallback>
+  </mc:AlternateContent>
   <p:timing>
     <p:tnLst>
       <p:par>
@@ -6253,7 +6799,7 @@
 </p:sld>
 </file>
 
-<file path=ppt/slides/slide16.xml><?xml version="1.0" encoding="utf-8"?>
+<file path=ppt/slides/slide17.xml><?xml version="1.0" encoding="utf-8"?>
 <p:sld xmlns:a="http://schemas.openxmlformats.org/drawingml/2006/main" xmlns:r="http://schemas.openxmlformats.org/officeDocument/2006/relationships" xmlns:p="http://schemas.openxmlformats.org/presentationml/2006/main">
   <p:cSld>
     <p:spTree>
@@ -6363,7 +6909,7 @@
           <a:graphicData uri="http://schemas.openxmlformats.org/presentationml/2006/ole">
             <mc:AlternateContent xmlns:mc="http://schemas.openxmlformats.org/markup-compatibility/2006">
               <mc:Choice xmlns:v="urn:schemas-microsoft-com:vml" Requires="v">
-                <p:oleObj spid="_x0000_s416794" name="Equation" r:id="rId4" imgW="7315200" imgH="2159000" progId="Equation.DSMT4">
+                <p:oleObj spid="_x0000_s416801" name="Equation" r:id="rId4" imgW="7315200" imgH="2159000" progId="Equation.DSMT4">
                   <p:embed/>
                 </p:oleObj>
               </mc:Choice>
@@ -6593,7 +7139,7 @@
           <a:graphicData uri="http://schemas.openxmlformats.org/presentationml/2006/ole">
             <mc:AlternateContent xmlns:mc="http://schemas.openxmlformats.org/markup-compatibility/2006">
               <mc:Choice xmlns:v="urn:schemas-microsoft-com:vml" Requires="v">
-                <p:oleObj spid="_x0000_s416795" name="Equation" r:id="rId7" imgW="7315200" imgH="1866900" progId="Equation.DSMT4">
+                <p:oleObj spid="_x0000_s416802" name="Equation" r:id="rId7" imgW="7315200" imgH="1866900" progId="Equation.DSMT4">
                   <p:embed/>
                 </p:oleObj>
               </mc:Choice>
@@ -6680,7 +7226,18 @@
   <p:clrMapOvr>
     <a:masterClrMapping/>
   </p:clrMapOvr>
-  <p:transition xmlns:p14="http://schemas.microsoft.com/office/powerpoint/2010/main"/>
+  <mc:AlternateContent xmlns:mc="http://schemas.openxmlformats.org/markup-compatibility/2006">
+    <mc:Choice xmlns:p14="http://schemas.microsoft.com/office/powerpoint/2010/main" Requires="p14">
+      <p:transition spd="med" p14:dur="700">
+        <p:fade/>
+      </p:transition>
+    </mc:Choice>
+    <mc:Fallback>
+      <p:transition xmlns:p14="http://schemas.microsoft.com/office/powerpoint/2010/main" spd="med">
+        <p:fade/>
+      </p:transition>
+    </mc:Fallback>
+  </mc:AlternateContent>
   <p:timing>
     <p:tnLst>
       <p:par>
@@ -7057,25 +7614,16 @@
           <a:lstStyle/>
           <a:p>
             <a:r>
+              <a:rPr lang="en-US" sz="4800" dirty="0" smtClean="0">
+                <a:latin typeface="Comic Sans MS" pitchFamily="66" charset="0"/>
+              </a:rPr>
+              <a:t>                  Then </a:t>
+            </a:r>
+            <a:r>
               <a:rPr lang="en-US" sz="4800" dirty="0">
                 <a:latin typeface="Comic Sans MS" pitchFamily="66" charset="0"/>
               </a:rPr>
-              <a:t>Prove P(</a:t>
-            </a:r>
-            <a:r>
-              <a:rPr lang="en-US" sz="4800" dirty="0">
-                <a:solidFill>
-                  <a:srgbClr val="0000FF"/>
-                </a:solidFill>
-                <a:latin typeface="Comic Sans MS" pitchFamily="66" charset="0"/>
-              </a:rPr>
-              <a:t>0</a:t>
-            </a:r>
-            <a:r>
-              <a:rPr lang="en-US" sz="4800" dirty="0">
-                <a:latin typeface="Comic Sans MS" pitchFamily="66" charset="0"/>
-              </a:rPr>
-              <a:t>).  Then prove P(</a:t>
+              <a:t>prove P(</a:t>
             </a:r>
             <a:r>
               <a:rPr lang="en-US" sz="4800" dirty="0">
@@ -7260,6 +7808,55 @@
               </a:solidFill>
               <a:latin typeface="Comic Sans MS" pitchFamily="66" charset="0"/>
               <a:sym typeface="Euclid Symbol" pitchFamily="18" charset="2"/>
+            </a:endParaRPr>
+          </a:p>
+        </p:txBody>
+      </p:sp>
+      <p:sp>
+        <p:nvSpPr>
+          <p:cNvPr id="2" name="TextBox 1"/>
+          <p:cNvSpPr txBox="1"/>
+          <p:nvPr/>
+        </p:nvSpPr>
+        <p:spPr>
+          <a:xfrm>
+            <a:off x="304800" y="1295400"/>
+            <a:ext cx="3245299" cy="830997"/>
+          </a:xfrm>
+          <a:prstGeom prst="rect">
+            <a:avLst/>
+          </a:prstGeom>
+          <a:noFill/>
+        </p:spPr>
+        <p:txBody>
+          <a:bodyPr wrap="none" rtlCol="0">
+            <a:spAutoFit/>
+          </a:bodyPr>
+          <a:lstStyle/>
+          <a:p>
+            <a:r>
+              <a:rPr lang="en-US" sz="4800" dirty="0">
+                <a:latin typeface="Comic Sans MS" pitchFamily="66" charset="0"/>
+              </a:rPr>
+              <a:t>Prove P(</a:t>
+            </a:r>
+            <a:r>
+              <a:rPr lang="en-US" sz="4800" dirty="0">
+                <a:solidFill>
+                  <a:srgbClr val="0000FF"/>
+                </a:solidFill>
+                <a:latin typeface="Comic Sans MS" pitchFamily="66" charset="0"/>
+              </a:rPr>
+              <a:t>0</a:t>
+            </a:r>
+            <a:r>
+              <a:rPr lang="en-US" sz="4800" dirty="0" smtClean="0">
+                <a:latin typeface="Comic Sans MS" pitchFamily="66" charset="0"/>
+              </a:rPr>
+              <a:t>).</a:t>
+            </a:r>
+            <a:endParaRPr lang="en-US" sz="4800" dirty="0" smtClean="0">
+              <a:latin typeface="Comic Sans MS" pitchFamily="66" charset="0"/>
             </a:endParaRPr>
           </a:p>
         </p:txBody>
@@ -7293,7 +7890,7 @@
                             </p:stCondLst>
                             <p:childTnLst>
                               <p:par>
-                                <p:cTn id="5" presetID="1" presetClass="entr" presetSubtype="0" fill="hold" nodeType="clickEffect">
+                                <p:cTn id="5" presetID="9" presetClass="entr" presetSubtype="0" fill="hold" grpId="0" nodeType="clickEffect">
                                   <p:stCondLst>
                                     <p:cond delay="0"/>
                                   </p:stCondLst>
@@ -7301,6 +7898,59 @@
                                     <p:set>
                                       <p:cBhvr>
                                         <p:cTn id="6" dur="1" fill="hold">
+                                          <p:stCondLst>
+                                            <p:cond delay="0"/>
+                                          </p:stCondLst>
+                                        </p:cTn>
+                                        <p:tgtEl>
+                                          <p:spTgt spid="2"/>
+                                        </p:tgtEl>
+                                        <p:attrNameLst>
+                                          <p:attrName>style.visibility</p:attrName>
+                                        </p:attrNameLst>
+                                      </p:cBhvr>
+                                      <p:to>
+                                        <p:strVal val="visible"/>
+                                      </p:to>
+                                    </p:set>
+                                    <p:animEffect transition="in" filter="dissolve">
+                                      <p:cBhvr>
+                                        <p:cTn id="7" dur="500"/>
+                                        <p:tgtEl>
+                                          <p:spTgt spid="2"/>
+                                        </p:tgtEl>
+                                      </p:cBhvr>
+                                    </p:animEffect>
+                                  </p:childTnLst>
+                                </p:cTn>
+                              </p:par>
+                            </p:childTnLst>
+                          </p:cTn>
+                        </p:par>
+                      </p:childTnLst>
+                    </p:cTn>
+                  </p:par>
+                  <p:par>
+                    <p:cTn id="8" fill="hold">
+                      <p:stCondLst>
+                        <p:cond delay="indefinite"/>
+                      </p:stCondLst>
+                      <p:childTnLst>
+                        <p:par>
+                          <p:cTn id="9" fill="hold">
+                            <p:stCondLst>
+                              <p:cond delay="0"/>
+                            </p:stCondLst>
+                            <p:childTnLst>
+                              <p:par>
+                                <p:cTn id="10" presetID="9" presetClass="entr" presetSubtype="0" fill="hold" nodeType="clickEffect">
+                                  <p:stCondLst>
+                                    <p:cond delay="0"/>
+                                  </p:stCondLst>
+                                  <p:childTnLst>
+                                    <p:set>
+                                      <p:cBhvr>
+                                        <p:cTn id="11" dur="1" fill="hold">
                                           <p:stCondLst>
                                             <p:cond delay="0"/>
                                           </p:stCondLst>
@@ -7320,18 +7970,30 @@
                                         <p:strVal val="visible"/>
                                       </p:to>
                                     </p:set>
+                                    <p:animEffect transition="in" filter="dissolve">
+                                      <p:cBhvr>
+                                        <p:cTn id="12" dur="500"/>
+                                        <p:tgtEl>
+                                          <p:spTgt spid="199683">
+                                            <p:txEl>
+                                              <p:pRg st="0" end="0"/>
+                                            </p:txEl>
+                                          </p:spTgt>
+                                        </p:tgtEl>
+                                      </p:cBhvr>
+                                    </p:animEffect>
                                   </p:childTnLst>
                                 </p:cTn>
                               </p:par>
                               <p:par>
-                                <p:cTn id="7" presetID="1" presetClass="entr" presetSubtype="0" fill="hold" nodeType="withEffect">
+                                <p:cTn id="13" presetID="9" presetClass="entr" presetSubtype="0" fill="hold" nodeType="withEffect">
                                   <p:stCondLst>
                                     <p:cond delay="0"/>
                                   </p:stCondLst>
                                   <p:childTnLst>
                                     <p:set>
                                       <p:cBhvr>
-                                        <p:cTn id="8" dur="1" fill="hold">
+                                        <p:cTn id="14" dur="1" fill="hold">
                                           <p:stCondLst>
                                             <p:cond delay="0"/>
                                           </p:stCondLst>
@@ -7351,6 +8013,18 @@
                                         <p:strVal val="visible"/>
                                       </p:to>
                                     </p:set>
+                                    <p:animEffect transition="in" filter="dissolve">
+                                      <p:cBhvr>
+                                        <p:cTn id="15" dur="500"/>
+                                        <p:tgtEl>
+                                          <p:spTgt spid="199683">
+                                            <p:txEl>
+                                              <p:pRg st="1" end="1"/>
+                                            </p:txEl>
+                                          </p:spTgt>
+                                        </p:tgtEl>
+                                      </p:cBhvr>
+                                    </p:animEffect>
                                   </p:childTnLst>
                                 </p:cTn>
                               </p:par>
@@ -7361,26 +8035,26 @@
                     </p:cTn>
                   </p:par>
                   <p:par>
-                    <p:cTn id="9" fill="hold">
+                    <p:cTn id="16" fill="hold">
                       <p:stCondLst>
                         <p:cond delay="indefinite"/>
                       </p:stCondLst>
                       <p:childTnLst>
                         <p:par>
-                          <p:cTn id="10" fill="hold">
+                          <p:cTn id="17" fill="hold">
                             <p:stCondLst>
                               <p:cond delay="0"/>
                             </p:stCondLst>
                             <p:childTnLst>
                               <p:par>
-                                <p:cTn id="11" presetID="22" presetClass="entr" presetSubtype="8" fill="hold" nodeType="clickEffect">
+                                <p:cTn id="18" presetID="22" presetClass="entr" presetSubtype="8" fill="hold" nodeType="clickEffect">
                                   <p:stCondLst>
                                     <p:cond delay="0"/>
                                   </p:stCondLst>
                                   <p:childTnLst>
                                     <p:set>
                                       <p:cBhvr>
-                                        <p:cTn id="12" dur="1" fill="hold">
+                                        <p:cTn id="19" dur="1" fill="hold">
                                           <p:stCondLst>
                                             <p:cond delay="0"/>
                                           </p:stCondLst>
@@ -7402,7 +8076,7 @@
                                     </p:set>
                                     <p:animEffect transition="in" filter="wipe(left)">
                                       <p:cBhvr>
-                                        <p:cTn id="13" dur="500"/>
+                                        <p:cTn id="20" dur="500"/>
                                         <p:tgtEl>
                                           <p:spTgt spid="199683">
                                             <p:txEl>
@@ -7418,21 +8092,30 @@
                             </p:childTnLst>
                           </p:cTn>
                         </p:par>
+                      </p:childTnLst>
+                    </p:cTn>
+                  </p:par>
+                  <p:par>
+                    <p:cTn id="21" fill="hold">
+                      <p:stCondLst>
+                        <p:cond delay="indefinite"/>
+                      </p:stCondLst>
+                      <p:childTnLst>
                         <p:par>
-                          <p:cTn id="14" fill="hold">
+                          <p:cTn id="22" fill="hold">
                             <p:stCondLst>
-                              <p:cond delay="500"/>
+                              <p:cond delay="0"/>
                             </p:stCondLst>
                             <p:childTnLst>
                               <p:par>
-                                <p:cTn id="15" presetID="10" presetClass="entr" presetSubtype="0" fill="hold" nodeType="afterEffect">
+                                <p:cTn id="23" presetID="10" presetClass="entr" presetSubtype="0" fill="hold" nodeType="clickEffect">
                                   <p:stCondLst>
                                     <p:cond delay="0"/>
                                   </p:stCondLst>
                                   <p:childTnLst>
                                     <p:set>
                                       <p:cBhvr>
-                                        <p:cTn id="16" dur="1" fill="hold">
+                                        <p:cTn id="24" dur="1" fill="hold">
                                           <p:stCondLst>
                                             <p:cond delay="0"/>
                                           </p:stCondLst>
@@ -7454,7 +8137,7 @@
                                     </p:set>
                                     <p:animEffect transition="in" filter="fade">
                                       <p:cBhvr>
-                                        <p:cTn id="17" dur="1000"/>
+                                        <p:cTn id="25" dur="1000"/>
                                         <p:tgtEl>
                                           <p:spTgt spid="199683">
                                             <p:txEl>
@@ -7474,26 +8157,26 @@
                     </p:cTn>
                   </p:par>
                   <p:par>
-                    <p:cTn id="18" fill="hold">
+                    <p:cTn id="26" fill="hold">
                       <p:stCondLst>
                         <p:cond delay="indefinite"/>
                       </p:stCondLst>
                       <p:childTnLst>
                         <p:par>
-                          <p:cTn id="19" fill="hold">
+                          <p:cTn id="27" fill="hold">
                             <p:stCondLst>
                               <p:cond delay="0"/>
                             </p:stCondLst>
                             <p:childTnLst>
                               <p:par>
-                                <p:cTn id="20" presetID="1" presetClass="entr" presetSubtype="0" fill="hold" nodeType="clickEffect">
+                                <p:cTn id="28" presetID="9" presetClass="entr" presetSubtype="0" fill="hold" nodeType="clickEffect">
                                   <p:stCondLst>
                                     <p:cond delay="0"/>
                                   </p:stCondLst>
                                   <p:childTnLst>
                                     <p:set>
                                       <p:cBhvr>
-                                        <p:cTn id="21" dur="1" fill="hold">
+                                        <p:cTn id="29" dur="1" fill="hold">
                                           <p:stCondLst>
                                             <p:cond delay="0"/>
                                           </p:stCondLst>
@@ -7513,6 +8196,18 @@
                                         <p:strVal val="visible"/>
                                       </p:to>
                                     </p:set>
+                                    <p:animEffect transition="in" filter="dissolve">
+                                      <p:cBhvr>
+                                        <p:cTn id="30" dur="500"/>
+                                        <p:tgtEl>
+                                          <p:spTgt spid="199683">
+                                            <p:txEl>
+                                              <p:pRg st="4" end="4"/>
+                                            </p:txEl>
+                                          </p:spTgt>
+                                        </p:tgtEl>
+                                      </p:cBhvr>
+                                    </p:animEffect>
                                   </p:childTnLst>
                                 </p:cTn>
                               </p:par>
@@ -7543,6 +8238,9 @@
         </p:cTn>
       </p:par>
     </p:tnLst>
+    <p:bldLst>
+      <p:bldP spid="2" grpId="0"/>
+    </p:bldLst>
   </p:timing>
 </p:sld>
 </file>
@@ -10289,12 +10987,16 @@
   <p:clrMapOvr>
     <a:masterClrMapping/>
   </p:clrMapOvr>
-  <mc:AlternateContent xmlns:mc="http://schemas.openxmlformats.org/markup-compatibility/2006" xmlns:p14="http://schemas.microsoft.com/office/powerpoint/2010/main">
-    <mc:Choice Requires="p14">
-      <p:transition spd="slow" p14:dur="2000"/>
+  <mc:AlternateContent xmlns:mc="http://schemas.openxmlformats.org/markup-compatibility/2006">
+    <mc:Choice xmlns:p14="http://schemas.microsoft.com/office/powerpoint/2010/main" Requires="p14">
+      <p:transition spd="med" p14:dur="700">
+        <p:fade/>
+      </p:transition>
     </mc:Choice>
-    <mc:Fallback xmlns="">
-      <p:transition xmlns:p14="http://schemas.microsoft.com/office/powerpoint/2010/main" spd="slow"/>
+    <mc:Fallback>
+      <p:transition xmlns:p14="http://schemas.microsoft.com/office/powerpoint/2010/main" spd="med">
+        <p:fade/>
+      </p:transition>
     </mc:Fallback>
   </mc:AlternateContent>
   <p:timing>
@@ -10687,7 +11389,14 @@
                 <a:latin typeface="Comic Sans MS" pitchFamily="66" charset="0"/>
                 <a:sym typeface="Euclid Symbol"/>
               </a:rPr>
-              <a:t>            can get (</a:t>
+              <a:t>            can </a:t>
+            </a:r>
+            <a:r>
+              <a:rPr lang="en-US" sz="4800" dirty="0" smtClean="0">
+                <a:latin typeface="Comic Sans MS" pitchFamily="66" charset="0"/>
+                <a:sym typeface="Euclid Symbol"/>
+              </a:rPr>
+              <a:t>get (</a:t>
             </a:r>
             <a:r>
               <a:rPr lang="en-US" sz="4800" dirty="0" smtClean="0">
@@ -11677,7 +12386,7 @@
         </p:nvSpPr>
         <p:spPr>
           <a:xfrm>
-            <a:off x="381000" y="1524000"/>
+            <a:off x="533400" y="1524000"/>
             <a:ext cx="3124200" cy="990600"/>
           </a:xfrm>
           <a:prstGeom prst="rect">
@@ -11698,7 +12407,7 @@
               <a:t> </a:t>
             </a:r>
             <a:r>
-              <a:rPr lang="en-US" sz="4800" dirty="0" err="1" smtClean="0">
+              <a:rPr lang="en-US" sz="4800" dirty="0" smtClean="0">
                 <a:solidFill>
                   <a:srgbClr val="0000FF"/>
                 </a:solidFill>
@@ -11726,8 +12435,11 @@
               <a:rPr lang="en-US" sz="4800" dirty="0" smtClean="0">
                 <a:latin typeface="Comic Sans MS" pitchFamily="66" charset="0"/>
               </a:rPr>
-              <a:t>2:</a:t>
-            </a:r>
+              <a:t>2,</a:t>
+            </a:r>
+            <a:endParaRPr lang="en-US" sz="4800" dirty="0" smtClean="0">
+              <a:latin typeface="Comic Sans MS" pitchFamily="66" charset="0"/>
+            </a:endParaRPr>
           </a:p>
         </p:txBody>
       </p:sp>
@@ -11856,12 +12568,16 @@
   <p:clrMapOvr>
     <a:masterClrMapping/>
   </p:clrMapOvr>
-  <mc:AlternateContent xmlns:mc="http://schemas.openxmlformats.org/markup-compatibility/2006" xmlns:p14="http://schemas.microsoft.com/office/powerpoint/2010/main">
-    <mc:Choice Requires="p14">
-      <p:transition spd="slow" p14:dur="2000"/>
+  <mc:AlternateContent xmlns:mc="http://schemas.openxmlformats.org/markup-compatibility/2006">
+    <mc:Choice xmlns:p14="http://schemas.microsoft.com/office/powerpoint/2010/main" Requires="p14">
+      <p:transition spd="med" p14:dur="700">
+        <p:fade/>
+      </p:transition>
     </mc:Choice>
-    <mc:Fallback xmlns="">
-      <p:transition xmlns:p14="http://schemas.microsoft.com/office/powerpoint/2010/main" spd="slow"/>
+    <mc:Fallback>
+      <p:transition xmlns:p14="http://schemas.microsoft.com/office/powerpoint/2010/main" spd="med">
+        <p:fade/>
+      </p:transition>
     </mc:Fallback>
   </mc:AlternateContent>
   <p:timing>
@@ -11885,7 +12601,7 @@
                             </p:stCondLst>
                             <p:childTnLst>
                               <p:par>
-                                <p:cTn id="5" presetID="22" presetClass="entr" presetSubtype="8" fill="hold" nodeType="clickEffect">
+                                <p:cTn id="5" presetID="9" presetClass="entr" presetSubtype="0" fill="hold" grpId="0" nodeType="clickEffect">
                                   <p:stCondLst>
                                     <p:cond delay="0"/>
                                   </p:stCondLst>
@@ -11898,11 +12614,7 @@
                                           </p:stCondLst>
                                         </p:cTn>
                                         <p:tgtEl>
-                                          <p:spTgt spid="35">
-                                            <p:txEl>
-                                              <p:pRg st="1" end="1"/>
-                                            </p:txEl>
-                                          </p:spTgt>
+                                          <p:spTgt spid="35"/>
                                         </p:tgtEl>
                                         <p:attrNameLst>
                                           <p:attrName>style.visibility</p:attrName>
@@ -11912,15 +12624,11 @@
                                         <p:strVal val="visible"/>
                                       </p:to>
                                     </p:set>
-                                    <p:animEffect transition="in" filter="wipe(left)">
+                                    <p:animEffect transition="in" filter="dissolve">
                                       <p:cBhvr>
                                         <p:cTn id="7" dur="500"/>
                                         <p:tgtEl>
-                                          <p:spTgt spid="35">
-                                            <p:txEl>
-                                              <p:pRg st="1" end="1"/>
-                                            </p:txEl>
-                                          </p:spTgt>
+                                          <p:spTgt spid="35"/>
                                         </p:tgtEl>
                                       </p:cBhvr>
                                     </p:animEffect>
@@ -12318,6 +13026,7 @@
       </p:par>
     </p:tnLst>
     <p:bldLst>
+      <p:bldP spid="35" grpId="0"/>
       <p:bldP spid="28" grpId="0"/>
     </p:bldLst>
   </p:timing>
@@ -12325,6 +13034,379 @@
 </file>
 
 <file path=ppt/slides/slide8.xml><?xml version="1.0" encoding="utf-8"?>
+<p:sld xmlns:a="http://schemas.openxmlformats.org/drawingml/2006/main" xmlns:r="http://schemas.openxmlformats.org/officeDocument/2006/relationships" xmlns:p="http://schemas.openxmlformats.org/presentationml/2006/main">
+  <p:cSld>
+    <p:spTree>
+      <p:nvGrpSpPr>
+        <p:cNvPr id="1" name=""/>
+        <p:cNvGrpSpPr/>
+        <p:nvPr/>
+      </p:nvGrpSpPr>
+      <p:grpSpPr>
+        <a:xfrm>
+          <a:off x="0" y="0"/>
+          <a:ext cx="0" cy="0"/>
+          <a:chOff x="0" y="0"/>
+          <a:chExt cx="0" cy="0"/>
+        </a:xfrm>
+      </p:grpSpPr>
+      <p:sp>
+        <p:nvSpPr>
+          <p:cNvPr id="35" name="TextBox 34"/>
+          <p:cNvSpPr txBox="1"/>
+          <p:nvPr/>
+        </p:nvSpPr>
+        <p:spPr bwMode="auto">
+          <a:xfrm>
+            <a:off x="609600" y="1371600"/>
+            <a:ext cx="7920482" cy="4247317"/>
+          </a:xfrm>
+          <a:prstGeom prst="rect">
+            <a:avLst/>
+          </a:prstGeom>
+          <a:noFill/>
+          <a:ln w="9525">
+            <a:noFill/>
+            <a:miter lim="800000"/>
+            <a:headEnd/>
+            <a:tailEnd type="none" w="lg" len="lg"/>
+          </a:ln>
+        </p:spPr>
+        <p:txBody>
+          <a:bodyPr wrap="none" rtlCol="0">
+            <a:spAutoFit/>
+          </a:bodyPr>
+          <a:lstStyle/>
+          <a:p>
+            <a:r>
+              <a:rPr lang="en-US" sz="5400" dirty="0" smtClean="0">
+                <a:latin typeface="Comic Sans MS" pitchFamily="66" charset="0"/>
+              </a:rPr>
+              <a:t>We</a:t>
+            </a:r>
+            <a:r>
+              <a:rPr lang="en-US" sz="5400" dirty="0">
+                <a:latin typeface="Comic Sans MS" pitchFamily="66" charset="0"/>
+              </a:rPr>
+              <a:t> </a:t>
+            </a:r>
+            <a:r>
+              <a:rPr lang="en-US" sz="5400" dirty="0" smtClean="0">
+                <a:latin typeface="Comic Sans MS" pitchFamily="66" charset="0"/>
+              </a:rPr>
+              <a:t>conclude by strong</a:t>
+            </a:r>
+          </a:p>
+          <a:p>
+            <a:r>
+              <a:rPr lang="en-US" sz="5400" dirty="0" smtClean="0">
+                <a:latin typeface="Comic Sans MS" pitchFamily="66" charset="0"/>
+                <a:cs typeface="Times New Roman" pitchFamily="18" charset="0"/>
+              </a:rPr>
+              <a:t>induction that,</a:t>
+            </a:r>
+          </a:p>
+          <a:p>
+            <a:r>
+              <a:rPr lang="en-US" sz="5400" dirty="0" smtClean="0">
+                <a:latin typeface="Comic Sans MS"/>
+                <a:cs typeface="Comic Sans MS"/>
+              </a:rPr>
+              <a:t>using </a:t>
+            </a:r>
+            <a:r>
+              <a:rPr lang="en-US" sz="5400" dirty="0">
+                <a:latin typeface="Comic Sans MS"/>
+                <a:cs typeface="Comic Sans MS"/>
+              </a:rPr>
+              <a:t>3¢ and 5</a:t>
+            </a:r>
+            <a:r>
+              <a:rPr lang="en-US" sz="5400" dirty="0" smtClean="0">
+                <a:latin typeface="Comic Sans MS"/>
+                <a:cs typeface="Comic Sans MS"/>
+              </a:rPr>
+              <a:t>¢ stamps,</a:t>
+            </a:r>
+          </a:p>
+          <a:p>
+            <a:r>
+              <a:rPr lang="en-US" sz="5400" dirty="0" smtClean="0">
+                <a:solidFill>
+                  <a:srgbClr val="0000FF"/>
+                </a:solidFill>
+                <a:latin typeface="Comic Sans MS"/>
+                <a:cs typeface="Comic Sans MS"/>
+              </a:rPr>
+              <a:t>n </a:t>
+            </a:r>
+            <a:r>
+              <a:rPr lang="en-US" sz="5400" dirty="0">
+                <a:latin typeface="Comic Sans MS"/>
+                <a:cs typeface="Comic Sans MS"/>
+                <a:sym typeface="Euclid Symbol" pitchFamily="18" charset="2"/>
+              </a:rPr>
+              <a:t>+ </a:t>
+            </a:r>
+            <a:r>
+              <a:rPr lang="en-US" sz="5400" dirty="0">
+                <a:latin typeface="Comic Sans MS"/>
+                <a:cs typeface="Comic Sans MS"/>
+              </a:rPr>
+              <a:t>8</a:t>
+            </a:r>
+            <a:r>
+              <a:rPr lang="en-US" sz="5400" dirty="0" smtClean="0">
+                <a:latin typeface="Comic Sans MS"/>
+                <a:cs typeface="Comic Sans MS"/>
+              </a:rPr>
+              <a:t>¢ postage can be</a:t>
+            </a:r>
+          </a:p>
+          <a:p>
+            <a:r>
+              <a:rPr lang="en-US" sz="5400" dirty="0" smtClean="0">
+                <a:latin typeface="Comic Sans MS"/>
+                <a:cs typeface="Comic Sans MS"/>
+              </a:rPr>
+              <a:t>formed</a:t>
+            </a:r>
+            <a:endParaRPr lang="en-US" sz="5400" dirty="0" smtClean="0">
+              <a:latin typeface="Comic Sans MS" pitchFamily="66" charset="0"/>
+              <a:cs typeface="Times New Roman" pitchFamily="18" charset="0"/>
+            </a:endParaRPr>
+          </a:p>
+        </p:txBody>
+      </p:sp>
+      <p:sp>
+        <p:nvSpPr>
+          <p:cNvPr id="27" name="Rectangle 14"/>
+          <p:cNvSpPr>
+            <a:spLocks noGrp="1" noChangeArrowheads="1"/>
+          </p:cNvSpPr>
+          <p:nvPr>
+            <p:ph type="title"/>
+          </p:nvPr>
+        </p:nvSpPr>
+        <p:spPr>
+          <a:xfrm>
+            <a:off x="1447800" y="122238"/>
+            <a:ext cx="7696200" cy="1173162"/>
+          </a:xfrm>
+          <a:noFill/>
+        </p:spPr>
+        <p:txBody>
+          <a:bodyPr/>
+          <a:lstStyle/>
+          <a:p>
+            <a:pPr eaLnBrk="1" hangingPunct="1"/>
+            <a:r>
+              <a:rPr lang="en-US" dirty="0" smtClean="0"/>
+              <a:t>Postage by Strong Induction</a:t>
+            </a:r>
+          </a:p>
+        </p:txBody>
+      </p:sp>
+      <p:sp>
+        <p:nvSpPr>
+          <p:cNvPr id="9" name="TextBox 8"/>
+          <p:cNvSpPr txBox="1"/>
+          <p:nvPr/>
+        </p:nvSpPr>
+        <p:spPr>
+          <a:xfrm>
+            <a:off x="3282073" y="4648200"/>
+            <a:ext cx="4337927" cy="923330"/>
+          </a:xfrm>
+          <a:prstGeom prst="rect">
+            <a:avLst/>
+          </a:prstGeom>
+          <a:noFill/>
+        </p:spPr>
+        <p:txBody>
+          <a:bodyPr wrap="none" rtlCol="0">
+            <a:spAutoFit/>
+          </a:bodyPr>
+          <a:lstStyle/>
+          <a:p>
+            <a:r>
+              <a:rPr lang="en-US" sz="5400" dirty="0">
+                <a:solidFill>
+                  <a:srgbClr val="BC34CA"/>
+                </a:solidFill>
+                <a:latin typeface="Comic Sans MS" pitchFamily="66" charset="0"/>
+                <a:cs typeface="Times New Roman" pitchFamily="18" charset="0"/>
+              </a:rPr>
+              <a:t>for all</a:t>
+            </a:r>
+            <a:r>
+              <a:rPr lang="en-US" sz="5400" dirty="0">
+                <a:solidFill>
+                  <a:prstClr val="black"/>
+                </a:solidFill>
+                <a:latin typeface="Comic Sans MS" pitchFamily="66" charset="0"/>
+                <a:cs typeface="Times New Roman" pitchFamily="18" charset="0"/>
+              </a:rPr>
+              <a:t> </a:t>
+            </a:r>
+            <a:r>
+              <a:rPr lang="en-US" sz="5400" dirty="0">
+                <a:solidFill>
+                  <a:srgbClr val="0000FF"/>
+                </a:solidFill>
+                <a:latin typeface="Comic Sans MS" pitchFamily="66" charset="0"/>
+                <a:cs typeface="Times New Roman" pitchFamily="18" charset="0"/>
+              </a:rPr>
+              <a:t>n</a:t>
+            </a:r>
+            <a:r>
+              <a:rPr lang="en-US" sz="5400" dirty="0">
+                <a:solidFill>
+                  <a:prstClr val="black"/>
+                </a:solidFill>
+                <a:latin typeface="Comic Sans MS" pitchFamily="66" charset="0"/>
+                <a:cs typeface="Times New Roman" pitchFamily="18" charset="0"/>
+              </a:rPr>
+              <a:t> </a:t>
+            </a:r>
+            <a:r>
+              <a:rPr lang="en-US" sz="5400" b="1" dirty="0">
+                <a:solidFill>
+                  <a:prstClr val="black"/>
+                </a:solidFill>
+                <a:latin typeface="Euclid Symbol" charset="2"/>
+                <a:cs typeface="Euclid Symbol" charset="2"/>
+              </a:rPr>
+              <a:t>≥ </a:t>
+            </a:r>
+            <a:r>
+              <a:rPr lang="en-US" sz="5400" dirty="0">
+                <a:solidFill>
+                  <a:prstClr val="black"/>
+                </a:solidFill>
+                <a:latin typeface="Comic Sans MS" pitchFamily="66" charset="0"/>
+                <a:cs typeface="Times New Roman" pitchFamily="18" charset="0"/>
+              </a:rPr>
+              <a:t>0.</a:t>
+            </a:r>
+            <a:endParaRPr lang="en-US" sz="4800" dirty="0" smtClean="0">
+              <a:latin typeface="Comic Sans MS" pitchFamily="66" charset="0"/>
+            </a:endParaRPr>
+          </a:p>
+        </p:txBody>
+      </p:sp>
+    </p:spTree>
+    <p:extLst>
+      <p:ext uri="{BB962C8B-B14F-4D97-AF65-F5344CB8AC3E}">
+        <p14:creationId xmlns:p14="http://schemas.microsoft.com/office/powerpoint/2010/main" val="999838335"/>
+      </p:ext>
+    </p:extLst>
+  </p:cSld>
+  <p:clrMapOvr>
+    <a:masterClrMapping/>
+  </p:clrMapOvr>
+  <mc:AlternateContent xmlns:mc="http://schemas.openxmlformats.org/markup-compatibility/2006">
+    <mc:Choice xmlns:p14="http://schemas.microsoft.com/office/powerpoint/2010/main" Requires="p14">
+      <p:transition spd="med" p14:dur="700">
+        <p:fade/>
+      </p:transition>
+    </mc:Choice>
+    <mc:Fallback>
+      <p:transition xmlns:p14="http://schemas.microsoft.com/office/powerpoint/2010/main" spd="med">
+        <p:fade/>
+      </p:transition>
+    </mc:Fallback>
+  </mc:AlternateContent>
+  <p:timing>
+    <p:tnLst>
+      <p:par>
+        <p:cTn xmlns:p14="http://schemas.microsoft.com/office/powerpoint/2010/main" id="1" dur="indefinite" restart="never" nodeType="tmRoot">
+          <p:childTnLst>
+            <p:seq concurrent="1" nextAc="seek">
+              <p:cTn id="2" dur="indefinite" nodeType="mainSeq">
+                <p:childTnLst>
+                  <p:par>
+                    <p:cTn id="3" fill="hold">
+                      <p:stCondLst>
+                        <p:cond delay="indefinite"/>
+                      </p:stCondLst>
+                      <p:childTnLst>
+                        <p:par>
+                          <p:cTn id="4" fill="hold">
+                            <p:stCondLst>
+                              <p:cond delay="0"/>
+                            </p:stCondLst>
+                            <p:childTnLst>
+                              <p:par>
+                                <p:cTn id="5" presetID="9" presetClass="entr" presetSubtype="0" fill="hold" grpId="0" nodeType="clickEffect">
+                                  <p:stCondLst>
+                                    <p:cond delay="0"/>
+                                  </p:stCondLst>
+                                  <p:childTnLst>
+                                    <p:set>
+                                      <p:cBhvr>
+                                        <p:cTn id="6" dur="1" fill="hold">
+                                          <p:stCondLst>
+                                            <p:cond delay="0"/>
+                                          </p:stCondLst>
+                                        </p:cTn>
+                                        <p:tgtEl>
+                                          <p:spTgt spid="9"/>
+                                        </p:tgtEl>
+                                        <p:attrNameLst>
+                                          <p:attrName>style.visibility</p:attrName>
+                                        </p:attrNameLst>
+                                      </p:cBhvr>
+                                      <p:to>
+                                        <p:strVal val="visible"/>
+                                      </p:to>
+                                    </p:set>
+                                    <p:animEffect transition="in" filter="dissolve">
+                                      <p:cBhvr>
+                                        <p:cTn id="7" dur="500"/>
+                                        <p:tgtEl>
+                                          <p:spTgt spid="9"/>
+                                        </p:tgtEl>
+                                      </p:cBhvr>
+                                    </p:animEffect>
+                                  </p:childTnLst>
+                                </p:cTn>
+                              </p:par>
+                            </p:childTnLst>
+                          </p:cTn>
+                        </p:par>
+                      </p:childTnLst>
+                    </p:cTn>
+                  </p:par>
+                </p:childTnLst>
+              </p:cTn>
+              <p:prevCondLst>
+                <p:cond evt="onPrev" delay="0">
+                  <p:tgtEl>
+                    <p:sldTgt/>
+                  </p:tgtEl>
+                </p:cond>
+              </p:prevCondLst>
+              <p:nextCondLst>
+                <p:cond evt="onNext" delay="0">
+                  <p:tgtEl>
+                    <p:sldTgt/>
+                  </p:tgtEl>
+                </p:cond>
+              </p:nextCondLst>
+            </p:seq>
+          </p:childTnLst>
+        </p:cTn>
+      </p:par>
+    </p:tnLst>
+    <p:bldLst>
+      <p:bldP spid="9" grpId="0"/>
+    </p:bldLst>
+  </p:timing>
+</p:sld>
+</file>
+
+<file path=ppt/slides/slide9.xml><?xml version="1.0" encoding="utf-8"?>
 <p:sld xmlns:a="http://schemas.openxmlformats.org/drawingml/2006/main" xmlns:r="http://schemas.openxmlformats.org/officeDocument/2006/relationships" xmlns:p="http://schemas.openxmlformats.org/presentationml/2006/main">
   <p:cSld>
     <p:spTree>
@@ -13101,7 +14183,7 @@
                             </p:stCondLst>
                             <p:childTnLst>
                               <p:par>
-                                <p:cTn id="5" presetID="1" presetClass="entr" presetSubtype="0" fill="hold" nodeType="clickEffect">
+                                <p:cTn id="5" presetID="9" presetClass="entr" presetSubtype="0" fill="hold" nodeType="clickEffect">
                                   <p:stCondLst>
                                     <p:cond delay="0"/>
                                   </p:stCondLst>
@@ -13128,6 +14210,18 @@
                                         <p:strVal val="visible"/>
                                       </p:to>
                                     </p:set>
+                                    <p:animEffect transition="in" filter="dissolve">
+                                      <p:cBhvr>
+                                        <p:cTn id="7" dur="500"/>
+                                        <p:tgtEl>
+                                          <p:spTgt spid="295939">
+                                            <p:txEl>
+                                              <p:pRg st="1" end="1"/>
+                                            </p:txEl>
+                                          </p:spTgt>
+                                        </p:tgtEl>
+                                      </p:cBhvr>
+                                    </p:animEffect>
                                   </p:childTnLst>
                                 </p:cTn>
                               </p:par>
@@ -13138,26 +14232,26 @@
                     </p:cTn>
                   </p:par>
                   <p:par>
-                    <p:cTn id="7" fill="hold">
+                    <p:cTn id="8" fill="hold">
                       <p:stCondLst>
                         <p:cond delay="indefinite"/>
                       </p:stCondLst>
                       <p:childTnLst>
                         <p:par>
-                          <p:cTn id="8" fill="hold">
+                          <p:cTn id="9" fill="hold">
                             <p:stCondLst>
                               <p:cond delay="0"/>
                             </p:stCondLst>
                             <p:childTnLst>
                               <p:par>
-                                <p:cTn id="9" presetID="9" presetClass="entr" presetSubtype="0" fill="hold" grpId="0" nodeType="clickEffect">
+                                <p:cTn id="10" presetID="9" presetClass="entr" presetSubtype="0" fill="hold" grpId="0" nodeType="clickEffect">
                                   <p:stCondLst>
                                     <p:cond delay="0"/>
                                   </p:stCondLst>
                                   <p:childTnLst>
                                     <p:set>
                                       <p:cBhvr>
-                                        <p:cTn id="10" dur="1" fill="hold">
+                                        <p:cTn id="11" dur="1" fill="hold">
                                           <p:stCondLst>
                                             <p:cond delay="0"/>
                                           </p:stCondLst>
@@ -13175,7 +14269,7 @@
                                     </p:set>
                                     <p:animEffect transition="in" filter="dissolve">
                                       <p:cBhvr>
-                                        <p:cTn id="11" dur="500"/>
+                                        <p:cTn id="12" dur="500"/>
                                         <p:tgtEl>
                                           <p:spTgt spid="295958"/>
                                         </p:tgtEl>
@@ -13191,26 +14285,26 @@
                     </p:cTn>
                   </p:par>
                   <p:par>
-                    <p:cTn id="12" fill="hold">
+                    <p:cTn id="13" fill="hold">
                       <p:stCondLst>
                         <p:cond delay="indefinite"/>
                       </p:stCondLst>
                       <p:childTnLst>
                         <p:par>
-                          <p:cTn id="13" fill="hold">
+                          <p:cTn id="14" fill="hold">
                             <p:stCondLst>
                               <p:cond delay="0"/>
                             </p:stCondLst>
                             <p:childTnLst>
                               <p:par>
-                                <p:cTn id="14" presetID="22" presetClass="entr" presetSubtype="8" fill="hold" nodeType="clickEffect">
+                                <p:cTn id="15" presetID="22" presetClass="entr" presetSubtype="8" fill="hold" nodeType="clickEffect">
                                   <p:stCondLst>
                                     <p:cond delay="0"/>
                                   </p:stCondLst>
                                   <p:childTnLst>
                                     <p:set>
                                       <p:cBhvr>
-                                        <p:cTn id="15" dur="1" fill="hold">
+                                        <p:cTn id="16" dur="1" fill="hold">
                                           <p:stCondLst>
                                             <p:cond delay="0"/>
                                           </p:stCondLst>
@@ -13228,7 +14322,7 @@
                                     </p:set>
                                     <p:animEffect transition="in" filter="wipe(left)">
                                       <p:cBhvr>
-                                        <p:cTn id="16" dur="500"/>
+                                        <p:cTn id="17" dur="500"/>
                                         <p:tgtEl>
                                           <p:spTgt spid="3"/>
                                         </p:tgtEl>
@@ -13244,26 +14338,26 @@
                     </p:cTn>
                   </p:par>
                   <p:par>
-                    <p:cTn id="17" fill="hold">
+                    <p:cTn id="18" fill="hold">
                       <p:stCondLst>
                         <p:cond delay="indefinite"/>
                       </p:stCondLst>
                       <p:childTnLst>
                         <p:par>
-                          <p:cTn id="18" fill="hold">
+                          <p:cTn id="19" fill="hold">
                             <p:stCondLst>
                               <p:cond delay="0"/>
                             </p:stCondLst>
                             <p:childTnLst>
                               <p:par>
-                                <p:cTn id="19" presetID="22" presetClass="entr" presetSubtype="8" fill="hold" nodeType="clickEffect">
+                                <p:cTn id="20" presetID="22" presetClass="entr" presetSubtype="8" fill="hold" nodeType="clickEffect">
                                   <p:stCondLst>
                                     <p:cond delay="0"/>
                                   </p:stCondLst>
                                   <p:childTnLst>
                                     <p:set>
                                       <p:cBhvr>
-                                        <p:cTn id="20" dur="1" fill="hold">
+                                        <p:cTn id="21" dur="1" fill="hold">
                                           <p:stCondLst>
                                             <p:cond delay="0"/>
                                           </p:stCondLst>
@@ -13285,7 +14379,7 @@
                                     </p:set>
                                     <p:animEffect transition="in" filter="wipe(left)">
                                       <p:cBhvr>
-                                        <p:cTn id="21" dur="500"/>
+                                        <p:cTn id="22" dur="500"/>
                                         <p:tgtEl>
                                           <p:spTgt spid="295939">
                                             <p:txEl>
@@ -13305,26 +14399,26 @@
                     </p:cTn>
                   </p:par>
                   <p:par>
-                    <p:cTn id="22" fill="hold">
+                    <p:cTn id="23" fill="hold">
                       <p:stCondLst>
                         <p:cond delay="indefinite"/>
                       </p:stCondLst>
                       <p:childTnLst>
                         <p:par>
-                          <p:cTn id="23" fill="hold">
+                          <p:cTn id="24" fill="hold">
                             <p:stCondLst>
                               <p:cond delay="0"/>
                             </p:stCondLst>
                             <p:childTnLst>
                               <p:par>
-                                <p:cTn id="24" presetID="9" presetClass="entr" presetSubtype="0" fill="hold" nodeType="clickEffect">
+                                <p:cTn id="25" presetID="9" presetClass="entr" presetSubtype="0" fill="hold" nodeType="clickEffect">
                                   <p:stCondLst>
                                     <p:cond delay="0"/>
                                   </p:stCondLst>
                                   <p:childTnLst>
                                     <p:set>
                                       <p:cBhvr>
-                                        <p:cTn id="25" dur="1" fill="hold">
+                                        <p:cTn id="26" dur="1" fill="hold">
                                           <p:stCondLst>
                                             <p:cond delay="0"/>
                                           </p:stCondLst>
@@ -13346,7 +14440,7 @@
                                     </p:set>
                                     <p:animEffect transition="in" filter="dissolve">
                                       <p:cBhvr>
-                                        <p:cTn id="26" dur="500"/>
+                                        <p:cTn id="27" dur="500"/>
                                         <p:tgtEl>
                                           <p:spTgt spid="295939">
                                             <p:txEl>
@@ -13360,14 +14454,14 @@
                                 </p:cTn>
                               </p:par>
                               <p:par>
-                                <p:cTn id="27" presetID="9" presetClass="entr" presetSubtype="0" fill="hold" nodeType="withEffect">
+                                <p:cTn id="28" presetID="9" presetClass="entr" presetSubtype="0" fill="hold" nodeType="withEffect">
                                   <p:stCondLst>
                                     <p:cond delay="0"/>
                                   </p:stCondLst>
                                   <p:childTnLst>
                                     <p:set>
                                       <p:cBhvr>
-                                        <p:cTn id="28" dur="1" fill="hold">
+                                        <p:cTn id="29" dur="1" fill="hold">
                                           <p:stCondLst>
                                             <p:cond delay="0"/>
                                           </p:stCondLst>
@@ -13389,7 +14483,7 @@
                                     </p:set>
                                     <p:animEffect transition="in" filter="dissolve">
                                       <p:cBhvr>
-                                        <p:cTn id="29" dur="500"/>
+                                        <p:cTn id="30" dur="500"/>
                                         <p:tgtEl>
                                           <p:spTgt spid="295939">
                                             <p:txEl>
@@ -13432,372 +14526,6 @@
     <p:bldLst>
       <p:bldP spid="295958" grpId="0"/>
     </p:bldLst>
-  </p:timing>
-</p:sld>
-</file>
-
-<file path=ppt/slides/slide9.xml><?xml version="1.0" encoding="utf-8"?>
-<p:sld xmlns:a="http://schemas.openxmlformats.org/drawingml/2006/main" xmlns:r="http://schemas.openxmlformats.org/officeDocument/2006/relationships" xmlns:p="http://schemas.openxmlformats.org/presentationml/2006/main">
-  <p:cSld>
-    <p:spTree>
-      <p:nvGrpSpPr>
-        <p:cNvPr id="1" name=""/>
-        <p:cNvGrpSpPr/>
-        <p:nvPr/>
-      </p:nvGrpSpPr>
-      <p:grpSpPr>
-        <a:xfrm>
-          <a:off x="0" y="0"/>
-          <a:ext cx="0" cy="0"/>
-          <a:chOff x="0" y="0"/>
-          <a:chExt cx="0" cy="0"/>
-        </a:xfrm>
-      </p:grpSpPr>
-      <p:sp>
-        <p:nvSpPr>
-          <p:cNvPr id="1028" name="Rectangle 2"/>
-          <p:cNvSpPr>
-            <a:spLocks noGrp="1" noChangeArrowheads="1"/>
-          </p:cNvSpPr>
-          <p:nvPr>
-            <p:ph type="title" idx="4294967295"/>
-          </p:nvPr>
-        </p:nvSpPr>
-        <p:spPr>
-          <a:xfrm>
-            <a:off x="1600200" y="0"/>
-            <a:ext cx="7543800" cy="1143000"/>
-          </a:xfrm>
-        </p:spPr>
-        <p:txBody>
-          <a:bodyPr/>
-          <a:lstStyle/>
-          <a:p>
-            <a:pPr eaLnBrk="1" hangingPunct="1"/>
-            <a:r>
-              <a:rPr lang="en-US" smtClean="0"/>
-              <a:t>Analyzing the Stacking Game</a:t>
-            </a:r>
-          </a:p>
-        </p:txBody>
-      </p:sp>
-      <p:sp>
-        <p:nvSpPr>
-          <p:cNvPr id="330755" name="Rectangle 3"/>
-          <p:cNvSpPr>
-            <a:spLocks noGrp="1" noChangeArrowheads="1"/>
-          </p:cNvSpPr>
-          <p:nvPr>
-            <p:ph type="body" idx="4294967295"/>
-          </p:nvPr>
-        </p:nvSpPr>
-        <p:spPr>
-          <a:xfrm>
-            <a:off x="381000" y="1752600"/>
-            <a:ext cx="8305800" cy="3276600"/>
-          </a:xfrm>
-        </p:spPr>
-        <p:txBody>
-          <a:bodyPr/>
-          <a:lstStyle/>
-          <a:p>
-            <a:pPr eaLnBrk="1" hangingPunct="1">
-              <a:buFontTx/>
-              <a:buNone/>
-            </a:pPr>
-            <a:r>
-              <a:rPr lang="en-US" sz="4400" dirty="0" smtClean="0"/>
-              <a:t>Claim: Every way of </a:t>
-            </a:r>
-            <a:r>
-              <a:rPr lang="en-US" sz="4400" dirty="0" err="1" smtClean="0"/>
-              <a:t>unstacking</a:t>
-            </a:r>
-            <a:r>
-              <a:rPr lang="en-US" sz="4400" dirty="0" smtClean="0"/>
-              <a:t> </a:t>
-            </a:r>
-          </a:p>
-          <a:p>
-            <a:pPr eaLnBrk="1" hangingPunct="1">
-              <a:buFontTx/>
-              <a:buNone/>
-            </a:pPr>
-            <a:r>
-              <a:rPr lang="en-US" sz="4400" dirty="0" smtClean="0">
-                <a:solidFill>
-                  <a:srgbClr val="008000"/>
-                </a:solidFill>
-              </a:rPr>
-              <a:t>n</a:t>
-            </a:r>
-            <a:r>
-              <a:rPr lang="en-US" sz="4400" dirty="0" smtClean="0"/>
-              <a:t> blocks gives the same score:</a:t>
-            </a:r>
-          </a:p>
-          <a:p>
-            <a:pPr eaLnBrk="1" hangingPunct="1">
-              <a:buFontTx/>
-              <a:buNone/>
-            </a:pPr>
-            <a:endParaRPr lang="en-US" sz="4400" dirty="0" smtClean="0"/>
-          </a:p>
-          <a:p>
-            <a:pPr eaLnBrk="1" hangingPunct="1">
-              <a:buFontTx/>
-              <a:buNone/>
-            </a:pPr>
-            <a:r>
-              <a:rPr lang="en-US" sz="4400" dirty="0" smtClean="0"/>
-              <a:t>(</a:t>
-            </a:r>
-            <a:r>
-              <a:rPr lang="en-US" sz="4400" dirty="0" smtClean="0">
-                <a:solidFill>
-                  <a:srgbClr val="008000"/>
-                </a:solidFill>
-              </a:rPr>
-              <a:t>n</a:t>
-            </a:r>
-            <a:r>
-              <a:rPr lang="en-US" sz="4400" dirty="0" smtClean="0"/>
-              <a:t>-1)+(</a:t>
-            </a:r>
-            <a:r>
-              <a:rPr lang="en-US" sz="4400" dirty="0" smtClean="0">
-                <a:solidFill>
-                  <a:srgbClr val="008000"/>
-                </a:solidFill>
-              </a:rPr>
-              <a:t>n</a:t>
-            </a:r>
-            <a:r>
-              <a:rPr lang="en-US" sz="4400" dirty="0" smtClean="0"/>
-              <a:t>-2)+</a:t>
-            </a:r>
-            <a:r>
-              <a:rPr lang="en-US" sz="4400" dirty="0" smtClean="0">
-                <a:sym typeface="Euclid Extra" pitchFamily="18" charset="2"/>
-              </a:rPr>
-              <a:t></a:t>
-            </a:r>
-            <a:r>
-              <a:rPr lang="en-US" sz="4400" dirty="0" smtClean="0"/>
-              <a:t>+1</a:t>
-            </a:r>
-          </a:p>
-        </p:txBody>
-      </p:sp>
-      <p:graphicFrame>
-        <p:nvGraphicFramePr>
-          <p:cNvPr id="330757" name="Object 5"/>
-          <p:cNvGraphicFramePr>
-            <a:graphicFrameLocks noChangeAspect="1"/>
-          </p:cNvGraphicFramePr>
-          <p:nvPr/>
-        </p:nvGraphicFramePr>
-        <p:xfrm>
-          <a:off x="4814888" y="3444875"/>
-          <a:ext cx="2749550" cy="2036763"/>
-        </p:xfrm>
-        <a:graphic>
-          <a:graphicData uri="http://schemas.openxmlformats.org/presentationml/2006/ole">
-            <mc:AlternateContent xmlns:mc="http://schemas.openxmlformats.org/markup-compatibility/2006">
-              <mc:Choice xmlns:v="urn:schemas-microsoft-com:vml" Requires="v">
-                <p:oleObj spid="_x0000_s402448" name="Equation" r:id="rId4" imgW="7315200" imgH="5410200" progId="Equation.DSMT4">
-                  <p:embed/>
-                </p:oleObj>
-              </mc:Choice>
-              <mc:Fallback>
-                <p:oleObj name="Equation" r:id="rId4" imgW="7315200" imgH="5410200" progId="Equation.DSMT4">
-                  <p:embed/>
-                  <p:pic>
-                    <p:nvPicPr>
-                      <p:cNvPr id="0" name="Object 5"/>
-                      <p:cNvPicPr>
-                        <a:picLocks noChangeAspect="1" noChangeArrowheads="1"/>
-                      </p:cNvPicPr>
-                      <p:nvPr/>
-                    </p:nvPicPr>
-                    <p:blipFill>
-                      <a:blip r:embed="rId5">
-                        <a:extLst>
-                          <a:ext uri="{28A0092B-C50C-407E-A947-70E740481C1C}">
-                            <a14:useLocalDpi xmlns:a14="http://schemas.microsoft.com/office/drawing/2010/main" val="0"/>
-                          </a:ext>
-                        </a:extLst>
-                      </a:blip>
-                      <a:srcRect/>
-                      <a:stretch>
-                        <a:fillRect/>
-                      </a:stretch>
-                    </p:blipFill>
-                    <p:spPr bwMode="auto">
-                      <a:xfrm>
-                        <a:off x="4814888" y="3444875"/>
-                        <a:ext cx="2749550" cy="2036763"/>
-                      </a:xfrm>
-                      <a:prstGeom prst="rect">
-                        <a:avLst/>
-                      </a:prstGeom>
-                      <a:noFill/>
-                      <a:extLst>
-                        <a:ext uri="{909E8E84-426E-40dd-AFC4-6F175D3DCCD1}">
-                          <a14:hiddenFill xmlns:a14="http://schemas.microsoft.com/office/drawing/2010/main">
-                            <a:solidFill>
-                              <a:srgbClr val="FFFFFF"/>
-                            </a:solidFill>
-                          </a14:hiddenFill>
-                        </a:ext>
-                      </a:extLst>
-                    </p:spPr>
-                  </p:pic>
-                </p:oleObj>
-              </mc:Fallback>
-            </mc:AlternateContent>
-          </a:graphicData>
-        </a:graphic>
-      </p:graphicFrame>
-    </p:spTree>
-  </p:cSld>
-  <p:clrMapOvr>
-    <a:masterClrMapping/>
-  </p:clrMapOvr>
-  <p:transition xmlns:p14="http://schemas.microsoft.com/office/powerpoint/2010/main">
-    <p:fade/>
-  </p:transition>
-  <p:timing>
-    <p:tnLst>
-      <p:par>
-        <p:cTn xmlns:p14="http://schemas.microsoft.com/office/powerpoint/2010/main" id="1" dur="indefinite" restart="never" nodeType="tmRoot">
-          <p:childTnLst>
-            <p:seq concurrent="1" nextAc="seek">
-              <p:cTn id="2" dur="indefinite" nodeType="mainSeq">
-                <p:childTnLst>
-                  <p:par>
-                    <p:cTn id="3" fill="hold">
-                      <p:stCondLst>
-                        <p:cond delay="indefinite"/>
-                      </p:stCondLst>
-                      <p:childTnLst>
-                        <p:par>
-                          <p:cTn id="4" fill="hold">
-                            <p:stCondLst>
-                              <p:cond delay="0"/>
-                            </p:stCondLst>
-                            <p:childTnLst>
-                              <p:par>
-                                <p:cTn id="5" presetID="1" presetClass="entr" presetSubtype="0" fill="hold" nodeType="clickEffect">
-                                  <p:stCondLst>
-                                    <p:cond delay="0"/>
-                                  </p:stCondLst>
-                                  <p:childTnLst>
-                                    <p:set>
-                                      <p:cBhvr>
-                                        <p:cTn id="6" dur="1" fill="hold">
-                                          <p:stCondLst>
-                                            <p:cond delay="0"/>
-                                          </p:stCondLst>
-                                        </p:cTn>
-                                        <p:tgtEl>
-                                          <p:spTgt spid="330755">
-                                            <p:txEl>
-                                              <p:pRg st="3" end="3"/>
-                                            </p:txEl>
-                                          </p:spTgt>
-                                        </p:tgtEl>
-                                        <p:attrNameLst>
-                                          <p:attrName>style.visibility</p:attrName>
-                                        </p:attrNameLst>
-                                      </p:cBhvr>
-                                      <p:to>
-                                        <p:strVal val="visible"/>
-                                      </p:to>
-                                    </p:set>
-                                  </p:childTnLst>
-                                </p:cTn>
-                              </p:par>
-                            </p:childTnLst>
-                          </p:cTn>
-                        </p:par>
-                      </p:childTnLst>
-                    </p:cTn>
-                  </p:par>
-                  <p:par>
-                    <p:cTn id="7" fill="hold">
-                      <p:stCondLst>
-                        <p:cond delay="indefinite"/>
-                      </p:stCondLst>
-                      <p:childTnLst>
-                        <p:par>
-                          <p:cTn id="8" fill="hold">
-                            <p:stCondLst>
-                              <p:cond delay="0"/>
-                            </p:stCondLst>
-                            <p:childTnLst>
-                              <p:par>
-                                <p:cTn id="9" presetID="22" presetClass="entr" presetSubtype="8" fill="hold" nodeType="clickEffect">
-                                  <p:stCondLst>
-                                    <p:cond delay="0"/>
-                                  </p:stCondLst>
-                                  <p:childTnLst>
-                                    <p:set>
-                                      <p:cBhvr>
-                                        <p:cTn id="10" dur="1" fill="hold">
-                                          <p:stCondLst>
-                                            <p:cond delay="0"/>
-                                          </p:stCondLst>
-                                        </p:cTn>
-                                        <p:tgtEl>
-                                          <p:spTgt spid="330757"/>
-                                        </p:tgtEl>
-                                        <p:attrNameLst>
-                                          <p:attrName>style.visibility</p:attrName>
-                                        </p:attrNameLst>
-                                      </p:cBhvr>
-                                      <p:to>
-                                        <p:strVal val="visible"/>
-                                      </p:to>
-                                    </p:set>
-                                    <p:animEffect transition="in" filter="wipe(left)">
-                                      <p:cBhvr>
-                                        <p:cTn id="11" dur="500"/>
-                                        <p:tgtEl>
-                                          <p:spTgt spid="330757"/>
-                                        </p:tgtEl>
-                                      </p:cBhvr>
-                                    </p:animEffect>
-                                  </p:childTnLst>
-                                </p:cTn>
-                              </p:par>
-                            </p:childTnLst>
-                          </p:cTn>
-                        </p:par>
-                      </p:childTnLst>
-                    </p:cTn>
-                  </p:par>
-                </p:childTnLst>
-              </p:cTn>
-              <p:prevCondLst>
-                <p:cond evt="onPrev" delay="0">
-                  <p:tgtEl>
-                    <p:sldTgt/>
-                  </p:tgtEl>
-                </p:cond>
-              </p:prevCondLst>
-              <p:nextCondLst>
-                <p:cond evt="onNext" delay="0">
-                  <p:tgtEl>
-                    <p:sldTgt/>
-                  </p:tgtEl>
-                </p:cond>
-              </p:nextCondLst>
-            </p:seq>
-          </p:childTnLst>
-        </p:cTn>
-      </p:par>
-    </p:tnLst>
   </p:timing>
 </p:sld>
 </file>

--- a/spring12/slidesS12/strong-induction.pptx
+++ b/spring12/slidesS12/strong-induction.pptx
@@ -215,7 +215,7 @@
             <a:fld id="{D875CB5D-1501-4E8C-8449-8F562B53033D}" type="datetimeFigureOut">
               <a:rPr lang="en-US" smtClean="0"/>
               <a:pPr/>
-              <a:t>2/20/12</a:t>
+              <a:t>2/23/12</a:t>
             </a:fld>
             <a:endParaRPr lang="en-US"/>
           </a:p>
@@ -382,7 +382,7 @@
             <a:fld id="{2E64E5CB-D4EF-403A-9BB6-139C52688DF7}" type="datetimeFigureOut">
               <a:rPr lang="en-US" smtClean="0"/>
               <a:pPr/>
-              <a:t>2/20/12</a:t>
+              <a:t>2/23/12</a:t>
             </a:fld>
             <a:endParaRPr lang="en-US"/>
           </a:p>
@@ -2017,7 +2017,7 @@
           <a:lstStyle/>
           <a:p>
             <a:pPr eaLnBrk="1" hangingPunct="1"/>
-            <a:endParaRPr lang="en-US" smtClean="0"/>
+            <a:endParaRPr lang="en-US" dirty="0" smtClean="0"/>
           </a:p>
         </p:txBody>
       </p:sp>
@@ -3645,7 +3645,7 @@
           <a:graphicData uri="http://schemas.openxmlformats.org/presentationml/2006/ole">
             <mc:AlternateContent xmlns:mc="http://schemas.openxmlformats.org/markup-compatibility/2006">
               <mc:Choice xmlns:v="urn:schemas-microsoft-com:vml" Requires="v">
-                <p:oleObj spid="_x0000_s402452" name="Equation" r:id="rId4" imgW="7315200" imgH="5410200" progId="Equation.DSMT4">
+                <p:oleObj spid="_x0000_s402455" name="Equation" r:id="rId4" imgW="7315200" imgH="5410200" progId="Equation.DSMT4">
                   <p:embed/>
                 </p:oleObj>
               </mc:Choice>
@@ -3967,7 +3967,7 @@
           <a:graphicData uri="http://schemas.openxmlformats.org/presentationml/2006/ole">
             <mc:AlternateContent xmlns:mc="http://schemas.openxmlformats.org/markup-compatibility/2006">
               <mc:Choice xmlns:v="urn:schemas-microsoft-com:vml" Requires="v">
-                <p:oleObj spid="_x0000_s404500" name="Equation" r:id="rId4" imgW="7315200" imgH="6604000" progId="Equation.DSMT4">
+                <p:oleObj spid="_x0000_s404503" name="Equation" r:id="rId4" imgW="7315200" imgH="6604000" progId="Equation.DSMT4">
                   <p:embed/>
                 </p:oleObj>
               </mc:Choice>
@@ -4345,7 +4345,7 @@
           <a:graphicData uri="http://schemas.openxmlformats.org/presentationml/2006/ole">
             <mc:AlternateContent xmlns:mc="http://schemas.openxmlformats.org/markup-compatibility/2006">
               <mc:Choice xmlns:v="urn:schemas-microsoft-com:vml" Requires="v">
-                <p:oleObj spid="_x0000_s406548" name="Equation" r:id="rId4" imgW="723600" imgH="406080" progId="Equation.DSMT4">
+                <p:oleObj spid="_x0000_s406551" name="Equation" r:id="rId4" imgW="723600" imgH="406080" progId="Equation.DSMT4">
                   <p:embed/>
                 </p:oleObj>
               </mc:Choice>
@@ -4631,13 +4631,13 @@
   <p:clrMapOvr>
     <a:masterClrMapping/>
   </p:clrMapOvr>
-  <mc:AlternateContent xmlns:mc="http://schemas.openxmlformats.org/markup-compatibility/2006">
-    <mc:Choice xmlns:p14="http://schemas.microsoft.com/office/powerpoint/2010/main" Requires="p14">
+  <mc:AlternateContent xmlns:mc="http://schemas.openxmlformats.org/markup-compatibility/2006" xmlns:p14="http://schemas.microsoft.com/office/powerpoint/2010/main">
+    <mc:Choice Requires="p14">
       <p:transition spd="med" p14:dur="700">
         <p:fade/>
       </p:transition>
     </mc:Choice>
-    <mc:Fallback>
+    <mc:Fallback xmlns="">
       <p:transition xmlns:p14="http://schemas.microsoft.com/office/powerpoint/2010/main" spd="med">
         <p:fade/>
       </p:transition>
@@ -4875,11 +4875,7 @@
             </a:r>
             <a:r>
               <a:rPr lang="en-US" sz="4400" dirty="0" smtClean="0"/>
-              <a:t>Assume </a:t>
-            </a:r>
-            <a:r>
-              <a:rPr lang="en-US" sz="4400" dirty="0" smtClean="0"/>
-              <a:t>for</a:t>
+              <a:t>Assume for</a:t>
             </a:r>
           </a:p>
           <a:p>
@@ -4970,7 +4966,7 @@
           <a:graphicData uri="http://schemas.openxmlformats.org/presentationml/2006/ole">
             <mc:AlternateContent xmlns:mc="http://schemas.openxmlformats.org/markup-compatibility/2006">
               <mc:Choice xmlns:v="urn:schemas-microsoft-com:vml" Requires="v">
-                <p:oleObj spid="_x0000_s408596" name="Equation" r:id="rId4" imgW="7315200" imgH="6438900" progId="Equation.DSMT4">
+                <p:oleObj spid="_x0000_s408599" name="Equation" r:id="rId4" imgW="7315200" imgH="6438900" progId="Equation.DSMT4">
                   <p:embed/>
                 </p:oleObj>
               </mc:Choice>
@@ -5337,7 +5333,7 @@
           <a:graphicData uri="http://schemas.openxmlformats.org/presentationml/2006/ole">
             <mc:AlternateContent xmlns:mc="http://schemas.openxmlformats.org/markup-compatibility/2006">
               <mc:Choice xmlns:v="urn:schemas-microsoft-com:vml" Requires="v">
-                <p:oleObj spid="_x0000_s410644" name="Equation" r:id="rId4" imgW="7315200" imgH="2578100" progId="Equation.DSMT4">
+                <p:oleObj spid="_x0000_s410647" name="Equation" r:id="rId4" imgW="7315200" imgH="2578100" progId="Equation.DSMT4">
                   <p:embed/>
                 </p:oleObj>
               </mc:Choice>
@@ -6519,7 +6515,7 @@
           <a:graphicData uri="http://schemas.openxmlformats.org/presentationml/2006/ole">
             <mc:AlternateContent xmlns:mc="http://schemas.openxmlformats.org/markup-compatibility/2006">
               <mc:Choice xmlns:v="urn:schemas-microsoft-com:vml" Requires="v">
-                <p:oleObj spid="_x0000_s414753" name="Equation" r:id="rId4" imgW="7315200" imgH="2146300" progId="Equation.DSMT4">
+                <p:oleObj spid="_x0000_s414758" name="Equation" r:id="rId4" imgW="7315200" imgH="2146300" progId="Equation.DSMT4">
                   <p:embed/>
                 </p:oleObj>
               </mc:Choice>
@@ -6589,7 +6585,7 @@
           <a:graphicData uri="http://schemas.openxmlformats.org/presentationml/2006/ole">
             <mc:AlternateContent xmlns:mc="http://schemas.openxmlformats.org/markup-compatibility/2006">
               <mc:Choice xmlns:v="urn:schemas-microsoft-com:vml" Requires="v">
-                <p:oleObj spid="_x0000_s414754" name="Equation" r:id="rId6" imgW="7315200" imgH="2120900" progId="Equation.DSMT4">
+                <p:oleObj spid="_x0000_s414759" name="Equation" r:id="rId6" imgW="7315200" imgH="2120900" progId="Equation.DSMT4">
                   <p:embed/>
                 </p:oleObj>
               </mc:Choice>
@@ -6648,13 +6644,13 @@
   <p:clrMapOvr>
     <a:masterClrMapping/>
   </p:clrMapOvr>
-  <mc:AlternateContent xmlns:mc="http://schemas.openxmlformats.org/markup-compatibility/2006">
-    <mc:Choice xmlns:p14="http://schemas.microsoft.com/office/powerpoint/2010/main" Requires="p14">
+  <mc:AlternateContent xmlns:mc="http://schemas.openxmlformats.org/markup-compatibility/2006" xmlns:p14="http://schemas.microsoft.com/office/powerpoint/2010/main">
+    <mc:Choice Requires="p14">
       <p:transition spd="med" p14:dur="700">
         <p:fade/>
       </p:transition>
     </mc:Choice>
-    <mc:Fallback>
+    <mc:Fallback xmlns="">
       <p:transition xmlns:p14="http://schemas.microsoft.com/office/powerpoint/2010/main" spd="med">
         <p:fade/>
       </p:transition>
@@ -6909,7 +6905,7 @@
           <a:graphicData uri="http://schemas.openxmlformats.org/presentationml/2006/ole">
             <mc:AlternateContent xmlns:mc="http://schemas.openxmlformats.org/markup-compatibility/2006">
               <mc:Choice xmlns:v="urn:schemas-microsoft-com:vml" Requires="v">
-                <p:oleObj spid="_x0000_s416801" name="Equation" r:id="rId4" imgW="7315200" imgH="2159000" progId="Equation.DSMT4">
+                <p:oleObj spid="_x0000_s416806" name="Equation" r:id="rId4" imgW="7315200" imgH="2159000" progId="Equation.DSMT4">
                   <p:embed/>
                 </p:oleObj>
               </mc:Choice>
@@ -7139,7 +7135,7 @@
           <a:graphicData uri="http://schemas.openxmlformats.org/presentationml/2006/ole">
             <mc:AlternateContent xmlns:mc="http://schemas.openxmlformats.org/markup-compatibility/2006">
               <mc:Choice xmlns:v="urn:schemas-microsoft-com:vml" Requires="v">
-                <p:oleObj spid="_x0000_s416802" name="Equation" r:id="rId7" imgW="7315200" imgH="1866900" progId="Equation.DSMT4">
+                <p:oleObj spid="_x0000_s416807" name="Equation" r:id="rId7" imgW="7315200" imgH="1866900" progId="Equation.DSMT4">
                   <p:embed/>
                 </p:oleObj>
               </mc:Choice>
@@ -7226,13 +7222,13 @@
   <p:clrMapOvr>
     <a:masterClrMapping/>
   </p:clrMapOvr>
-  <mc:AlternateContent xmlns:mc="http://schemas.openxmlformats.org/markup-compatibility/2006">
-    <mc:Choice xmlns:p14="http://schemas.microsoft.com/office/powerpoint/2010/main" Requires="p14">
+  <mc:AlternateContent xmlns:mc="http://schemas.openxmlformats.org/markup-compatibility/2006" xmlns:p14="http://schemas.microsoft.com/office/powerpoint/2010/main">
+    <mc:Choice Requires="p14">
       <p:transition spd="med" p14:dur="700">
         <p:fade/>
       </p:transition>
     </mc:Choice>
-    <mc:Fallback>
+    <mc:Fallback xmlns="">
       <p:transition xmlns:p14="http://schemas.microsoft.com/office/powerpoint/2010/main" spd="med">
         <p:fade/>
       </p:transition>
@@ -7565,9 +7561,7 @@
             <a:ext cx="5638800" cy="1066800"/>
           </a:xfrm>
           <a:ln w="38100">
-            <a:solidFill>
-              <a:srgbClr val="0000FF"/>
-            </a:solidFill>
+            <a:noFill/>
             <a:prstDash val="sysDash"/>
           </a:ln>
         </p:spPr>
@@ -7855,9 +7849,6 @@
               </a:rPr>
               <a:t>).</a:t>
             </a:r>
-            <a:endParaRPr lang="en-US" sz="4800" dirty="0" smtClean="0">
-              <a:latin typeface="Comic Sans MS" pitchFamily="66" charset="0"/>
-            </a:endParaRPr>
           </a:p>
         </p:txBody>
       </p:sp>
@@ -10063,6 +10054,9 @@
           <a:p>
             <a:r>
               <a:rPr lang="en-US" sz="4800" dirty="0" smtClean="0">
+                <a:solidFill>
+                  <a:srgbClr val="FF33CC"/>
+                </a:solidFill>
                 <a:latin typeface="Comic Sans MS" pitchFamily="66" charset="0"/>
               </a:rPr>
               <a:t>inductive step:</a:t>
@@ -10076,9 +10070,18 @@
             </a:pPr>
             <a:r>
               <a:rPr lang="en-US" sz="4800" dirty="0" smtClean="0">
-                <a:latin typeface="Comic Sans MS" pitchFamily="66" charset="0"/>
-              </a:rPr>
-              <a:t>Assume </a:t>
+                <a:solidFill>
+                  <a:srgbClr val="FF33CC"/>
+                </a:solidFill>
+                <a:latin typeface="Comic Sans MS" pitchFamily="66" charset="0"/>
+              </a:rPr>
+              <a:t>Assume</a:t>
+            </a:r>
+            <a:r>
+              <a:rPr lang="en-US" sz="4800" dirty="0" smtClean="0">
+                <a:latin typeface="Comic Sans MS" pitchFamily="66" charset="0"/>
+              </a:rPr>
+              <a:t> </a:t>
             </a:r>
             <a:r>
               <a:rPr lang="en-US" sz="4800" dirty="0" smtClean="0">
@@ -10178,10 +10181,20 @@
           <a:p>
             <a:r>
               <a:rPr lang="en-US" sz="4800" dirty="0" smtClean="0">
+                <a:solidFill>
+                  <a:srgbClr val="FF33CC"/>
+                </a:solidFill>
                 <a:latin typeface="Comic Sans MS" pitchFamily="66" charset="0"/>
                 <a:sym typeface="Euclid Symbol"/>
               </a:rPr>
-              <a:t>Prove can get (</a:t>
+              <a:t>Prove can get </a:t>
+            </a:r>
+            <a:r>
+              <a:rPr lang="en-US" sz="4800" dirty="0" smtClean="0">
+                <a:latin typeface="Comic Sans MS" pitchFamily="66" charset="0"/>
+                <a:sym typeface="Euclid Symbol"/>
+              </a:rPr>
+              <a:t>(</a:t>
             </a:r>
             <a:r>
               <a:rPr lang="en-US" sz="4800" dirty="0" smtClean="0">
@@ -10987,13 +11000,13 @@
   <p:clrMapOvr>
     <a:masterClrMapping/>
   </p:clrMapOvr>
-  <mc:AlternateContent xmlns:mc="http://schemas.openxmlformats.org/markup-compatibility/2006">
-    <mc:Choice xmlns:p14="http://schemas.microsoft.com/office/powerpoint/2010/main" Requires="p14">
+  <mc:AlternateContent xmlns:mc="http://schemas.openxmlformats.org/markup-compatibility/2006" xmlns:p14="http://schemas.microsoft.com/office/powerpoint/2010/main">
+    <mc:Choice Requires="p14">
       <p:transition spd="med" p14:dur="700">
         <p:fade/>
       </p:transition>
     </mc:Choice>
-    <mc:Fallback>
+    <mc:Fallback xmlns="">
       <p:transition xmlns:p14="http://schemas.microsoft.com/office/powerpoint/2010/main" spd="med">
         <p:fade/>
       </p:transition>
@@ -11389,14 +11402,7 @@
                 <a:latin typeface="Comic Sans MS" pitchFamily="66" charset="0"/>
                 <a:sym typeface="Euclid Symbol"/>
               </a:rPr>
-              <a:t>            can </a:t>
-            </a:r>
-            <a:r>
-              <a:rPr lang="en-US" sz="4800" dirty="0" smtClean="0">
-                <a:latin typeface="Comic Sans MS" pitchFamily="66" charset="0"/>
-                <a:sym typeface="Euclid Symbol"/>
-              </a:rPr>
-              <a:t>get (</a:t>
+              <a:t>            can get (</a:t>
             </a:r>
             <a:r>
               <a:rPr lang="en-US" sz="4800" dirty="0" smtClean="0">
@@ -12437,9 +12443,6 @@
               </a:rPr>
               <a:t>2,</a:t>
             </a:r>
-            <a:endParaRPr lang="en-US" sz="4800" dirty="0" smtClean="0">
-              <a:latin typeface="Comic Sans MS" pitchFamily="66" charset="0"/>
-            </a:endParaRPr>
           </a:p>
         </p:txBody>
       </p:sp>
@@ -12568,13 +12571,13 @@
   <p:clrMapOvr>
     <a:masterClrMapping/>
   </p:clrMapOvr>
-  <mc:AlternateContent xmlns:mc="http://schemas.openxmlformats.org/markup-compatibility/2006">
-    <mc:Choice xmlns:p14="http://schemas.microsoft.com/office/powerpoint/2010/main" Requires="p14">
+  <mc:AlternateContent xmlns:mc="http://schemas.openxmlformats.org/markup-compatibility/2006" xmlns:p14="http://schemas.microsoft.com/office/powerpoint/2010/main">
+    <mc:Choice Requires="p14">
       <p:transition spd="med" p14:dur="700">
         <p:fade/>
       </p:transition>
     </mc:Choice>
-    <mc:Fallback>
+    <mc:Fallback xmlns="">
       <p:transition xmlns:p14="http://schemas.microsoft.com/office/powerpoint/2010/main" spd="med">
         <p:fade/>
       </p:transition>
@@ -12626,7 +12629,7 @@
                                     </p:set>
                                     <p:animEffect transition="in" filter="dissolve">
                                       <p:cBhvr>
-                                        <p:cTn id="7" dur="500"/>
+                                        <p:cTn id="7" dur="1000"/>
                                         <p:tgtEl>
                                           <p:spTgt spid="35"/>
                                         </p:tgtEl>
@@ -12679,7 +12682,7 @@
                                     </p:set>
                                     <p:anim calcmode="lin" valueType="num">
                                       <p:cBhvr additive="base">
-                                        <p:cTn id="12" dur="1000" fill="hold"/>
+                                        <p:cTn id="12" dur="2000" fill="hold"/>
                                         <p:tgtEl>
                                           <p:spTgt spid="2"/>
                                         </p:tgtEl>
@@ -12702,7 +12705,7 @@
                                     </p:anim>
                                     <p:anim calcmode="lin" valueType="num">
                                       <p:cBhvr additive="base">
-                                        <p:cTn id="13" dur="1000" fill="hold"/>
+                                        <p:cTn id="13" dur="2000" fill="hold"/>
                                         <p:tgtEl>
                                           <p:spTgt spid="2"/>
                                         </p:tgtEl>
@@ -12770,7 +12773,7 @@
                                     </p:set>
                                     <p:anim calcmode="lin" valueType="num">
                                       <p:cBhvr additive="base">
-                                        <p:cTn id="18" dur="1000" fill="hold"/>
+                                        <p:cTn id="18" dur="500" fill="hold"/>
                                         <p:tgtEl>
                                           <p:spTgt spid="6"/>
                                         </p:tgtEl>
@@ -12793,7 +12796,7 @@
                                     </p:anim>
                                     <p:anim calcmode="lin" valueType="num">
                                       <p:cBhvr additive="base">
-                                        <p:cTn id="19" dur="1000" fill="hold"/>
+                                        <p:cTn id="19" dur="500" fill="hold"/>
                                         <p:tgtEl>
                                           <p:spTgt spid="6"/>
                                         </p:tgtEl>
@@ -12836,7 +12839,7 @@
                             </p:stCondLst>
                             <p:childTnLst>
                               <p:par>
-                                <p:cTn id="22" presetID="15" presetClass="entr" presetSubtype="0" fill="hold" grpId="0" nodeType="clickEffect">
+                                <p:cTn id="22" presetID="22" presetClass="entr" presetSubtype="2" fill="hold" grpId="0" nodeType="clickEffect">
                                   <p:stCondLst>
                                     <p:cond delay="0"/>
                                   </p:stCondLst>
@@ -12859,11 +12862,64 @@
                                         <p:strVal val="visible"/>
                                       </p:to>
                                     </p:set>
+                                    <p:animEffect transition="in" filter="wipe(right)">
+                                      <p:cBhvr>
+                                        <p:cTn id="24" dur="1000"/>
+                                        <p:tgtEl>
+                                          <p:spTgt spid="28"/>
+                                        </p:tgtEl>
+                                      </p:cBhvr>
+                                    </p:animEffect>
+                                  </p:childTnLst>
+                                </p:cTn>
+                              </p:par>
+                            </p:childTnLst>
+                          </p:cTn>
+                        </p:par>
+                      </p:childTnLst>
+                    </p:cTn>
+                  </p:par>
+                  <p:par>
+                    <p:cTn id="25" fill="hold">
+                      <p:stCondLst>
+                        <p:cond delay="indefinite"/>
+                      </p:stCondLst>
+                      <p:childTnLst>
+                        <p:par>
+                          <p:cTn id="26" fill="hold">
+                            <p:stCondLst>
+                              <p:cond delay="0"/>
+                            </p:stCondLst>
+                            <p:childTnLst>
+                              <p:par>
+                                <p:cTn id="27" presetID="15" presetClass="entr" presetSubtype="0" fill="hold" nodeType="clickEffect">
+                                  <p:stCondLst>
+                                    <p:cond delay="0"/>
+                                  </p:stCondLst>
+                                  <p:childTnLst>
+                                    <p:set>
+                                      <p:cBhvr>
+                                        <p:cTn id="28" dur="1" fill="hold">
+                                          <p:stCondLst>
+                                            <p:cond delay="0"/>
+                                          </p:stCondLst>
+                                        </p:cTn>
+                                        <p:tgtEl>
+                                          <p:spTgt spid="29"/>
+                                        </p:tgtEl>
+                                        <p:attrNameLst>
+                                          <p:attrName>style.visibility</p:attrName>
+                                        </p:attrNameLst>
+                                      </p:cBhvr>
+                                      <p:to>
+                                        <p:strVal val="visible"/>
+                                      </p:to>
+                                    </p:set>
                                     <p:anim calcmode="lin" valueType="num">
                                       <p:cBhvr>
-                                        <p:cTn id="24" dur="1000" fill="hold"/>
+                                        <p:cTn id="29" dur="1000" fill="hold"/>
                                         <p:tgtEl>
-                                          <p:spTgt spid="28"/>
+                                          <p:spTgt spid="29"/>
                                         </p:tgtEl>
                                         <p:attrNameLst>
                                           <p:attrName>ppt_w</p:attrName>
@@ -12884,9 +12940,9 @@
                                     </p:anim>
                                     <p:anim calcmode="lin" valueType="num">
                                       <p:cBhvr>
-                                        <p:cTn id="25" dur="1000" fill="hold"/>
+                                        <p:cTn id="30" dur="1000" fill="hold"/>
                                         <p:tgtEl>
-                                          <p:spTgt spid="28"/>
+                                          <p:spTgt spid="29"/>
                                         </p:tgtEl>
                                         <p:attrNameLst>
                                           <p:attrName>ppt_h</p:attrName>
@@ -12907,9 +12963,9 @@
                                     </p:anim>
                                     <p:anim calcmode="lin" valueType="num">
                                       <p:cBhvr>
-                                        <p:cTn id="26" dur="1000" fill="hold"/>
+                                        <p:cTn id="31" dur="1000" fill="hold"/>
                                         <p:tgtEl>
-                                          <p:spTgt spid="28"/>
+                                          <p:spTgt spid="29"/>
                                         </p:tgtEl>
                                         <p:attrNameLst>
                                           <p:attrName>ppt_x</p:attrName>
@@ -12930,9 +12986,9 @@
                                     </p:anim>
                                     <p:anim calcmode="lin" valueType="num">
                                       <p:cBhvr>
-                                        <p:cTn id="27" dur="1000" fill="hold"/>
+                                        <p:cTn id="32" dur="1000" fill="hold"/>
                                         <p:tgtEl>
-                                          <p:spTgt spid="28"/>
+                                          <p:spTgt spid="29"/>
                                         </p:tgtEl>
                                         <p:attrNameLst>
                                           <p:attrName>ppt_y</p:attrName>
@@ -12951,50 +13007,6 @@
                                         </p:tav>
                                       </p:tavLst>
                                     </p:anim>
-                                  </p:childTnLst>
-                                </p:cTn>
-                              </p:par>
-                            </p:childTnLst>
-                          </p:cTn>
-                        </p:par>
-                        <p:par>
-                          <p:cTn id="28" fill="hold">
-                            <p:stCondLst>
-                              <p:cond delay="1000"/>
-                            </p:stCondLst>
-                            <p:childTnLst>
-                              <p:par>
-                                <p:cTn id="29" presetID="5" presetClass="entr" presetSubtype="10" fill="hold" nodeType="afterEffect">
-                                  <p:stCondLst>
-                                    <p:cond delay="0"/>
-                                  </p:stCondLst>
-                                  <p:childTnLst>
-                                    <p:set>
-                                      <p:cBhvr>
-                                        <p:cTn id="30" dur="1" fill="hold">
-                                          <p:stCondLst>
-                                            <p:cond delay="0"/>
-                                          </p:stCondLst>
-                                        </p:cTn>
-                                        <p:tgtEl>
-                                          <p:spTgt spid="29"/>
-                                        </p:tgtEl>
-                                        <p:attrNameLst>
-                                          <p:attrName>style.visibility</p:attrName>
-                                        </p:attrNameLst>
-                                      </p:cBhvr>
-                                      <p:to>
-                                        <p:strVal val="visible"/>
-                                      </p:to>
-                                    </p:set>
-                                    <p:animEffect transition="in" filter="checkerboard(across)">
-                                      <p:cBhvr>
-                                        <p:cTn id="31" dur="1000"/>
-                                        <p:tgtEl>
-                                          <p:spTgt spid="29"/>
-                                        </p:tgtEl>
-                                      </p:cBhvr>
-                                    </p:animEffect>
                                   </p:childTnLst>
                                 </p:cTn>
                               </p:par>
@@ -13305,13 +13317,13 @@
   <p:clrMapOvr>
     <a:masterClrMapping/>
   </p:clrMapOvr>
-  <mc:AlternateContent xmlns:mc="http://schemas.openxmlformats.org/markup-compatibility/2006">
-    <mc:Choice xmlns:p14="http://schemas.microsoft.com/office/powerpoint/2010/main" Requires="p14">
+  <mc:AlternateContent xmlns:mc="http://schemas.openxmlformats.org/markup-compatibility/2006" xmlns:p14="http://schemas.microsoft.com/office/powerpoint/2010/main">
+    <mc:Choice Requires="p14">
       <p:transition spd="med" p14:dur="700">
         <p:fade/>
       </p:transition>
     </mc:Choice>
-    <mc:Fallback>
+    <mc:Fallback xmlns="">
       <p:transition xmlns:p14="http://schemas.microsoft.com/office/powerpoint/2010/main" spd="med">
         <p:fade/>
       </p:transition>

--- a/spring12/slidesS12/strong-induction.pptx
+++ b/spring12/slidesS12/strong-induction.pptx
@@ -5,10 +5,10 @@
     <p:sldMasterId id="2147483648" r:id="rId1"/>
   </p:sldMasterIdLst>
   <p:notesMasterIdLst>
-    <p:notesMasterId r:id="rId19"/>
+    <p:notesMasterId r:id="rId21"/>
   </p:notesMasterIdLst>
   <p:handoutMasterIdLst>
-    <p:handoutMasterId r:id="rId20"/>
+    <p:handoutMasterId r:id="rId22"/>
   </p:handoutMasterIdLst>
   <p:sldIdLst>
     <p:sldId id="311" r:id="rId2"/>
@@ -16,23 +16,25 @@
     <p:sldId id="406" r:id="rId4"/>
     <p:sldId id="411" r:id="rId5"/>
     <p:sldId id="408" r:id="rId6"/>
-    <p:sldId id="409" r:id="rId7"/>
-    <p:sldId id="410" r:id="rId8"/>
-    <p:sldId id="434" r:id="rId9"/>
-    <p:sldId id="425" r:id="rId10"/>
-    <p:sldId id="426" r:id="rId11"/>
-    <p:sldId id="427" r:id="rId12"/>
-    <p:sldId id="428" r:id="rId13"/>
-    <p:sldId id="429" r:id="rId14"/>
-    <p:sldId id="430" r:id="rId15"/>
-    <p:sldId id="431" r:id="rId16"/>
-    <p:sldId id="432" r:id="rId17"/>
-    <p:sldId id="433" r:id="rId18"/>
+    <p:sldId id="436" r:id="rId7"/>
+    <p:sldId id="437" r:id="rId8"/>
+    <p:sldId id="409" r:id="rId9"/>
+    <p:sldId id="410" r:id="rId10"/>
+    <p:sldId id="434" r:id="rId11"/>
+    <p:sldId id="425" r:id="rId12"/>
+    <p:sldId id="426" r:id="rId13"/>
+    <p:sldId id="427" r:id="rId14"/>
+    <p:sldId id="428" r:id="rId15"/>
+    <p:sldId id="429" r:id="rId16"/>
+    <p:sldId id="430" r:id="rId17"/>
+    <p:sldId id="431" r:id="rId18"/>
+    <p:sldId id="432" r:id="rId19"/>
+    <p:sldId id="433" r:id="rId20"/>
   </p:sldIdLst>
   <p:sldSz cx="9144000" cy="6858000" type="screen4x3"/>
   <p:notesSz cx="7315200" cy="9601200"/>
   <p:custDataLst>
-    <p:tags r:id="rId22"/>
+    <p:tags r:id="rId24"/>
   </p:custDataLst>
   <p:defaultTextStyle>
     <a:defPPr>
@@ -760,6 +762,190 @@
       </p:grpSpPr>
       <p:sp>
         <p:nvSpPr>
+          <p:cNvPr id="58370" name="Rectangle 7"/>
+          <p:cNvSpPr>
+            <a:spLocks noGrp="1" noChangeArrowheads="1"/>
+          </p:cNvSpPr>
+          <p:nvPr>
+            <p:ph type="sldNum" sz="quarter" idx="5"/>
+          </p:nvPr>
+        </p:nvSpPr>
+        <p:spPr>
+          <a:noFill/>
+        </p:spPr>
+        <p:txBody>
+          <a:bodyPr/>
+          <a:lstStyle/>
+          <a:p>
+            <a:fld id="{9CE643A7-21B0-4515-AD83-FC820013B14D}" type="slidenum">
+              <a:rPr lang="en-US">
+                <a:cs typeface="Arial" charset="0"/>
+              </a:rPr>
+              <a:pPr/>
+              <a:t>10</a:t>
+            </a:fld>
+            <a:endParaRPr lang="en-US">
+              <a:cs typeface="Arial" charset="0"/>
+            </a:endParaRPr>
+          </a:p>
+        </p:txBody>
+      </p:sp>
+      <p:sp>
+        <p:nvSpPr>
+          <p:cNvPr id="58371" name="Rectangle 2"/>
+          <p:cNvSpPr>
+            <a:spLocks noGrp="1" noRot="1" noChangeAspect="1" noChangeArrowheads="1" noTextEdit="1"/>
+          </p:cNvSpPr>
+          <p:nvPr>
+            <p:ph type="sldImg"/>
+          </p:nvPr>
+        </p:nvSpPr>
+        <p:spPr>
+          <a:ln/>
+        </p:spPr>
+      </p:sp>
+      <p:sp>
+        <p:nvSpPr>
+          <p:cNvPr id="58372" name="Rectangle 3"/>
+          <p:cNvSpPr>
+            <a:spLocks noGrp="1" noChangeArrowheads="1"/>
+          </p:cNvSpPr>
+          <p:nvPr>
+            <p:ph type="body" idx="1"/>
+          </p:nvPr>
+        </p:nvSpPr>
+        <p:spPr>
+          <a:noFill/>
+          <a:ln/>
+        </p:spPr>
+        <p:txBody>
+          <a:bodyPr/>
+          <a:lstStyle/>
+          <a:p>
+            <a:pPr eaLnBrk="1" hangingPunct="1"/>
+            <a:endParaRPr lang="en-US" smtClean="0"/>
+          </a:p>
+        </p:txBody>
+      </p:sp>
+    </p:spTree>
+  </p:cSld>
+  <p:clrMapOvr>
+    <a:masterClrMapping/>
+  </p:clrMapOvr>
+</p:notes>
+</file>
+
+<file path=ppt/notesSlides/notesSlide11.xml><?xml version="1.0" encoding="utf-8"?>
+<p:notes xmlns:a="http://schemas.openxmlformats.org/drawingml/2006/main" xmlns:r="http://schemas.openxmlformats.org/officeDocument/2006/relationships" xmlns:p="http://schemas.openxmlformats.org/presentationml/2006/main">
+  <p:cSld>
+    <p:spTree>
+      <p:nvGrpSpPr>
+        <p:cNvPr id="1" name=""/>
+        <p:cNvGrpSpPr/>
+        <p:nvPr/>
+      </p:nvGrpSpPr>
+      <p:grpSpPr>
+        <a:xfrm>
+          <a:off x="0" y="0"/>
+          <a:ext cx="0" cy="0"/>
+          <a:chOff x="0" y="0"/>
+          <a:chExt cx="0" cy="0"/>
+        </a:xfrm>
+      </p:grpSpPr>
+      <p:sp>
+        <p:nvSpPr>
+          <p:cNvPr id="38914" name="Rectangle 7"/>
+          <p:cNvSpPr>
+            <a:spLocks noGrp="1" noChangeArrowheads="1"/>
+          </p:cNvSpPr>
+          <p:nvPr>
+            <p:ph type="sldNum" sz="quarter" idx="5"/>
+          </p:nvPr>
+        </p:nvSpPr>
+        <p:spPr>
+          <a:noFill/>
+        </p:spPr>
+        <p:txBody>
+          <a:bodyPr/>
+          <a:lstStyle/>
+          <a:p>
+            <a:fld id="{E54C5D03-0289-40E8-8DE2-ED57FC4EBD93}" type="slidenum">
+              <a:rPr lang="en-US">
+                <a:cs typeface="Arial" charset="0"/>
+              </a:rPr>
+              <a:pPr/>
+              <a:t>11</a:t>
+            </a:fld>
+            <a:endParaRPr lang="en-US">
+              <a:cs typeface="Arial" charset="0"/>
+            </a:endParaRPr>
+          </a:p>
+        </p:txBody>
+      </p:sp>
+      <p:sp>
+        <p:nvSpPr>
+          <p:cNvPr id="38915" name="Rectangle 2"/>
+          <p:cNvSpPr>
+            <a:spLocks noGrp="1" noRot="1" noChangeAspect="1" noChangeArrowheads="1" noTextEdit="1"/>
+          </p:cNvSpPr>
+          <p:nvPr>
+            <p:ph type="sldImg"/>
+          </p:nvPr>
+        </p:nvSpPr>
+        <p:spPr>
+          <a:ln/>
+        </p:spPr>
+      </p:sp>
+      <p:sp>
+        <p:nvSpPr>
+          <p:cNvPr id="38916" name="Rectangle 3"/>
+          <p:cNvSpPr>
+            <a:spLocks noGrp="1" noChangeArrowheads="1"/>
+          </p:cNvSpPr>
+          <p:nvPr>
+            <p:ph type="body" idx="1"/>
+          </p:nvPr>
+        </p:nvSpPr>
+        <p:spPr>
+          <a:noFill/>
+          <a:ln/>
+        </p:spPr>
+        <p:txBody>
+          <a:bodyPr/>
+          <a:lstStyle/>
+          <a:p>
+            <a:pPr eaLnBrk="1" hangingPunct="1"/>
+            <a:endParaRPr lang="en-US" smtClean="0"/>
+          </a:p>
+        </p:txBody>
+      </p:sp>
+    </p:spTree>
+  </p:cSld>
+  <p:clrMapOvr>
+    <a:masterClrMapping/>
+  </p:clrMapOvr>
+</p:notes>
+</file>
+
+<file path=ppt/notesSlides/notesSlide12.xml><?xml version="1.0" encoding="utf-8"?>
+<p:notes xmlns:a="http://schemas.openxmlformats.org/drawingml/2006/main" xmlns:r="http://schemas.openxmlformats.org/officeDocument/2006/relationships" xmlns:p="http://schemas.openxmlformats.org/presentationml/2006/main">
+  <p:cSld>
+    <p:spTree>
+      <p:nvGrpSpPr>
+        <p:cNvPr id="1" name=""/>
+        <p:cNvGrpSpPr/>
+        <p:nvPr/>
+      </p:nvGrpSpPr>
+      <p:grpSpPr>
+        <a:xfrm>
+          <a:off x="0" y="0"/>
+          <a:ext cx="0" cy="0"/>
+          <a:chOff x="0" y="0"/>
+          <a:chExt cx="0" cy="0"/>
+        </a:xfrm>
+      </p:grpSpPr>
+      <p:sp>
+        <p:nvSpPr>
           <p:cNvPr id="39938" name="Rectangle 7"/>
           <p:cNvSpPr>
             <a:spLocks noGrp="1" noChangeArrowheads="1"/>
@@ -780,7 +966,7 @@
                 <a:cs typeface="Arial" charset="0"/>
               </a:rPr>
               <a:pPr/>
-              <a:t>10</a:t>
+              <a:t>12</a:t>
             </a:fld>
             <a:endParaRPr lang="en-US">
               <a:cs typeface="Arial" charset="0"/>
@@ -833,7 +1019,7 @@
 </p:notes>
 </file>
 
-<file path=ppt/notesSlides/notesSlide11.xml><?xml version="1.0" encoding="utf-8"?>
+<file path=ppt/notesSlides/notesSlide13.xml><?xml version="1.0" encoding="utf-8"?>
 <p:notes xmlns:a="http://schemas.openxmlformats.org/drawingml/2006/main" xmlns:r="http://schemas.openxmlformats.org/officeDocument/2006/relationships" xmlns:p="http://schemas.openxmlformats.org/presentationml/2006/main">
   <p:cSld>
     <p:spTree>
@@ -872,7 +1058,7 @@
                 <a:cs typeface="Arial" charset="0"/>
               </a:rPr>
               <a:pPr/>
-              <a:t>11</a:t>
+              <a:t>13</a:t>
             </a:fld>
             <a:endParaRPr lang="en-US">
               <a:cs typeface="Arial" charset="0"/>
@@ -925,7 +1111,7 @@
 </p:notes>
 </file>
 
-<file path=ppt/notesSlides/notesSlide12.xml><?xml version="1.0" encoding="utf-8"?>
+<file path=ppt/notesSlides/notesSlide14.xml><?xml version="1.0" encoding="utf-8"?>
 <p:notes xmlns:a="http://schemas.openxmlformats.org/drawingml/2006/main" xmlns:r="http://schemas.openxmlformats.org/officeDocument/2006/relationships" xmlns:p="http://schemas.openxmlformats.org/presentationml/2006/main">
   <p:cSld>
     <p:spTree>
@@ -964,7 +1150,7 @@
                 <a:cs typeface="Arial" charset="0"/>
               </a:rPr>
               <a:pPr/>
-              <a:t>12</a:t>
+              <a:t>14</a:t>
             </a:fld>
             <a:endParaRPr lang="en-US">
               <a:cs typeface="Arial" charset="0"/>
@@ -1017,7 +1203,7 @@
 </p:notes>
 </file>
 
-<file path=ppt/notesSlides/notesSlide13.xml><?xml version="1.0" encoding="utf-8"?>
+<file path=ppt/notesSlides/notesSlide15.xml><?xml version="1.0" encoding="utf-8"?>
 <p:notes xmlns:a="http://schemas.openxmlformats.org/drawingml/2006/main" xmlns:r="http://schemas.openxmlformats.org/officeDocument/2006/relationships" xmlns:p="http://schemas.openxmlformats.org/presentationml/2006/main">
   <p:cSld>
     <p:spTree>
@@ -1056,7 +1242,7 @@
                 <a:cs typeface="Arial" charset="0"/>
               </a:rPr>
               <a:pPr/>
-              <a:t>13</a:t>
+              <a:t>15</a:t>
             </a:fld>
             <a:endParaRPr lang="en-US">
               <a:cs typeface="Arial" charset="0"/>
@@ -1109,7 +1295,7 @@
 </p:notes>
 </file>
 
-<file path=ppt/notesSlides/notesSlide14.xml><?xml version="1.0" encoding="utf-8"?>
+<file path=ppt/notesSlides/notesSlide16.xml><?xml version="1.0" encoding="utf-8"?>
 <p:notes xmlns:a="http://schemas.openxmlformats.org/drawingml/2006/main" xmlns:r="http://schemas.openxmlformats.org/officeDocument/2006/relationships" xmlns:p="http://schemas.openxmlformats.org/presentationml/2006/main">
   <p:cSld>
     <p:spTree>
@@ -1148,7 +1334,7 @@
                 <a:cs typeface="Arial" charset="0"/>
               </a:rPr>
               <a:pPr/>
-              <a:t>14</a:t>
+              <a:t>16</a:t>
             </a:fld>
             <a:endParaRPr lang="en-US">
               <a:cs typeface="Arial" charset="0"/>
@@ -1201,7 +1387,7 @@
 </p:notes>
 </file>
 
-<file path=ppt/notesSlides/notesSlide15.xml><?xml version="1.0" encoding="utf-8"?>
+<file path=ppt/notesSlides/notesSlide17.xml><?xml version="1.0" encoding="utf-8"?>
 <p:notes xmlns:a="http://schemas.openxmlformats.org/drawingml/2006/main" xmlns:r="http://schemas.openxmlformats.org/officeDocument/2006/relationships" xmlns:p="http://schemas.openxmlformats.org/presentationml/2006/main">
   <p:cSld>
     <p:spTree>
@@ -1240,7 +1426,7 @@
                 <a:cs typeface="Arial" charset="0"/>
               </a:rPr>
               <a:pPr/>
-              <a:t>15</a:t>
+              <a:t>17</a:t>
             </a:fld>
             <a:endParaRPr lang="en-US">
               <a:cs typeface="Arial" charset="0"/>
@@ -1293,7 +1479,7 @@
 </p:notes>
 </file>
 
-<file path=ppt/notesSlides/notesSlide16.xml><?xml version="1.0" encoding="utf-8"?>
+<file path=ppt/notesSlides/notesSlide18.xml><?xml version="1.0" encoding="utf-8"?>
 <p:notes xmlns:a="http://schemas.openxmlformats.org/drawingml/2006/main" xmlns:r="http://schemas.openxmlformats.org/officeDocument/2006/relationships" xmlns:p="http://schemas.openxmlformats.org/presentationml/2006/main">
   <p:cSld>
     <p:spTree>
@@ -1332,7 +1518,7 @@
                 <a:cs typeface="Arial" charset="0"/>
               </a:rPr>
               <a:pPr/>
-              <a:t>16</a:t>
+              <a:t>18</a:t>
             </a:fld>
             <a:endParaRPr lang="en-US">
               <a:cs typeface="Arial" charset="0"/>
@@ -1385,7 +1571,7 @@
 </p:notes>
 </file>
 
-<file path=ppt/notesSlides/notesSlide17.xml><?xml version="1.0" encoding="utf-8"?>
+<file path=ppt/notesSlides/notesSlide19.xml><?xml version="1.0" encoding="utf-8"?>
 <p:notes xmlns:a="http://schemas.openxmlformats.org/drawingml/2006/main" xmlns:r="http://schemas.openxmlformats.org/officeDocument/2006/relationships" xmlns:p="http://schemas.openxmlformats.org/presentationml/2006/main">
   <p:cSld>
     <p:spTree>
@@ -1424,7 +1610,7 @@
                 <a:cs typeface="Arial" charset="0"/>
               </a:rPr>
               <a:pPr/>
-              <a:t>17</a:t>
+              <a:t>19</a:t>
             </a:fld>
             <a:endParaRPr lang="en-US">
               <a:cs typeface="Arial" charset="0"/>
@@ -1864,6 +2050,190 @@
       </p:grpSpPr>
       <p:sp>
         <p:nvSpPr>
+          <p:cNvPr id="55298" name="Rectangle 7"/>
+          <p:cNvSpPr>
+            <a:spLocks noGrp="1" noChangeArrowheads="1"/>
+          </p:cNvSpPr>
+          <p:nvPr>
+            <p:ph type="sldNum" sz="quarter" idx="5"/>
+          </p:nvPr>
+        </p:nvSpPr>
+        <p:spPr>
+          <a:noFill/>
+        </p:spPr>
+        <p:txBody>
+          <a:bodyPr/>
+          <a:lstStyle/>
+          <a:p>
+            <a:fld id="{2B84E921-0F66-4DD2-A052-C3014BF5DD99}" type="slidenum">
+              <a:rPr lang="en-US">
+                <a:cs typeface="Arial" charset="0"/>
+              </a:rPr>
+              <a:pPr/>
+              <a:t>6</a:t>
+            </a:fld>
+            <a:endParaRPr lang="en-US">
+              <a:cs typeface="Arial" charset="0"/>
+            </a:endParaRPr>
+          </a:p>
+        </p:txBody>
+      </p:sp>
+      <p:sp>
+        <p:nvSpPr>
+          <p:cNvPr id="55299" name="Rectangle 2"/>
+          <p:cNvSpPr>
+            <a:spLocks noGrp="1" noRot="1" noChangeAspect="1" noChangeArrowheads="1" noTextEdit="1"/>
+          </p:cNvSpPr>
+          <p:nvPr>
+            <p:ph type="sldImg"/>
+          </p:nvPr>
+        </p:nvSpPr>
+        <p:spPr>
+          <a:ln/>
+        </p:spPr>
+      </p:sp>
+      <p:sp>
+        <p:nvSpPr>
+          <p:cNvPr id="55300" name="Rectangle 3"/>
+          <p:cNvSpPr>
+            <a:spLocks noGrp="1" noChangeArrowheads="1"/>
+          </p:cNvSpPr>
+          <p:nvPr>
+            <p:ph type="body" idx="1"/>
+          </p:nvPr>
+        </p:nvSpPr>
+        <p:spPr>
+          <a:noFill/>
+          <a:ln/>
+        </p:spPr>
+        <p:txBody>
+          <a:bodyPr/>
+          <a:lstStyle/>
+          <a:p>
+            <a:pPr eaLnBrk="1" hangingPunct="1"/>
+            <a:endParaRPr lang="en-US" smtClean="0"/>
+          </a:p>
+        </p:txBody>
+      </p:sp>
+    </p:spTree>
+  </p:cSld>
+  <p:clrMapOvr>
+    <a:masterClrMapping/>
+  </p:clrMapOvr>
+</p:notes>
+</file>
+
+<file path=ppt/notesSlides/notesSlide7.xml><?xml version="1.0" encoding="utf-8"?>
+<p:notes xmlns:a="http://schemas.openxmlformats.org/drawingml/2006/main" xmlns:r="http://schemas.openxmlformats.org/officeDocument/2006/relationships" xmlns:p="http://schemas.openxmlformats.org/presentationml/2006/main">
+  <p:cSld>
+    <p:spTree>
+      <p:nvGrpSpPr>
+        <p:cNvPr id="1" name=""/>
+        <p:cNvGrpSpPr/>
+        <p:nvPr/>
+      </p:nvGrpSpPr>
+      <p:grpSpPr>
+        <a:xfrm>
+          <a:off x="0" y="0"/>
+          <a:ext cx="0" cy="0"/>
+          <a:chOff x="0" y="0"/>
+          <a:chExt cx="0" cy="0"/>
+        </a:xfrm>
+      </p:grpSpPr>
+      <p:sp>
+        <p:nvSpPr>
+          <p:cNvPr id="55298" name="Rectangle 7"/>
+          <p:cNvSpPr>
+            <a:spLocks noGrp="1" noChangeArrowheads="1"/>
+          </p:cNvSpPr>
+          <p:nvPr>
+            <p:ph type="sldNum" sz="quarter" idx="5"/>
+          </p:nvPr>
+        </p:nvSpPr>
+        <p:spPr>
+          <a:noFill/>
+        </p:spPr>
+        <p:txBody>
+          <a:bodyPr/>
+          <a:lstStyle/>
+          <a:p>
+            <a:fld id="{2B84E921-0F66-4DD2-A052-C3014BF5DD99}" type="slidenum">
+              <a:rPr lang="en-US">
+                <a:cs typeface="Arial" charset="0"/>
+              </a:rPr>
+              <a:pPr/>
+              <a:t>7</a:t>
+            </a:fld>
+            <a:endParaRPr lang="en-US">
+              <a:cs typeface="Arial" charset="0"/>
+            </a:endParaRPr>
+          </a:p>
+        </p:txBody>
+      </p:sp>
+      <p:sp>
+        <p:nvSpPr>
+          <p:cNvPr id="55299" name="Rectangle 2"/>
+          <p:cNvSpPr>
+            <a:spLocks noGrp="1" noRot="1" noChangeAspect="1" noChangeArrowheads="1" noTextEdit="1"/>
+          </p:cNvSpPr>
+          <p:nvPr>
+            <p:ph type="sldImg"/>
+          </p:nvPr>
+        </p:nvSpPr>
+        <p:spPr>
+          <a:ln/>
+        </p:spPr>
+      </p:sp>
+      <p:sp>
+        <p:nvSpPr>
+          <p:cNvPr id="55300" name="Rectangle 3"/>
+          <p:cNvSpPr>
+            <a:spLocks noGrp="1" noChangeArrowheads="1"/>
+          </p:cNvSpPr>
+          <p:nvPr>
+            <p:ph type="body" idx="1"/>
+          </p:nvPr>
+        </p:nvSpPr>
+        <p:spPr>
+          <a:noFill/>
+          <a:ln/>
+        </p:spPr>
+        <p:txBody>
+          <a:bodyPr/>
+          <a:lstStyle/>
+          <a:p>
+            <a:pPr eaLnBrk="1" hangingPunct="1"/>
+            <a:endParaRPr lang="en-US" smtClean="0"/>
+          </a:p>
+        </p:txBody>
+      </p:sp>
+    </p:spTree>
+  </p:cSld>
+  <p:clrMapOvr>
+    <a:masterClrMapping/>
+  </p:clrMapOvr>
+</p:notes>
+</file>
+
+<file path=ppt/notesSlides/notesSlide8.xml><?xml version="1.0" encoding="utf-8"?>
+<p:notes xmlns:a="http://schemas.openxmlformats.org/drawingml/2006/main" xmlns:r="http://schemas.openxmlformats.org/officeDocument/2006/relationships" xmlns:p="http://schemas.openxmlformats.org/presentationml/2006/main">
+  <p:cSld>
+    <p:spTree>
+      <p:nvGrpSpPr>
+        <p:cNvPr id="1" name=""/>
+        <p:cNvGrpSpPr/>
+        <p:nvPr/>
+      </p:nvGrpSpPr>
+      <p:grpSpPr>
+        <a:xfrm>
+          <a:off x="0" y="0"/>
+          <a:ext cx="0" cy="0"/>
+          <a:chOff x="0" y="0"/>
+          <a:chExt cx="0" cy="0"/>
+        </a:xfrm>
+      </p:grpSpPr>
+      <p:sp>
+        <p:nvSpPr>
           <p:cNvPr id="56322" name="Rectangle 7"/>
           <p:cNvSpPr>
             <a:spLocks noGrp="1" noChangeArrowheads="1"/>
@@ -1884,7 +2254,7 @@
                 <a:cs typeface="Arial" charset="0"/>
               </a:rPr>
               <a:pPr/>
-              <a:t>6</a:t>
+              <a:t>8</a:t>
             </a:fld>
             <a:endParaRPr lang="en-US">
               <a:cs typeface="Arial" charset="0"/>
@@ -1937,7 +2307,7 @@
 </p:notes>
 </file>
 
-<file path=ppt/notesSlides/notesSlide7.xml><?xml version="1.0" encoding="utf-8"?>
+<file path=ppt/notesSlides/notesSlide9.xml><?xml version="1.0" encoding="utf-8"?>
 <p:notes xmlns:a="http://schemas.openxmlformats.org/drawingml/2006/main" xmlns:r="http://schemas.openxmlformats.org/officeDocument/2006/relationships" xmlns:p="http://schemas.openxmlformats.org/presentationml/2006/main">
   <p:cSld>
     <p:spTree>
@@ -1976,7 +2346,7 @@
                 <a:cs typeface="Arial" charset="0"/>
               </a:rPr>
               <a:pPr/>
-              <a:t>7</a:t>
+              <a:t>9</a:t>
             </a:fld>
             <a:endParaRPr lang="en-US">
               <a:cs typeface="Arial" charset="0"/>
@@ -2018,190 +2388,6 @@
           <a:p>
             <a:pPr eaLnBrk="1" hangingPunct="1"/>
             <a:endParaRPr lang="en-US" dirty="0" smtClean="0"/>
-          </a:p>
-        </p:txBody>
-      </p:sp>
-    </p:spTree>
-  </p:cSld>
-  <p:clrMapOvr>
-    <a:masterClrMapping/>
-  </p:clrMapOvr>
-</p:notes>
-</file>
-
-<file path=ppt/notesSlides/notesSlide8.xml><?xml version="1.0" encoding="utf-8"?>
-<p:notes xmlns:a="http://schemas.openxmlformats.org/drawingml/2006/main" xmlns:r="http://schemas.openxmlformats.org/officeDocument/2006/relationships" xmlns:p="http://schemas.openxmlformats.org/presentationml/2006/main">
-  <p:cSld>
-    <p:spTree>
-      <p:nvGrpSpPr>
-        <p:cNvPr id="1" name=""/>
-        <p:cNvGrpSpPr/>
-        <p:nvPr/>
-      </p:nvGrpSpPr>
-      <p:grpSpPr>
-        <a:xfrm>
-          <a:off x="0" y="0"/>
-          <a:ext cx="0" cy="0"/>
-          <a:chOff x="0" y="0"/>
-          <a:chExt cx="0" cy="0"/>
-        </a:xfrm>
-      </p:grpSpPr>
-      <p:sp>
-        <p:nvSpPr>
-          <p:cNvPr id="58370" name="Rectangle 7"/>
-          <p:cNvSpPr>
-            <a:spLocks noGrp="1" noChangeArrowheads="1"/>
-          </p:cNvSpPr>
-          <p:nvPr>
-            <p:ph type="sldNum" sz="quarter" idx="5"/>
-          </p:nvPr>
-        </p:nvSpPr>
-        <p:spPr>
-          <a:noFill/>
-        </p:spPr>
-        <p:txBody>
-          <a:bodyPr/>
-          <a:lstStyle/>
-          <a:p>
-            <a:fld id="{9CE643A7-21B0-4515-AD83-FC820013B14D}" type="slidenum">
-              <a:rPr lang="en-US">
-                <a:cs typeface="Arial" charset="0"/>
-              </a:rPr>
-              <a:pPr/>
-              <a:t>8</a:t>
-            </a:fld>
-            <a:endParaRPr lang="en-US">
-              <a:cs typeface="Arial" charset="0"/>
-            </a:endParaRPr>
-          </a:p>
-        </p:txBody>
-      </p:sp>
-      <p:sp>
-        <p:nvSpPr>
-          <p:cNvPr id="58371" name="Rectangle 2"/>
-          <p:cNvSpPr>
-            <a:spLocks noGrp="1" noRot="1" noChangeAspect="1" noChangeArrowheads="1" noTextEdit="1"/>
-          </p:cNvSpPr>
-          <p:nvPr>
-            <p:ph type="sldImg"/>
-          </p:nvPr>
-        </p:nvSpPr>
-        <p:spPr>
-          <a:ln/>
-        </p:spPr>
-      </p:sp>
-      <p:sp>
-        <p:nvSpPr>
-          <p:cNvPr id="58372" name="Rectangle 3"/>
-          <p:cNvSpPr>
-            <a:spLocks noGrp="1" noChangeArrowheads="1"/>
-          </p:cNvSpPr>
-          <p:nvPr>
-            <p:ph type="body" idx="1"/>
-          </p:nvPr>
-        </p:nvSpPr>
-        <p:spPr>
-          <a:noFill/>
-          <a:ln/>
-        </p:spPr>
-        <p:txBody>
-          <a:bodyPr/>
-          <a:lstStyle/>
-          <a:p>
-            <a:pPr eaLnBrk="1" hangingPunct="1"/>
-            <a:endParaRPr lang="en-US" smtClean="0"/>
-          </a:p>
-        </p:txBody>
-      </p:sp>
-    </p:spTree>
-  </p:cSld>
-  <p:clrMapOvr>
-    <a:masterClrMapping/>
-  </p:clrMapOvr>
-</p:notes>
-</file>
-
-<file path=ppt/notesSlides/notesSlide9.xml><?xml version="1.0" encoding="utf-8"?>
-<p:notes xmlns:a="http://schemas.openxmlformats.org/drawingml/2006/main" xmlns:r="http://schemas.openxmlformats.org/officeDocument/2006/relationships" xmlns:p="http://schemas.openxmlformats.org/presentationml/2006/main">
-  <p:cSld>
-    <p:spTree>
-      <p:nvGrpSpPr>
-        <p:cNvPr id="1" name=""/>
-        <p:cNvGrpSpPr/>
-        <p:nvPr/>
-      </p:nvGrpSpPr>
-      <p:grpSpPr>
-        <a:xfrm>
-          <a:off x="0" y="0"/>
-          <a:ext cx="0" cy="0"/>
-          <a:chOff x="0" y="0"/>
-          <a:chExt cx="0" cy="0"/>
-        </a:xfrm>
-      </p:grpSpPr>
-      <p:sp>
-        <p:nvSpPr>
-          <p:cNvPr id="38914" name="Rectangle 7"/>
-          <p:cNvSpPr>
-            <a:spLocks noGrp="1" noChangeArrowheads="1"/>
-          </p:cNvSpPr>
-          <p:nvPr>
-            <p:ph type="sldNum" sz="quarter" idx="5"/>
-          </p:nvPr>
-        </p:nvSpPr>
-        <p:spPr>
-          <a:noFill/>
-        </p:spPr>
-        <p:txBody>
-          <a:bodyPr/>
-          <a:lstStyle/>
-          <a:p>
-            <a:fld id="{E54C5D03-0289-40E8-8DE2-ED57FC4EBD93}" type="slidenum">
-              <a:rPr lang="en-US">
-                <a:cs typeface="Arial" charset="0"/>
-              </a:rPr>
-              <a:pPr/>
-              <a:t>9</a:t>
-            </a:fld>
-            <a:endParaRPr lang="en-US">
-              <a:cs typeface="Arial" charset="0"/>
-            </a:endParaRPr>
-          </a:p>
-        </p:txBody>
-      </p:sp>
-      <p:sp>
-        <p:nvSpPr>
-          <p:cNvPr id="38915" name="Rectangle 2"/>
-          <p:cNvSpPr>
-            <a:spLocks noGrp="1" noRot="1" noChangeAspect="1" noChangeArrowheads="1" noTextEdit="1"/>
-          </p:cNvSpPr>
-          <p:nvPr>
-            <p:ph type="sldImg"/>
-          </p:nvPr>
-        </p:nvSpPr>
-        <p:spPr>
-          <a:ln/>
-        </p:spPr>
-      </p:sp>
-      <p:sp>
-        <p:nvSpPr>
-          <p:cNvPr id="38916" name="Rectangle 3"/>
-          <p:cNvSpPr>
-            <a:spLocks noGrp="1" noChangeArrowheads="1"/>
-          </p:cNvSpPr>
-          <p:nvPr>
-            <p:ph type="body" idx="1"/>
-          </p:nvPr>
-        </p:nvSpPr>
-        <p:spPr>
-          <a:noFill/>
-          <a:ln/>
-        </p:spPr>
-        <p:txBody>
-          <a:bodyPr/>
-          <a:lstStyle/>
-          <a:p>
-            <a:pPr eaLnBrk="1" hangingPunct="1"/>
-            <a:endParaRPr lang="en-US" smtClean="0"/>
           </a:p>
         </p:txBody>
       </p:sp>
@@ -3495,6 +3681,1503 @@
       </p:grpSpPr>
       <p:sp>
         <p:nvSpPr>
+          <p:cNvPr id="35" name="TextBox 34"/>
+          <p:cNvSpPr txBox="1"/>
+          <p:nvPr/>
+        </p:nvSpPr>
+        <p:spPr bwMode="auto">
+          <a:xfrm>
+            <a:off x="609600" y="1371600"/>
+            <a:ext cx="7920482" cy="4247317"/>
+          </a:xfrm>
+          <a:prstGeom prst="rect">
+            <a:avLst/>
+          </a:prstGeom>
+          <a:noFill/>
+          <a:ln w="9525">
+            <a:noFill/>
+            <a:miter lim="800000"/>
+            <a:headEnd/>
+            <a:tailEnd type="none" w="lg" len="lg"/>
+          </a:ln>
+        </p:spPr>
+        <p:txBody>
+          <a:bodyPr wrap="none" rtlCol="0">
+            <a:spAutoFit/>
+          </a:bodyPr>
+          <a:lstStyle/>
+          <a:p>
+            <a:r>
+              <a:rPr lang="en-US" sz="5400" dirty="0" smtClean="0">
+                <a:latin typeface="Comic Sans MS" pitchFamily="66" charset="0"/>
+              </a:rPr>
+              <a:t>We</a:t>
+            </a:r>
+            <a:r>
+              <a:rPr lang="en-US" sz="5400" dirty="0">
+                <a:latin typeface="Comic Sans MS" pitchFamily="66" charset="0"/>
+              </a:rPr>
+              <a:t> </a:t>
+            </a:r>
+            <a:r>
+              <a:rPr lang="en-US" sz="5400" dirty="0" smtClean="0">
+                <a:latin typeface="Comic Sans MS" pitchFamily="66" charset="0"/>
+              </a:rPr>
+              <a:t>conclude by strong</a:t>
+            </a:r>
+          </a:p>
+          <a:p>
+            <a:r>
+              <a:rPr lang="en-US" sz="5400" dirty="0" smtClean="0">
+                <a:latin typeface="Comic Sans MS" pitchFamily="66" charset="0"/>
+                <a:cs typeface="Times New Roman" pitchFamily="18" charset="0"/>
+              </a:rPr>
+              <a:t>induction that,</a:t>
+            </a:r>
+          </a:p>
+          <a:p>
+            <a:r>
+              <a:rPr lang="en-US" sz="5400" dirty="0" smtClean="0">
+                <a:latin typeface="Comic Sans MS"/>
+                <a:cs typeface="Comic Sans MS"/>
+              </a:rPr>
+              <a:t>using </a:t>
+            </a:r>
+            <a:r>
+              <a:rPr lang="en-US" sz="5400" dirty="0">
+                <a:latin typeface="Comic Sans MS"/>
+                <a:cs typeface="Comic Sans MS"/>
+              </a:rPr>
+              <a:t>3¢ and 5</a:t>
+            </a:r>
+            <a:r>
+              <a:rPr lang="en-US" sz="5400" dirty="0" smtClean="0">
+                <a:latin typeface="Comic Sans MS"/>
+                <a:cs typeface="Comic Sans MS"/>
+              </a:rPr>
+              <a:t>¢ stamps,</a:t>
+            </a:r>
+          </a:p>
+          <a:p>
+            <a:r>
+              <a:rPr lang="en-US" sz="5400" dirty="0" smtClean="0">
+                <a:solidFill>
+                  <a:srgbClr val="0000FF"/>
+                </a:solidFill>
+                <a:latin typeface="Comic Sans MS"/>
+                <a:cs typeface="Comic Sans MS"/>
+              </a:rPr>
+              <a:t>n </a:t>
+            </a:r>
+            <a:r>
+              <a:rPr lang="en-US" sz="5400" dirty="0">
+                <a:latin typeface="Comic Sans MS"/>
+                <a:cs typeface="Comic Sans MS"/>
+                <a:sym typeface="Euclid Symbol" pitchFamily="18" charset="2"/>
+              </a:rPr>
+              <a:t>+ </a:t>
+            </a:r>
+            <a:r>
+              <a:rPr lang="en-US" sz="5400" dirty="0">
+                <a:latin typeface="Comic Sans MS"/>
+                <a:cs typeface="Comic Sans MS"/>
+              </a:rPr>
+              <a:t>8</a:t>
+            </a:r>
+            <a:r>
+              <a:rPr lang="en-US" sz="5400" dirty="0" smtClean="0">
+                <a:latin typeface="Comic Sans MS"/>
+                <a:cs typeface="Comic Sans MS"/>
+              </a:rPr>
+              <a:t>¢ postage can be</a:t>
+            </a:r>
+          </a:p>
+          <a:p>
+            <a:r>
+              <a:rPr lang="en-US" sz="5400" dirty="0" smtClean="0">
+                <a:latin typeface="Comic Sans MS"/>
+                <a:cs typeface="Comic Sans MS"/>
+              </a:rPr>
+              <a:t>formed</a:t>
+            </a:r>
+            <a:endParaRPr lang="en-US" sz="5400" dirty="0" smtClean="0">
+              <a:latin typeface="Comic Sans MS" pitchFamily="66" charset="0"/>
+              <a:cs typeface="Times New Roman" pitchFamily="18" charset="0"/>
+            </a:endParaRPr>
+          </a:p>
+        </p:txBody>
+      </p:sp>
+      <p:sp>
+        <p:nvSpPr>
+          <p:cNvPr id="27" name="Rectangle 14"/>
+          <p:cNvSpPr>
+            <a:spLocks noGrp="1" noChangeArrowheads="1"/>
+          </p:cNvSpPr>
+          <p:nvPr>
+            <p:ph type="title"/>
+          </p:nvPr>
+        </p:nvSpPr>
+        <p:spPr>
+          <a:xfrm>
+            <a:off x="1447800" y="122238"/>
+            <a:ext cx="7696200" cy="1173162"/>
+          </a:xfrm>
+          <a:noFill/>
+        </p:spPr>
+        <p:txBody>
+          <a:bodyPr/>
+          <a:lstStyle/>
+          <a:p>
+            <a:pPr eaLnBrk="1" hangingPunct="1"/>
+            <a:r>
+              <a:rPr lang="en-US" dirty="0" smtClean="0"/>
+              <a:t>Postage by Strong Induction</a:t>
+            </a:r>
+          </a:p>
+        </p:txBody>
+      </p:sp>
+      <p:sp>
+        <p:nvSpPr>
+          <p:cNvPr id="9" name="TextBox 8"/>
+          <p:cNvSpPr txBox="1"/>
+          <p:nvPr/>
+        </p:nvSpPr>
+        <p:spPr>
+          <a:xfrm>
+            <a:off x="3282073" y="4648200"/>
+            <a:ext cx="4337927" cy="923330"/>
+          </a:xfrm>
+          <a:prstGeom prst="rect">
+            <a:avLst/>
+          </a:prstGeom>
+          <a:noFill/>
+        </p:spPr>
+        <p:txBody>
+          <a:bodyPr wrap="none" rtlCol="0">
+            <a:spAutoFit/>
+          </a:bodyPr>
+          <a:lstStyle/>
+          <a:p>
+            <a:r>
+              <a:rPr lang="en-US" sz="5400" dirty="0">
+                <a:solidFill>
+                  <a:srgbClr val="BC34CA"/>
+                </a:solidFill>
+                <a:latin typeface="Comic Sans MS" pitchFamily="66" charset="0"/>
+                <a:cs typeface="Times New Roman" pitchFamily="18" charset="0"/>
+              </a:rPr>
+              <a:t>for all</a:t>
+            </a:r>
+            <a:r>
+              <a:rPr lang="en-US" sz="5400" dirty="0">
+                <a:solidFill>
+                  <a:prstClr val="black"/>
+                </a:solidFill>
+                <a:latin typeface="Comic Sans MS" pitchFamily="66" charset="0"/>
+                <a:cs typeface="Times New Roman" pitchFamily="18" charset="0"/>
+              </a:rPr>
+              <a:t> </a:t>
+            </a:r>
+            <a:r>
+              <a:rPr lang="en-US" sz="5400" dirty="0">
+                <a:solidFill>
+                  <a:srgbClr val="0000FF"/>
+                </a:solidFill>
+                <a:latin typeface="Comic Sans MS" pitchFamily="66" charset="0"/>
+                <a:cs typeface="Times New Roman" pitchFamily="18" charset="0"/>
+              </a:rPr>
+              <a:t>n</a:t>
+            </a:r>
+            <a:r>
+              <a:rPr lang="en-US" sz="5400" dirty="0">
+                <a:solidFill>
+                  <a:prstClr val="black"/>
+                </a:solidFill>
+                <a:latin typeface="Comic Sans MS" pitchFamily="66" charset="0"/>
+                <a:cs typeface="Times New Roman" pitchFamily="18" charset="0"/>
+              </a:rPr>
+              <a:t> </a:t>
+            </a:r>
+            <a:r>
+              <a:rPr lang="en-US" sz="5400" b="1" dirty="0">
+                <a:solidFill>
+                  <a:prstClr val="black"/>
+                </a:solidFill>
+                <a:latin typeface="Euclid Symbol" charset="2"/>
+                <a:cs typeface="Euclid Symbol" charset="2"/>
+              </a:rPr>
+              <a:t>≥ </a:t>
+            </a:r>
+            <a:r>
+              <a:rPr lang="en-US" sz="5400" dirty="0">
+                <a:solidFill>
+                  <a:prstClr val="black"/>
+                </a:solidFill>
+                <a:latin typeface="Comic Sans MS" pitchFamily="66" charset="0"/>
+                <a:cs typeface="Times New Roman" pitchFamily="18" charset="0"/>
+              </a:rPr>
+              <a:t>0.</a:t>
+            </a:r>
+            <a:endParaRPr lang="en-US" sz="4800" dirty="0" smtClean="0">
+              <a:latin typeface="Comic Sans MS" pitchFamily="66" charset="0"/>
+            </a:endParaRPr>
+          </a:p>
+        </p:txBody>
+      </p:sp>
+    </p:spTree>
+    <p:extLst>
+      <p:ext uri="{BB962C8B-B14F-4D97-AF65-F5344CB8AC3E}">
+        <p14:creationId xmlns:p14="http://schemas.microsoft.com/office/powerpoint/2010/main" val="999838335"/>
+      </p:ext>
+    </p:extLst>
+  </p:cSld>
+  <p:clrMapOvr>
+    <a:masterClrMapping/>
+  </p:clrMapOvr>
+  <mc:AlternateContent xmlns:mc="http://schemas.openxmlformats.org/markup-compatibility/2006" xmlns:p14="http://schemas.microsoft.com/office/powerpoint/2010/main">
+    <mc:Choice Requires="p14">
+      <p:transition spd="med" p14:dur="700">
+        <p:fade/>
+      </p:transition>
+    </mc:Choice>
+    <mc:Fallback xmlns="">
+      <p:transition xmlns:p14="http://schemas.microsoft.com/office/powerpoint/2010/main" spd="med">
+        <p:fade/>
+      </p:transition>
+    </mc:Fallback>
+  </mc:AlternateContent>
+  <p:timing>
+    <p:tnLst>
+      <p:par>
+        <p:cTn xmlns:p14="http://schemas.microsoft.com/office/powerpoint/2010/main" id="1" dur="indefinite" restart="never" nodeType="tmRoot">
+          <p:childTnLst>
+            <p:seq concurrent="1" nextAc="seek">
+              <p:cTn id="2" dur="indefinite" nodeType="mainSeq">
+                <p:childTnLst>
+                  <p:par>
+                    <p:cTn id="3" fill="hold">
+                      <p:stCondLst>
+                        <p:cond delay="indefinite"/>
+                      </p:stCondLst>
+                      <p:childTnLst>
+                        <p:par>
+                          <p:cTn id="4" fill="hold">
+                            <p:stCondLst>
+                              <p:cond delay="0"/>
+                            </p:stCondLst>
+                            <p:childTnLst>
+                              <p:par>
+                                <p:cTn id="5" presetID="9" presetClass="entr" presetSubtype="0" fill="hold" grpId="0" nodeType="clickEffect">
+                                  <p:stCondLst>
+                                    <p:cond delay="0"/>
+                                  </p:stCondLst>
+                                  <p:childTnLst>
+                                    <p:set>
+                                      <p:cBhvr>
+                                        <p:cTn id="6" dur="1" fill="hold">
+                                          <p:stCondLst>
+                                            <p:cond delay="0"/>
+                                          </p:stCondLst>
+                                        </p:cTn>
+                                        <p:tgtEl>
+                                          <p:spTgt spid="9"/>
+                                        </p:tgtEl>
+                                        <p:attrNameLst>
+                                          <p:attrName>style.visibility</p:attrName>
+                                        </p:attrNameLst>
+                                      </p:cBhvr>
+                                      <p:to>
+                                        <p:strVal val="visible"/>
+                                      </p:to>
+                                    </p:set>
+                                    <p:animEffect transition="in" filter="dissolve">
+                                      <p:cBhvr>
+                                        <p:cTn id="7" dur="500"/>
+                                        <p:tgtEl>
+                                          <p:spTgt spid="9"/>
+                                        </p:tgtEl>
+                                      </p:cBhvr>
+                                    </p:animEffect>
+                                  </p:childTnLst>
+                                </p:cTn>
+                              </p:par>
+                            </p:childTnLst>
+                          </p:cTn>
+                        </p:par>
+                      </p:childTnLst>
+                    </p:cTn>
+                  </p:par>
+                </p:childTnLst>
+              </p:cTn>
+              <p:prevCondLst>
+                <p:cond evt="onPrev" delay="0">
+                  <p:tgtEl>
+                    <p:sldTgt/>
+                  </p:tgtEl>
+                </p:cond>
+              </p:prevCondLst>
+              <p:nextCondLst>
+                <p:cond evt="onNext" delay="0">
+                  <p:tgtEl>
+                    <p:sldTgt/>
+                  </p:tgtEl>
+                </p:cond>
+              </p:nextCondLst>
+            </p:seq>
+          </p:childTnLst>
+        </p:cTn>
+      </p:par>
+    </p:tnLst>
+    <p:bldLst>
+      <p:bldP spid="9" grpId="0"/>
+    </p:bldLst>
+  </p:timing>
+</p:sld>
+</file>
+
+<file path=ppt/slides/slide11.xml><?xml version="1.0" encoding="utf-8"?>
+<p:sld xmlns:a="http://schemas.openxmlformats.org/drawingml/2006/main" xmlns:r="http://schemas.openxmlformats.org/officeDocument/2006/relationships" xmlns:p="http://schemas.openxmlformats.org/presentationml/2006/main">
+  <p:cSld>
+    <p:spTree>
+      <p:nvGrpSpPr>
+        <p:cNvPr id="1" name=""/>
+        <p:cNvGrpSpPr/>
+        <p:nvPr/>
+      </p:nvGrpSpPr>
+      <p:grpSpPr>
+        <a:xfrm>
+          <a:off x="0" y="0"/>
+          <a:ext cx="0" cy="0"/>
+          <a:chOff x="0" y="0"/>
+          <a:chExt cx="0" cy="0"/>
+        </a:xfrm>
+      </p:grpSpPr>
+      <p:sp>
+        <p:nvSpPr>
+          <p:cNvPr id="14339" name="Rectangle 2"/>
+          <p:cNvSpPr>
+            <a:spLocks noGrp="1" noChangeArrowheads="1"/>
+          </p:cNvSpPr>
+          <p:nvPr>
+            <p:ph type="title"/>
+          </p:nvPr>
+        </p:nvSpPr>
+        <p:spPr/>
+        <p:txBody>
+          <a:bodyPr/>
+          <a:lstStyle/>
+          <a:p>
+            <a:pPr eaLnBrk="1" hangingPunct="1"/>
+            <a:r>
+              <a:rPr lang="en-US" sz="4800" smtClean="0"/>
+              <a:t>Unstacking game</a:t>
+            </a:r>
+          </a:p>
+        </p:txBody>
+      </p:sp>
+      <p:sp>
+        <p:nvSpPr>
+          <p:cNvPr id="295939" name="Rectangle 3"/>
+          <p:cNvSpPr>
+            <a:spLocks noGrp="1" noChangeArrowheads="1"/>
+          </p:cNvSpPr>
+          <p:nvPr>
+            <p:ph type="body" idx="1"/>
+          </p:nvPr>
+        </p:nvSpPr>
+        <p:spPr>
+          <a:xfrm>
+            <a:off x="381000" y="2209800"/>
+            <a:ext cx="8153400" cy="4114800"/>
+          </a:xfrm>
+        </p:spPr>
+        <p:txBody>
+          <a:bodyPr/>
+          <a:lstStyle/>
+          <a:p>
+            <a:r>
+              <a:rPr lang="en-US" sz="3600" dirty="0" smtClean="0"/>
+              <a:t>Start: a stack of boxes </a:t>
+            </a:r>
+          </a:p>
+          <a:p>
+            <a:pPr eaLnBrk="1" hangingPunct="1"/>
+            <a:r>
+              <a:rPr lang="en-US" sz="3600" dirty="0" smtClean="0"/>
+              <a:t>Move: split any stack into two of sizes </a:t>
+            </a:r>
+            <a:r>
+              <a:rPr lang="en-US" sz="3600" dirty="0" err="1" smtClean="0">
+                <a:solidFill>
+                  <a:srgbClr val="003399"/>
+                </a:solidFill>
+              </a:rPr>
+              <a:t>a</a:t>
+            </a:r>
+            <a:r>
+              <a:rPr lang="en-US" sz="3600" dirty="0" err="1" smtClean="0"/>
+              <a:t>,</a:t>
+            </a:r>
+            <a:r>
+              <a:rPr lang="en-US" sz="3600" dirty="0" err="1" smtClean="0">
+                <a:solidFill>
+                  <a:srgbClr val="003399"/>
+                </a:solidFill>
+              </a:rPr>
+              <a:t>b</a:t>
+            </a:r>
+            <a:r>
+              <a:rPr lang="en-US" sz="3600" dirty="0" smtClean="0">
+                <a:latin typeface="Symbol" charset="2"/>
+                <a:cs typeface="Symbol" charset="2"/>
+              </a:rPr>
+              <a:t>&gt;</a:t>
+            </a:r>
+            <a:r>
+              <a:rPr lang="en-US" sz="3600" dirty="0" smtClean="0"/>
+              <a:t>0 </a:t>
+            </a:r>
+          </a:p>
+          <a:p>
+            <a:pPr eaLnBrk="1" hangingPunct="1"/>
+            <a:r>
+              <a:rPr lang="en-US" sz="3600" dirty="0" smtClean="0"/>
+              <a:t>Scoring: </a:t>
+            </a:r>
+            <a:r>
+              <a:rPr lang="en-US" sz="3600" dirty="0" err="1" smtClean="0">
+                <a:solidFill>
+                  <a:srgbClr val="003399"/>
+                </a:solidFill>
+              </a:rPr>
+              <a:t>a</a:t>
+            </a:r>
+            <a:r>
+              <a:rPr lang="en-US" sz="3600" b="1" dirty="0" err="1" smtClean="0">
+                <a:solidFill>
+                  <a:srgbClr val="003399"/>
+                </a:solidFill>
+              </a:rPr>
+              <a:t>⋅</a:t>
+            </a:r>
+            <a:r>
+              <a:rPr lang="en-US" sz="3600" dirty="0" err="1" smtClean="0">
+                <a:solidFill>
+                  <a:srgbClr val="003399"/>
+                </a:solidFill>
+              </a:rPr>
+              <a:t>b</a:t>
+            </a:r>
+            <a:r>
+              <a:rPr lang="en-US" sz="3600" dirty="0" smtClean="0"/>
+              <a:t> points</a:t>
+            </a:r>
+          </a:p>
+          <a:p>
+            <a:pPr eaLnBrk="1" hangingPunct="1"/>
+            <a:r>
+              <a:rPr lang="en-US" sz="3600" dirty="0" smtClean="0"/>
+              <a:t>Keep moving: until stuck</a:t>
+            </a:r>
+          </a:p>
+          <a:p>
+            <a:pPr eaLnBrk="1" hangingPunct="1"/>
+            <a:r>
+              <a:rPr lang="en-US" sz="3600" dirty="0" smtClean="0"/>
+              <a:t>Overall score:  sum of move scores </a:t>
+            </a:r>
+          </a:p>
+        </p:txBody>
+      </p:sp>
+      <p:grpSp>
+        <p:nvGrpSpPr>
+          <p:cNvPr id="2" name="Group 20"/>
+          <p:cNvGrpSpPr>
+            <a:grpSpLocks/>
+          </p:cNvGrpSpPr>
+          <p:nvPr/>
+        </p:nvGrpSpPr>
+        <p:grpSpPr bwMode="auto">
+          <a:xfrm>
+            <a:off x="5943600" y="1219200"/>
+            <a:ext cx="533400" cy="1371600"/>
+            <a:chOff x="3984" y="624"/>
+            <a:chExt cx="336" cy="864"/>
+          </a:xfrm>
+        </p:grpSpPr>
+        <p:sp>
+          <p:nvSpPr>
+            <p:cNvPr id="14355" name="Rectangle 4"/>
+            <p:cNvSpPr>
+              <a:spLocks noChangeArrowheads="1"/>
+            </p:cNvSpPr>
+            <p:nvPr/>
+          </p:nvSpPr>
+          <p:spPr bwMode="auto">
+            <a:xfrm>
+              <a:off x="3984" y="1248"/>
+              <a:ext cx="336" cy="240"/>
+            </a:xfrm>
+            <a:prstGeom prst="rect">
+              <a:avLst/>
+            </a:prstGeom>
+            <a:solidFill>
+              <a:srgbClr val="FF6600"/>
+            </a:solidFill>
+            <a:ln w="9525">
+              <a:solidFill>
+                <a:schemeClr val="tx1"/>
+              </a:solidFill>
+              <a:miter lim="800000"/>
+              <a:headEnd/>
+              <a:tailEnd type="none" w="lg" len="lg"/>
+            </a:ln>
+          </p:spPr>
+          <p:txBody>
+            <a:bodyPr wrap="none" anchor="ctr"/>
+            <a:lstStyle/>
+            <a:p>
+              <a:endParaRPr lang="en-US"/>
+            </a:p>
+          </p:txBody>
+        </p:sp>
+        <p:sp>
+          <p:nvSpPr>
+            <p:cNvPr id="14356" name="Rectangle 5"/>
+            <p:cNvSpPr>
+              <a:spLocks noChangeArrowheads="1"/>
+            </p:cNvSpPr>
+            <p:nvPr/>
+          </p:nvSpPr>
+          <p:spPr bwMode="auto">
+            <a:xfrm>
+              <a:off x="3984" y="624"/>
+              <a:ext cx="336" cy="240"/>
+            </a:xfrm>
+            <a:prstGeom prst="rect">
+              <a:avLst/>
+            </a:prstGeom>
+            <a:solidFill>
+              <a:srgbClr val="FF6600"/>
+            </a:solidFill>
+            <a:ln w="9525">
+              <a:solidFill>
+                <a:schemeClr val="tx1"/>
+              </a:solidFill>
+              <a:miter lim="800000"/>
+              <a:headEnd/>
+              <a:tailEnd type="none" w="lg" len="lg"/>
+            </a:ln>
+          </p:spPr>
+          <p:txBody>
+            <a:bodyPr wrap="none" anchor="ctr"/>
+            <a:lstStyle/>
+            <a:p>
+              <a:pPr algn="ctr"/>
+              <a:endParaRPr lang="en-US" sz="2400"/>
+            </a:p>
+          </p:txBody>
+        </p:sp>
+        <p:sp>
+          <p:nvSpPr>
+            <p:cNvPr id="14357" name="Rectangle 6"/>
+            <p:cNvSpPr>
+              <a:spLocks noChangeArrowheads="1"/>
+            </p:cNvSpPr>
+            <p:nvPr/>
+          </p:nvSpPr>
+          <p:spPr bwMode="auto">
+            <a:xfrm>
+              <a:off x="3984" y="816"/>
+              <a:ext cx="336" cy="240"/>
+            </a:xfrm>
+            <a:prstGeom prst="rect">
+              <a:avLst/>
+            </a:prstGeom>
+            <a:solidFill>
+              <a:srgbClr val="FF6600"/>
+            </a:solidFill>
+            <a:ln w="9525">
+              <a:solidFill>
+                <a:schemeClr val="tx1"/>
+              </a:solidFill>
+              <a:miter lim="800000"/>
+              <a:headEnd/>
+              <a:tailEnd type="none" w="lg" len="lg"/>
+            </a:ln>
+          </p:spPr>
+          <p:txBody>
+            <a:bodyPr wrap="none" anchor="ctr"/>
+            <a:lstStyle/>
+            <a:p>
+              <a:endParaRPr lang="en-US"/>
+            </a:p>
+          </p:txBody>
+        </p:sp>
+        <p:sp>
+          <p:nvSpPr>
+            <p:cNvPr id="14358" name="Rectangle 7"/>
+            <p:cNvSpPr>
+              <a:spLocks noChangeArrowheads="1"/>
+            </p:cNvSpPr>
+            <p:nvPr/>
+          </p:nvSpPr>
+          <p:spPr bwMode="auto">
+            <a:xfrm>
+              <a:off x="3984" y="1056"/>
+              <a:ext cx="336" cy="240"/>
+            </a:xfrm>
+            <a:prstGeom prst="rect">
+              <a:avLst/>
+            </a:prstGeom>
+            <a:solidFill>
+              <a:srgbClr val="FF6600"/>
+            </a:solidFill>
+            <a:ln w="9525">
+              <a:solidFill>
+                <a:schemeClr val="tx1"/>
+              </a:solidFill>
+              <a:miter lim="800000"/>
+              <a:headEnd/>
+              <a:tailEnd type="none" w="lg" len="lg"/>
+            </a:ln>
+          </p:spPr>
+          <p:txBody>
+            <a:bodyPr wrap="none" anchor="ctr"/>
+            <a:lstStyle/>
+            <a:p>
+              <a:endParaRPr lang="en-US"/>
+            </a:p>
+          </p:txBody>
+        </p:sp>
+      </p:grpSp>
+      <p:grpSp>
+        <p:nvGrpSpPr>
+          <p:cNvPr id="3" name="Group 24"/>
+          <p:cNvGrpSpPr>
+            <a:grpSpLocks/>
+          </p:cNvGrpSpPr>
+          <p:nvPr/>
+        </p:nvGrpSpPr>
+        <p:grpSpPr bwMode="auto">
+          <a:xfrm>
+            <a:off x="6629400" y="1524000"/>
+            <a:ext cx="1981200" cy="1498601"/>
+            <a:chOff x="4416" y="816"/>
+            <a:chExt cx="1248" cy="944"/>
+          </a:xfrm>
+        </p:grpSpPr>
+        <p:grpSp>
+          <p:nvGrpSpPr>
+            <p:cNvPr id="4" name="Group 18"/>
+            <p:cNvGrpSpPr>
+              <a:grpSpLocks/>
+            </p:cNvGrpSpPr>
+            <p:nvPr/>
+          </p:nvGrpSpPr>
+          <p:grpSpPr bwMode="auto">
+            <a:xfrm>
+              <a:off x="4896" y="960"/>
+              <a:ext cx="336" cy="800"/>
+              <a:chOff x="4896" y="960"/>
+              <a:chExt cx="336" cy="800"/>
+            </a:xfrm>
+          </p:grpSpPr>
+          <p:grpSp>
+            <p:nvGrpSpPr>
+              <p:cNvPr id="5" name="Group 16"/>
+              <p:cNvGrpSpPr>
+                <a:grpSpLocks/>
+              </p:cNvGrpSpPr>
+              <p:nvPr/>
+            </p:nvGrpSpPr>
+            <p:grpSpPr bwMode="auto">
+              <a:xfrm>
+                <a:off x="4896" y="960"/>
+                <a:ext cx="336" cy="480"/>
+                <a:chOff x="4896" y="816"/>
+                <a:chExt cx="336" cy="480"/>
+              </a:xfrm>
+            </p:grpSpPr>
+            <p:sp>
+              <p:nvSpPr>
+                <p:cNvPr id="14353" name="Rectangle 11"/>
+                <p:cNvSpPr>
+                  <a:spLocks noChangeArrowheads="1"/>
+                </p:cNvSpPr>
+                <p:nvPr/>
+              </p:nvSpPr>
+              <p:spPr bwMode="auto">
+                <a:xfrm>
+                  <a:off x="4896" y="816"/>
+                  <a:ext cx="336" cy="240"/>
+                </a:xfrm>
+                <a:prstGeom prst="rect">
+                  <a:avLst/>
+                </a:prstGeom>
+                <a:solidFill>
+                  <a:srgbClr val="FF6600"/>
+                </a:solidFill>
+                <a:ln w="9525">
+                  <a:solidFill>
+                    <a:schemeClr val="tx1"/>
+                  </a:solidFill>
+                  <a:miter lim="800000"/>
+                  <a:headEnd/>
+                  <a:tailEnd type="none" w="lg" len="lg"/>
+                </a:ln>
+              </p:spPr>
+              <p:txBody>
+                <a:bodyPr wrap="none" anchor="ctr"/>
+                <a:lstStyle/>
+                <a:p>
+                  <a:pPr algn="ctr"/>
+                  <a:endParaRPr lang="en-US" sz="2400"/>
+                </a:p>
+              </p:txBody>
+            </p:sp>
+            <p:sp>
+              <p:nvSpPr>
+                <p:cNvPr id="14354" name="Rectangle 12"/>
+                <p:cNvSpPr>
+                  <a:spLocks noChangeArrowheads="1"/>
+                </p:cNvSpPr>
+                <p:nvPr/>
+              </p:nvSpPr>
+              <p:spPr bwMode="auto">
+                <a:xfrm>
+                  <a:off x="4896" y="1056"/>
+                  <a:ext cx="336" cy="240"/>
+                </a:xfrm>
+                <a:prstGeom prst="rect">
+                  <a:avLst/>
+                </a:prstGeom>
+                <a:solidFill>
+                  <a:srgbClr val="FF6600"/>
+                </a:solidFill>
+                <a:ln w="9525">
+                  <a:solidFill>
+                    <a:schemeClr val="tx1"/>
+                  </a:solidFill>
+                  <a:miter lim="800000"/>
+                  <a:headEnd/>
+                  <a:tailEnd type="none" w="lg" len="lg"/>
+                </a:ln>
+              </p:spPr>
+              <p:txBody>
+                <a:bodyPr wrap="none" anchor="ctr"/>
+                <a:lstStyle/>
+                <a:p>
+                  <a:pPr algn="ctr"/>
+                  <a:endParaRPr lang="en-US" sz="2400"/>
+                </a:p>
+              </p:txBody>
+            </p:sp>
+          </p:grpSp>
+          <p:sp>
+            <p:nvSpPr>
+              <p:cNvPr id="14352" name="Text Box 14"/>
+              <p:cNvSpPr txBox="1">
+                <a:spLocks noChangeArrowheads="1"/>
+              </p:cNvSpPr>
+              <p:nvPr/>
+            </p:nvSpPr>
+            <p:spPr bwMode="auto">
+              <a:xfrm>
+                <a:off x="4944" y="1392"/>
+                <a:ext cx="249" cy="368"/>
+              </a:xfrm>
+              <a:prstGeom prst="rect">
+                <a:avLst/>
+              </a:prstGeom>
+              <a:noFill/>
+              <a:ln w="9525">
+                <a:noFill/>
+                <a:miter lim="800000"/>
+                <a:headEnd/>
+                <a:tailEnd type="none" w="lg" len="lg"/>
+              </a:ln>
+            </p:spPr>
+            <p:txBody>
+              <a:bodyPr wrap="none">
+                <a:spAutoFit/>
+              </a:bodyPr>
+              <a:lstStyle/>
+              <a:p>
+                <a:r>
+                  <a:rPr lang="en-US" sz="3200" dirty="0">
+                    <a:solidFill>
+                      <a:srgbClr val="003399"/>
+                    </a:solidFill>
+                    <a:latin typeface="Comic Sans MS"/>
+                    <a:cs typeface="Comic Sans MS"/>
+                  </a:rPr>
+                  <a:t>a</a:t>
+                </a:r>
+              </a:p>
+            </p:txBody>
+          </p:sp>
+        </p:grpSp>
+        <p:grpSp>
+          <p:nvGrpSpPr>
+            <p:cNvPr id="6" name="Group 19"/>
+            <p:cNvGrpSpPr>
+              <a:grpSpLocks/>
+            </p:cNvGrpSpPr>
+            <p:nvPr/>
+          </p:nvGrpSpPr>
+          <p:grpSpPr bwMode="auto">
+            <a:xfrm>
+              <a:off x="5328" y="960"/>
+              <a:ext cx="336" cy="800"/>
+              <a:chOff x="5328" y="960"/>
+              <a:chExt cx="336" cy="800"/>
+            </a:xfrm>
+          </p:grpSpPr>
+          <p:grpSp>
+            <p:nvGrpSpPr>
+              <p:cNvPr id="7" name="Group 17"/>
+              <p:cNvGrpSpPr>
+                <a:grpSpLocks/>
+              </p:cNvGrpSpPr>
+              <p:nvPr/>
+            </p:nvGrpSpPr>
+            <p:grpSpPr bwMode="auto">
+              <a:xfrm>
+                <a:off x="5328" y="960"/>
+                <a:ext cx="336" cy="480"/>
+                <a:chOff x="5328" y="816"/>
+                <a:chExt cx="336" cy="480"/>
+              </a:xfrm>
+            </p:grpSpPr>
+            <p:sp>
+              <p:nvSpPr>
+                <p:cNvPr id="14349" name="Rectangle 9"/>
+                <p:cNvSpPr>
+                  <a:spLocks noChangeArrowheads="1"/>
+                </p:cNvSpPr>
+                <p:nvPr/>
+              </p:nvSpPr>
+              <p:spPr bwMode="auto">
+                <a:xfrm>
+                  <a:off x="5328" y="1056"/>
+                  <a:ext cx="336" cy="240"/>
+                </a:xfrm>
+                <a:prstGeom prst="rect">
+                  <a:avLst/>
+                </a:prstGeom>
+                <a:solidFill>
+                  <a:srgbClr val="FF6600"/>
+                </a:solidFill>
+                <a:ln w="9525">
+                  <a:solidFill>
+                    <a:schemeClr val="tx1"/>
+                  </a:solidFill>
+                  <a:miter lim="800000"/>
+                  <a:headEnd/>
+                  <a:tailEnd type="none" w="lg" len="lg"/>
+                </a:ln>
+              </p:spPr>
+              <p:txBody>
+                <a:bodyPr wrap="none" anchor="ctr"/>
+                <a:lstStyle/>
+                <a:p>
+                  <a:pPr algn="ctr"/>
+                  <a:endParaRPr lang="en-US" sz="2400"/>
+                </a:p>
+              </p:txBody>
+            </p:sp>
+            <p:sp>
+              <p:nvSpPr>
+                <p:cNvPr id="14350" name="Rectangle 10"/>
+                <p:cNvSpPr>
+                  <a:spLocks noChangeArrowheads="1"/>
+                </p:cNvSpPr>
+                <p:nvPr/>
+              </p:nvSpPr>
+              <p:spPr bwMode="auto">
+                <a:xfrm>
+                  <a:off x="5328" y="816"/>
+                  <a:ext cx="336" cy="240"/>
+                </a:xfrm>
+                <a:prstGeom prst="rect">
+                  <a:avLst/>
+                </a:prstGeom>
+                <a:solidFill>
+                  <a:srgbClr val="FF6600"/>
+                </a:solidFill>
+                <a:ln w="9525">
+                  <a:solidFill>
+                    <a:schemeClr val="tx1"/>
+                  </a:solidFill>
+                  <a:miter lim="800000"/>
+                  <a:headEnd/>
+                  <a:tailEnd type="none" w="lg" len="lg"/>
+                </a:ln>
+              </p:spPr>
+              <p:txBody>
+                <a:bodyPr wrap="none" anchor="ctr"/>
+                <a:lstStyle/>
+                <a:p>
+                  <a:pPr algn="ctr"/>
+                  <a:endParaRPr lang="en-US" sz="2400"/>
+                </a:p>
+              </p:txBody>
+            </p:sp>
+          </p:grpSp>
+          <p:sp>
+            <p:nvSpPr>
+              <p:cNvPr id="14348" name="Text Box 15"/>
+              <p:cNvSpPr txBox="1">
+                <a:spLocks noChangeArrowheads="1"/>
+              </p:cNvSpPr>
+              <p:nvPr/>
+            </p:nvSpPr>
+            <p:spPr bwMode="auto">
+              <a:xfrm>
+                <a:off x="5376" y="1392"/>
+                <a:ext cx="270" cy="368"/>
+              </a:xfrm>
+              <a:prstGeom prst="rect">
+                <a:avLst/>
+              </a:prstGeom>
+              <a:noFill/>
+              <a:ln w="9525">
+                <a:noFill/>
+                <a:miter lim="800000"/>
+                <a:headEnd/>
+                <a:tailEnd type="none" w="lg" len="lg"/>
+              </a:ln>
+            </p:spPr>
+            <p:txBody>
+              <a:bodyPr wrap="none">
+                <a:spAutoFit/>
+              </a:bodyPr>
+              <a:lstStyle/>
+              <a:p>
+                <a:r>
+                  <a:rPr lang="en-US" sz="3200" dirty="0" err="1">
+                    <a:solidFill>
+                      <a:srgbClr val="003399"/>
+                    </a:solidFill>
+                    <a:latin typeface="Comic Sans MS"/>
+                    <a:cs typeface="Comic Sans MS"/>
+                  </a:rPr>
+                  <a:t>b</a:t>
+                </a:r>
+                <a:endParaRPr lang="en-US" sz="3200" dirty="0">
+                  <a:solidFill>
+                    <a:srgbClr val="003399"/>
+                  </a:solidFill>
+                  <a:latin typeface="Comic Sans MS"/>
+                  <a:cs typeface="Comic Sans MS"/>
+                </a:endParaRPr>
+              </a:p>
+            </p:txBody>
+          </p:sp>
+        </p:grpSp>
+        <p:sp>
+          <p:nvSpPr>
+            <p:cNvPr id="14346" name="AutoShape 8"/>
+            <p:cNvSpPr>
+              <a:spLocks noChangeArrowheads="1"/>
+            </p:cNvSpPr>
+            <p:nvPr/>
+          </p:nvSpPr>
+          <p:spPr bwMode="auto">
+            <a:xfrm>
+              <a:off x="4416" y="816"/>
+              <a:ext cx="384" cy="306"/>
+            </a:xfrm>
+            <a:prstGeom prst="rightArrow">
+              <a:avLst>
+                <a:gd name="adj1" fmla="val 50000"/>
+                <a:gd name="adj2" fmla="val 31373"/>
+              </a:avLst>
+            </a:prstGeom>
+            <a:solidFill>
+              <a:srgbClr val="3333CC"/>
+            </a:solidFill>
+            <a:ln w="9525">
+              <a:solidFill>
+                <a:schemeClr val="tx1"/>
+              </a:solidFill>
+              <a:miter lim="800000"/>
+              <a:headEnd/>
+              <a:tailEnd type="none" w="lg" len="lg"/>
+            </a:ln>
+          </p:spPr>
+          <p:txBody>
+            <a:bodyPr wrap="none" anchor="ctr"/>
+            <a:lstStyle/>
+            <a:p>
+              <a:endParaRPr lang="en-US"/>
+            </a:p>
+          </p:txBody>
+        </p:sp>
+      </p:grpSp>
+      <p:sp>
+        <p:nvSpPr>
+          <p:cNvPr id="295958" name="Text Box 22"/>
+          <p:cNvSpPr txBox="1">
+            <a:spLocks noChangeArrowheads="1"/>
+          </p:cNvSpPr>
+          <p:nvPr/>
+        </p:nvSpPr>
+        <p:spPr bwMode="auto">
+          <a:xfrm>
+            <a:off x="5794115" y="2514600"/>
+            <a:ext cx="835285" cy="584776"/>
+          </a:xfrm>
+          <a:prstGeom prst="rect">
+            <a:avLst/>
+          </a:prstGeom>
+          <a:noFill/>
+          <a:ln w="9525">
+            <a:noFill/>
+            <a:miter lim="800000"/>
+            <a:headEnd/>
+            <a:tailEnd type="none" w="lg" len="lg"/>
+          </a:ln>
+        </p:spPr>
+        <p:txBody>
+          <a:bodyPr wrap="none">
+            <a:spAutoFit/>
+          </a:bodyPr>
+          <a:lstStyle/>
+          <a:p>
+            <a:r>
+              <a:rPr lang="en-US" sz="3200" dirty="0" err="1">
+                <a:solidFill>
+                  <a:srgbClr val="003399"/>
+                </a:solidFill>
+                <a:latin typeface="Comic Sans MS"/>
+                <a:cs typeface="Comic Sans MS"/>
+              </a:rPr>
+              <a:t>a</a:t>
+            </a:r>
+            <a:r>
+              <a:rPr lang="en-US" sz="3200" dirty="0" err="1">
+                <a:latin typeface="Comic Sans MS"/>
+                <a:cs typeface="Comic Sans MS"/>
+              </a:rPr>
+              <a:t>+</a:t>
+            </a:r>
+            <a:r>
+              <a:rPr lang="en-US" sz="3200" dirty="0" err="1">
+                <a:solidFill>
+                  <a:srgbClr val="003399"/>
+                </a:solidFill>
+                <a:latin typeface="Comic Sans MS"/>
+                <a:cs typeface="Comic Sans MS"/>
+              </a:rPr>
+              <a:t>b</a:t>
+            </a:r>
+            <a:endParaRPr lang="en-US" sz="2400" dirty="0">
+              <a:solidFill>
+                <a:srgbClr val="003399"/>
+              </a:solidFill>
+              <a:latin typeface="Comic Sans MS"/>
+              <a:cs typeface="Comic Sans MS"/>
+            </a:endParaRPr>
+          </a:p>
+        </p:txBody>
+      </p:sp>
+    </p:spTree>
+  </p:cSld>
+  <p:clrMapOvr>
+    <a:masterClrMapping/>
+  </p:clrMapOvr>
+  <p:transition xmlns:p14="http://schemas.microsoft.com/office/powerpoint/2010/main" spd="slow">
+    <p:fade thruBlk="1"/>
+  </p:transition>
+  <p:timing>
+    <p:tnLst>
+      <p:par>
+        <p:cTn xmlns:p14="http://schemas.microsoft.com/office/powerpoint/2010/main" id="1" dur="indefinite" restart="never" nodeType="tmRoot">
+          <p:childTnLst>
+            <p:seq concurrent="1" nextAc="seek">
+              <p:cTn id="2" dur="indefinite" nodeType="mainSeq">
+                <p:childTnLst>
+                  <p:par>
+                    <p:cTn id="3" fill="hold">
+                      <p:stCondLst>
+                        <p:cond delay="indefinite"/>
+                      </p:stCondLst>
+                      <p:childTnLst>
+                        <p:par>
+                          <p:cTn id="4" fill="hold">
+                            <p:stCondLst>
+                              <p:cond delay="0"/>
+                            </p:stCondLst>
+                            <p:childTnLst>
+                              <p:par>
+                                <p:cTn id="5" presetID="9" presetClass="entr" presetSubtype="0" fill="hold" nodeType="clickEffect">
+                                  <p:stCondLst>
+                                    <p:cond delay="0"/>
+                                  </p:stCondLst>
+                                  <p:childTnLst>
+                                    <p:set>
+                                      <p:cBhvr>
+                                        <p:cTn id="6" dur="1" fill="hold">
+                                          <p:stCondLst>
+                                            <p:cond delay="0"/>
+                                          </p:stCondLst>
+                                        </p:cTn>
+                                        <p:tgtEl>
+                                          <p:spTgt spid="295939">
+                                            <p:txEl>
+                                              <p:pRg st="1" end="1"/>
+                                            </p:txEl>
+                                          </p:spTgt>
+                                        </p:tgtEl>
+                                        <p:attrNameLst>
+                                          <p:attrName>style.visibility</p:attrName>
+                                        </p:attrNameLst>
+                                      </p:cBhvr>
+                                      <p:to>
+                                        <p:strVal val="visible"/>
+                                      </p:to>
+                                    </p:set>
+                                    <p:animEffect transition="in" filter="dissolve">
+                                      <p:cBhvr>
+                                        <p:cTn id="7" dur="500"/>
+                                        <p:tgtEl>
+                                          <p:spTgt spid="295939">
+                                            <p:txEl>
+                                              <p:pRg st="1" end="1"/>
+                                            </p:txEl>
+                                          </p:spTgt>
+                                        </p:tgtEl>
+                                      </p:cBhvr>
+                                    </p:animEffect>
+                                  </p:childTnLst>
+                                </p:cTn>
+                              </p:par>
+                            </p:childTnLst>
+                          </p:cTn>
+                        </p:par>
+                      </p:childTnLst>
+                    </p:cTn>
+                  </p:par>
+                  <p:par>
+                    <p:cTn id="8" fill="hold">
+                      <p:stCondLst>
+                        <p:cond delay="indefinite"/>
+                      </p:stCondLst>
+                      <p:childTnLst>
+                        <p:par>
+                          <p:cTn id="9" fill="hold">
+                            <p:stCondLst>
+                              <p:cond delay="0"/>
+                            </p:stCondLst>
+                            <p:childTnLst>
+                              <p:par>
+                                <p:cTn id="10" presetID="9" presetClass="entr" presetSubtype="0" fill="hold" grpId="0" nodeType="clickEffect">
+                                  <p:stCondLst>
+                                    <p:cond delay="0"/>
+                                  </p:stCondLst>
+                                  <p:childTnLst>
+                                    <p:set>
+                                      <p:cBhvr>
+                                        <p:cTn id="11" dur="1" fill="hold">
+                                          <p:stCondLst>
+                                            <p:cond delay="0"/>
+                                          </p:stCondLst>
+                                        </p:cTn>
+                                        <p:tgtEl>
+                                          <p:spTgt spid="295958"/>
+                                        </p:tgtEl>
+                                        <p:attrNameLst>
+                                          <p:attrName>style.visibility</p:attrName>
+                                        </p:attrNameLst>
+                                      </p:cBhvr>
+                                      <p:to>
+                                        <p:strVal val="visible"/>
+                                      </p:to>
+                                    </p:set>
+                                    <p:animEffect transition="in" filter="dissolve">
+                                      <p:cBhvr>
+                                        <p:cTn id="12" dur="500"/>
+                                        <p:tgtEl>
+                                          <p:spTgt spid="295958"/>
+                                        </p:tgtEl>
+                                      </p:cBhvr>
+                                    </p:animEffect>
+                                  </p:childTnLst>
+                                </p:cTn>
+                              </p:par>
+                            </p:childTnLst>
+                          </p:cTn>
+                        </p:par>
+                      </p:childTnLst>
+                    </p:cTn>
+                  </p:par>
+                  <p:par>
+                    <p:cTn id="13" fill="hold">
+                      <p:stCondLst>
+                        <p:cond delay="indefinite"/>
+                      </p:stCondLst>
+                      <p:childTnLst>
+                        <p:par>
+                          <p:cTn id="14" fill="hold">
+                            <p:stCondLst>
+                              <p:cond delay="0"/>
+                            </p:stCondLst>
+                            <p:childTnLst>
+                              <p:par>
+                                <p:cTn id="15" presetID="22" presetClass="entr" presetSubtype="8" fill="hold" nodeType="clickEffect">
+                                  <p:stCondLst>
+                                    <p:cond delay="0"/>
+                                  </p:stCondLst>
+                                  <p:childTnLst>
+                                    <p:set>
+                                      <p:cBhvr>
+                                        <p:cTn id="16" dur="1" fill="hold">
+                                          <p:stCondLst>
+                                            <p:cond delay="0"/>
+                                          </p:stCondLst>
+                                        </p:cTn>
+                                        <p:tgtEl>
+                                          <p:spTgt spid="3"/>
+                                        </p:tgtEl>
+                                        <p:attrNameLst>
+                                          <p:attrName>style.visibility</p:attrName>
+                                        </p:attrNameLst>
+                                      </p:cBhvr>
+                                      <p:to>
+                                        <p:strVal val="visible"/>
+                                      </p:to>
+                                    </p:set>
+                                    <p:animEffect transition="in" filter="wipe(left)">
+                                      <p:cBhvr>
+                                        <p:cTn id="17" dur="500"/>
+                                        <p:tgtEl>
+                                          <p:spTgt spid="3"/>
+                                        </p:tgtEl>
+                                      </p:cBhvr>
+                                    </p:animEffect>
+                                  </p:childTnLst>
+                                </p:cTn>
+                              </p:par>
+                            </p:childTnLst>
+                          </p:cTn>
+                        </p:par>
+                      </p:childTnLst>
+                    </p:cTn>
+                  </p:par>
+                  <p:par>
+                    <p:cTn id="18" fill="hold">
+                      <p:stCondLst>
+                        <p:cond delay="indefinite"/>
+                      </p:stCondLst>
+                      <p:childTnLst>
+                        <p:par>
+                          <p:cTn id="19" fill="hold">
+                            <p:stCondLst>
+                              <p:cond delay="0"/>
+                            </p:stCondLst>
+                            <p:childTnLst>
+                              <p:par>
+                                <p:cTn id="20" presetID="22" presetClass="entr" presetSubtype="8" fill="hold" nodeType="clickEffect">
+                                  <p:stCondLst>
+                                    <p:cond delay="0"/>
+                                  </p:stCondLst>
+                                  <p:childTnLst>
+                                    <p:set>
+                                      <p:cBhvr>
+                                        <p:cTn id="21" dur="1" fill="hold">
+                                          <p:stCondLst>
+                                            <p:cond delay="0"/>
+                                          </p:stCondLst>
+                                        </p:cTn>
+                                        <p:tgtEl>
+                                          <p:spTgt spid="295939">
+                                            <p:txEl>
+                                              <p:pRg st="2" end="2"/>
+                                            </p:txEl>
+                                          </p:spTgt>
+                                        </p:tgtEl>
+                                        <p:attrNameLst>
+                                          <p:attrName>style.visibility</p:attrName>
+                                        </p:attrNameLst>
+                                      </p:cBhvr>
+                                      <p:to>
+                                        <p:strVal val="visible"/>
+                                      </p:to>
+                                    </p:set>
+                                    <p:animEffect transition="in" filter="wipe(left)">
+                                      <p:cBhvr>
+                                        <p:cTn id="22" dur="500"/>
+                                        <p:tgtEl>
+                                          <p:spTgt spid="295939">
+                                            <p:txEl>
+                                              <p:pRg st="2" end="2"/>
+                                            </p:txEl>
+                                          </p:spTgt>
+                                        </p:tgtEl>
+                                      </p:cBhvr>
+                                    </p:animEffect>
+                                  </p:childTnLst>
+                                </p:cTn>
+                              </p:par>
+                            </p:childTnLst>
+                          </p:cTn>
+                        </p:par>
+                      </p:childTnLst>
+                    </p:cTn>
+                  </p:par>
+                  <p:par>
+                    <p:cTn id="23" fill="hold">
+                      <p:stCondLst>
+                        <p:cond delay="indefinite"/>
+                      </p:stCondLst>
+                      <p:childTnLst>
+                        <p:par>
+                          <p:cTn id="24" fill="hold">
+                            <p:stCondLst>
+                              <p:cond delay="0"/>
+                            </p:stCondLst>
+                            <p:childTnLst>
+                              <p:par>
+                                <p:cTn id="25" presetID="9" presetClass="entr" presetSubtype="0" fill="hold" nodeType="clickEffect">
+                                  <p:stCondLst>
+                                    <p:cond delay="0"/>
+                                  </p:stCondLst>
+                                  <p:childTnLst>
+                                    <p:set>
+                                      <p:cBhvr>
+                                        <p:cTn id="26" dur="1" fill="hold">
+                                          <p:stCondLst>
+                                            <p:cond delay="0"/>
+                                          </p:stCondLst>
+                                        </p:cTn>
+                                        <p:tgtEl>
+                                          <p:spTgt spid="295939">
+                                            <p:txEl>
+                                              <p:pRg st="3" end="3"/>
+                                            </p:txEl>
+                                          </p:spTgt>
+                                        </p:tgtEl>
+                                        <p:attrNameLst>
+                                          <p:attrName>style.visibility</p:attrName>
+                                        </p:attrNameLst>
+                                      </p:cBhvr>
+                                      <p:to>
+                                        <p:strVal val="visible"/>
+                                      </p:to>
+                                    </p:set>
+                                    <p:animEffect transition="in" filter="dissolve">
+                                      <p:cBhvr>
+                                        <p:cTn id="27" dur="500"/>
+                                        <p:tgtEl>
+                                          <p:spTgt spid="295939">
+                                            <p:txEl>
+                                              <p:pRg st="3" end="3"/>
+                                            </p:txEl>
+                                          </p:spTgt>
+                                        </p:tgtEl>
+                                      </p:cBhvr>
+                                    </p:animEffect>
+                                  </p:childTnLst>
+                                </p:cTn>
+                              </p:par>
+                              <p:par>
+                                <p:cTn id="28" presetID="9" presetClass="entr" presetSubtype="0" fill="hold" nodeType="withEffect">
+                                  <p:stCondLst>
+                                    <p:cond delay="0"/>
+                                  </p:stCondLst>
+                                  <p:childTnLst>
+                                    <p:set>
+                                      <p:cBhvr>
+                                        <p:cTn id="29" dur="1" fill="hold">
+                                          <p:stCondLst>
+                                            <p:cond delay="0"/>
+                                          </p:stCondLst>
+                                        </p:cTn>
+                                        <p:tgtEl>
+                                          <p:spTgt spid="295939">
+                                            <p:txEl>
+                                              <p:pRg st="4" end="4"/>
+                                            </p:txEl>
+                                          </p:spTgt>
+                                        </p:tgtEl>
+                                        <p:attrNameLst>
+                                          <p:attrName>style.visibility</p:attrName>
+                                        </p:attrNameLst>
+                                      </p:cBhvr>
+                                      <p:to>
+                                        <p:strVal val="visible"/>
+                                      </p:to>
+                                    </p:set>
+                                    <p:animEffect transition="in" filter="dissolve">
+                                      <p:cBhvr>
+                                        <p:cTn id="30" dur="500"/>
+                                        <p:tgtEl>
+                                          <p:spTgt spid="295939">
+                                            <p:txEl>
+                                              <p:pRg st="4" end="4"/>
+                                            </p:txEl>
+                                          </p:spTgt>
+                                        </p:tgtEl>
+                                      </p:cBhvr>
+                                    </p:animEffect>
+                                  </p:childTnLst>
+                                </p:cTn>
+                              </p:par>
+                            </p:childTnLst>
+                          </p:cTn>
+                        </p:par>
+                      </p:childTnLst>
+                    </p:cTn>
+                  </p:par>
+                </p:childTnLst>
+              </p:cTn>
+              <p:prevCondLst>
+                <p:cond evt="onPrev" delay="0">
+                  <p:tgtEl>
+                    <p:sldTgt/>
+                  </p:tgtEl>
+                </p:cond>
+              </p:prevCondLst>
+              <p:nextCondLst>
+                <p:cond evt="onNext" delay="0">
+                  <p:tgtEl>
+                    <p:sldTgt/>
+                  </p:tgtEl>
+                </p:cond>
+              </p:nextCondLst>
+            </p:seq>
+          </p:childTnLst>
+        </p:cTn>
+      </p:par>
+    </p:tnLst>
+    <p:bldLst>
+      <p:bldP spid="295958" grpId="0"/>
+    </p:bldLst>
+  </p:timing>
+</p:sld>
+</file>
+
+<file path=ppt/slides/slide12.xml><?xml version="1.0" encoding="utf-8"?>
+<p:sld xmlns:a="http://schemas.openxmlformats.org/drawingml/2006/main" xmlns:r="http://schemas.openxmlformats.org/officeDocument/2006/relationships" xmlns:p="http://schemas.openxmlformats.org/presentationml/2006/main">
+  <p:cSld>
+    <p:spTree>
+      <p:nvGrpSpPr>
+        <p:cNvPr id="1" name=""/>
+        <p:cNvGrpSpPr/>
+        <p:nvPr/>
+      </p:nvGrpSpPr>
+      <p:grpSpPr>
+        <a:xfrm>
+          <a:off x="0" y="0"/>
+          <a:ext cx="0" cy="0"/>
+          <a:chOff x="0" y="0"/>
+          <a:chExt cx="0" cy="0"/>
+        </a:xfrm>
+      </p:grpSpPr>
+      <p:sp>
+        <p:nvSpPr>
           <p:cNvPr id="1028" name="Rectangle 2"/>
           <p:cNvSpPr>
             <a:spLocks noGrp="1" noChangeArrowheads="1"/>
@@ -3645,7 +5328,7 @@
           <a:graphicData uri="http://schemas.openxmlformats.org/presentationml/2006/ole">
             <mc:AlternateContent xmlns:mc="http://schemas.openxmlformats.org/markup-compatibility/2006">
               <mc:Choice xmlns:v="urn:schemas-microsoft-com:vml" Requires="v">
-                <p:oleObj spid="_x0000_s402455" name="Equation" r:id="rId4" imgW="7315200" imgH="5410200" progId="Equation.DSMT4">
+                <p:oleObj spid="_x0000_s402459" name="Equation" r:id="rId4" imgW="7315200" imgH="5410200" progId="Equation.DSMT4">
                   <p:embed/>
                 </p:oleObj>
               </mc:Choice>
@@ -3842,7 +5525,7 @@
 </p:sld>
 </file>
 
-<file path=ppt/slides/slide11.xml><?xml version="1.0" encoding="utf-8"?>
+<file path=ppt/slides/slide13.xml><?xml version="1.0" encoding="utf-8"?>
 <p:sld xmlns:a="http://schemas.openxmlformats.org/drawingml/2006/main" xmlns:r="http://schemas.openxmlformats.org/officeDocument/2006/relationships" xmlns:p="http://schemas.openxmlformats.org/presentationml/2006/main">
   <p:cSld>
     <p:spTree>
@@ -3967,7 +5650,7 @@
           <a:graphicData uri="http://schemas.openxmlformats.org/presentationml/2006/ole">
             <mc:AlternateContent xmlns:mc="http://schemas.openxmlformats.org/markup-compatibility/2006">
               <mc:Choice xmlns:v="urn:schemas-microsoft-com:vml" Requires="v">
-                <p:oleObj spid="_x0000_s404503" name="Equation" r:id="rId4" imgW="7315200" imgH="6604000" progId="Equation.DSMT4">
+                <p:oleObj spid="_x0000_s404507" name="Equation" r:id="rId4" imgW="7315200" imgH="6604000" progId="Equation.DSMT4">
                   <p:embed/>
                 </p:oleObj>
               </mc:Choice>
@@ -4201,7 +5884,7 @@
 </p:sld>
 </file>
 
-<file path=ppt/slides/slide12.xml><?xml version="1.0" encoding="utf-8"?>
+<file path=ppt/slides/slide14.xml><?xml version="1.0" encoding="utf-8"?>
 <p:sld xmlns:a="http://schemas.openxmlformats.org/drawingml/2006/main" xmlns:r="http://schemas.openxmlformats.org/officeDocument/2006/relationships" xmlns:p="http://schemas.openxmlformats.org/presentationml/2006/main">
   <p:cSld>
     <p:spTree>
@@ -4345,7 +6028,7 @@
           <a:graphicData uri="http://schemas.openxmlformats.org/presentationml/2006/ole">
             <mc:AlternateContent xmlns:mc="http://schemas.openxmlformats.org/markup-compatibility/2006">
               <mc:Choice xmlns:v="urn:schemas-microsoft-com:vml" Requires="v">
-                <p:oleObj spid="_x0000_s406551" name="Equation" r:id="rId4" imgW="723600" imgH="406080" progId="Equation.DSMT4">
+                <p:oleObj spid="_x0000_s406555" name="Equation" r:id="rId4" imgW="723600" imgH="406080" progId="Equation.DSMT4">
                   <p:embed/>
                 </p:oleObj>
               </mc:Choice>
@@ -4620,7 +6303,7 @@
               <a:pPr>
                 <a:defRPr/>
               </a:pPr>
-              <a:t>12</a:t>
+              <a:t>14</a:t>
             </a:fld>
             <a:endParaRPr lang="en-US" dirty="0"/>
           </a:p>
@@ -4820,7 +6503,7 @@
 </p:sld>
 </file>
 
-<file path=ppt/slides/slide13.xml><?xml version="1.0" encoding="utf-8"?>
+<file path=ppt/slides/slide15.xml><?xml version="1.0" encoding="utf-8"?>
 <p:sld xmlns:a="http://schemas.openxmlformats.org/drawingml/2006/main" xmlns:r="http://schemas.openxmlformats.org/officeDocument/2006/relationships" xmlns:p="http://schemas.openxmlformats.org/presentationml/2006/main">
   <p:cSld>
     <p:spTree>
@@ -4966,7 +6649,7 @@
           <a:graphicData uri="http://schemas.openxmlformats.org/presentationml/2006/ole">
             <mc:AlternateContent xmlns:mc="http://schemas.openxmlformats.org/markup-compatibility/2006">
               <mc:Choice xmlns:v="urn:schemas-microsoft-com:vml" Requires="v">
-                <p:oleObj spid="_x0000_s408599" name="Equation" r:id="rId4" imgW="7315200" imgH="6438900" progId="Equation.DSMT4">
+                <p:oleObj spid="_x0000_s408603" name="Equation" r:id="rId4" imgW="7315200" imgH="6438900" progId="Equation.DSMT4">
                   <p:embed/>
                 </p:oleObj>
               </mc:Choice>
@@ -5197,7 +6880,7 @@
 </p:sld>
 </file>
 
-<file path=ppt/slides/slide14.xml><?xml version="1.0" encoding="utf-8"?>
+<file path=ppt/slides/slide16.xml><?xml version="1.0" encoding="utf-8"?>
 <p:sld xmlns:a="http://schemas.openxmlformats.org/drawingml/2006/main" xmlns:r="http://schemas.openxmlformats.org/officeDocument/2006/relationships" xmlns:p="http://schemas.openxmlformats.org/presentationml/2006/main">
   <p:cSld>
     <p:spTree>
@@ -5333,7 +7016,7 @@
           <a:graphicData uri="http://schemas.openxmlformats.org/presentationml/2006/ole">
             <mc:AlternateContent xmlns:mc="http://schemas.openxmlformats.org/markup-compatibility/2006">
               <mc:Choice xmlns:v="urn:schemas-microsoft-com:vml" Requires="v">
-                <p:oleObj spid="_x0000_s410647" name="Equation" r:id="rId4" imgW="7315200" imgH="2578100" progId="Equation.DSMT4">
+                <p:oleObj spid="_x0000_s410651" name="Equation" r:id="rId4" imgW="7315200" imgH="2578100" progId="Equation.DSMT4">
                   <p:embed/>
                 </p:oleObj>
               </mc:Choice>
@@ -5665,7 +7348,7 @@
 </p:sld>
 </file>
 
-<file path=ppt/slides/slide15.xml><?xml version="1.0" encoding="utf-8"?>
+<file path=ppt/slides/slide17.xml><?xml version="1.0" encoding="utf-8"?>
 <p:sld xmlns:a="http://schemas.openxmlformats.org/drawingml/2006/main" xmlns:r="http://schemas.openxmlformats.org/officeDocument/2006/relationships" xmlns:p="http://schemas.openxmlformats.org/presentationml/2006/main">
   <p:cSld>
     <p:spTree>
@@ -6380,7 +8063,7 @@
 </p:sld>
 </file>
 
-<file path=ppt/slides/slide16.xml><?xml version="1.0" encoding="utf-8"?>
+<file path=ppt/slides/slide18.xml><?xml version="1.0" encoding="utf-8"?>
 <p:sld xmlns:a="http://schemas.openxmlformats.org/drawingml/2006/main" xmlns:r="http://schemas.openxmlformats.org/officeDocument/2006/relationships" xmlns:p="http://schemas.openxmlformats.org/presentationml/2006/main">
   <p:cSld>
     <p:spTree>
@@ -6515,7 +8198,7 @@
           <a:graphicData uri="http://schemas.openxmlformats.org/presentationml/2006/ole">
             <mc:AlternateContent xmlns:mc="http://schemas.openxmlformats.org/markup-compatibility/2006">
               <mc:Choice xmlns:v="urn:schemas-microsoft-com:vml" Requires="v">
-                <p:oleObj spid="_x0000_s414758" name="Equation" r:id="rId4" imgW="7315200" imgH="2146300" progId="Equation.DSMT4">
+                <p:oleObj spid="_x0000_s414765" name="Equation" r:id="rId4" imgW="7315200" imgH="2146300" progId="Equation.DSMT4">
                   <p:embed/>
                 </p:oleObj>
               </mc:Choice>
@@ -6585,7 +8268,7 @@
           <a:graphicData uri="http://schemas.openxmlformats.org/presentationml/2006/ole">
             <mc:AlternateContent xmlns:mc="http://schemas.openxmlformats.org/markup-compatibility/2006">
               <mc:Choice xmlns:v="urn:schemas-microsoft-com:vml" Requires="v">
-                <p:oleObj spid="_x0000_s414759" name="Equation" r:id="rId6" imgW="7315200" imgH="2120900" progId="Equation.DSMT4">
+                <p:oleObj spid="_x0000_s414766" name="Equation" r:id="rId6" imgW="7315200" imgH="2120900" progId="Equation.DSMT4">
                   <p:embed/>
                 </p:oleObj>
               </mc:Choice>
@@ -6795,7 +8478,7 @@
 </p:sld>
 </file>
 
-<file path=ppt/slides/slide17.xml><?xml version="1.0" encoding="utf-8"?>
+<file path=ppt/slides/slide19.xml><?xml version="1.0" encoding="utf-8"?>
 <p:sld xmlns:a="http://schemas.openxmlformats.org/drawingml/2006/main" xmlns:r="http://schemas.openxmlformats.org/officeDocument/2006/relationships" xmlns:p="http://schemas.openxmlformats.org/presentationml/2006/main">
   <p:cSld>
     <p:spTree>
@@ -6905,7 +8588,7 @@
           <a:graphicData uri="http://schemas.openxmlformats.org/presentationml/2006/ole">
             <mc:AlternateContent xmlns:mc="http://schemas.openxmlformats.org/markup-compatibility/2006">
               <mc:Choice xmlns:v="urn:schemas-microsoft-com:vml" Requires="v">
-                <p:oleObj spid="_x0000_s416806" name="Equation" r:id="rId4" imgW="7315200" imgH="2159000" progId="Equation.DSMT4">
+                <p:oleObj spid="_x0000_s416813" name="Equation" r:id="rId4" imgW="7315200" imgH="2159000" progId="Equation.DSMT4">
                   <p:embed/>
                 </p:oleObj>
               </mc:Choice>
@@ -7135,7 +8818,7 @@
           <a:graphicData uri="http://schemas.openxmlformats.org/presentationml/2006/ole">
             <mc:AlternateContent xmlns:mc="http://schemas.openxmlformats.org/markup-compatibility/2006">
               <mc:Choice xmlns:v="urn:schemas-microsoft-com:vml" Requires="v">
-                <p:oleObj spid="_x0000_s416807" name="Equation" r:id="rId7" imgW="7315200" imgH="1866900" progId="Equation.DSMT4">
+                <p:oleObj spid="_x0000_s416814" name="Equation" r:id="rId7" imgW="7315200" imgH="1866900" progId="Equation.DSMT4">
                   <p:embed/>
                 </p:oleObj>
               </mc:Choice>
@@ -10032,8 +11715,8 @@
         </p:nvSpPr>
         <p:spPr bwMode="auto">
           <a:xfrm>
-            <a:off x="304800" y="4154030"/>
-            <a:ext cx="8610600" cy="2399169"/>
+            <a:off x="304800" y="3733800"/>
+            <a:ext cx="8610600" cy="1569660"/>
           </a:xfrm>
           <a:prstGeom prst="rect">
             <a:avLst/>
@@ -10115,22 +11798,13 @@
               <a:t> </a:t>
             </a:r>
             <a:r>
-              <a:rPr lang="en-US" sz="4800" dirty="0" err="1" smtClean="0">
-                <a:solidFill>
-                  <a:srgbClr val="0000FF"/>
-                </a:solidFill>
-                <a:latin typeface="Comic Sans MS" pitchFamily="66" charset="0"/>
-              </a:rPr>
-              <a:t>n</a:t>
-            </a:r>
-            <a:r>
               <a:rPr lang="en-US" sz="4800" dirty="0" smtClean="0">
                 <a:solidFill>
                   <a:srgbClr val="0000FF"/>
                 </a:solidFill>
                 <a:latin typeface="Comic Sans MS" pitchFamily="66" charset="0"/>
               </a:rPr>
-              <a:t> </a:t>
+              <a:t>n </a:t>
             </a:r>
             <a:r>
               <a:rPr lang="en-US" sz="4800" b="1" dirty="0" smtClean="0">
@@ -10147,7 +11821,7 @@
               <a:t> </a:t>
             </a:r>
             <a:r>
-              <a:rPr lang="en-US" sz="4800" dirty="0" err="1" smtClean="0">
+              <a:rPr lang="en-US" sz="4800" dirty="0" smtClean="0">
                 <a:solidFill>
                   <a:srgbClr val="008000"/>
                 </a:solidFill>
@@ -10177,115 +11851,6 @@
               </a:rPr>
               <a:t>0. </a:t>
             </a:r>
-          </a:p>
-          <a:p>
-            <a:r>
-              <a:rPr lang="en-US" sz="4800" dirty="0" smtClean="0">
-                <a:solidFill>
-                  <a:srgbClr val="FF33CC"/>
-                </a:solidFill>
-                <a:latin typeface="Comic Sans MS" pitchFamily="66" charset="0"/>
-                <a:sym typeface="Euclid Symbol"/>
-              </a:rPr>
-              <a:t>Prove can get </a:t>
-            </a:r>
-            <a:r>
-              <a:rPr lang="en-US" sz="4800" dirty="0" smtClean="0">
-                <a:latin typeface="Comic Sans MS" pitchFamily="66" charset="0"/>
-                <a:sym typeface="Euclid Symbol"/>
-              </a:rPr>
-              <a:t>(</a:t>
-            </a:r>
-            <a:r>
-              <a:rPr lang="en-US" sz="4800" dirty="0" smtClean="0">
-                <a:solidFill>
-                  <a:srgbClr val="0033CC"/>
-                </a:solidFill>
-                <a:latin typeface="Comic Sans MS" pitchFamily="66" charset="0"/>
-                <a:sym typeface="Euclid Symbol"/>
-              </a:rPr>
-              <a:t>n+1)</a:t>
-            </a:r>
-            <a:r>
-              <a:rPr lang="en-US" sz="4800" dirty="0" smtClean="0">
-                <a:latin typeface="Comic Sans MS"/>
-                <a:cs typeface="Comic Sans MS"/>
-                <a:sym typeface="Euclid Symbol" pitchFamily="18" charset="2"/>
-              </a:rPr>
-              <a:t>+</a:t>
-            </a:r>
-            <a:r>
-              <a:rPr lang="en-US" sz="4800" dirty="0" smtClean="0">
-                <a:latin typeface="Comic Sans MS"/>
-                <a:cs typeface="Comic Sans MS"/>
-              </a:rPr>
-              <a:t>8</a:t>
-            </a:r>
-            <a:r>
-              <a:rPr lang="en-US" sz="4800" dirty="0" smtClean="0">
-                <a:latin typeface="Comic Sans MS" pitchFamily="66" charset="0"/>
-                <a:cs typeface="Times New Roman" pitchFamily="18" charset="0"/>
-              </a:rPr>
-              <a:t>¢.</a:t>
-            </a:r>
-            <a:endParaRPr lang="en-US" sz="3600" dirty="0">
-              <a:latin typeface="Comic Sans MS" pitchFamily="66" charset="0"/>
-              <a:cs typeface="Times New Roman" pitchFamily="18" charset="0"/>
-            </a:endParaRPr>
-          </a:p>
-        </p:txBody>
-      </p:sp>
-      <p:sp useBgFill="1">
-        <p:nvSpPr>
-          <p:cNvPr id="12" name="TextBox 11"/>
-          <p:cNvSpPr txBox="1"/>
-          <p:nvPr/>
-        </p:nvSpPr>
-        <p:spPr>
-          <a:xfrm>
-            <a:off x="4343400" y="5722203"/>
-            <a:ext cx="2438400" cy="830997"/>
-          </a:xfrm>
-          <a:prstGeom prst="rect">
-            <a:avLst/>
-          </a:prstGeom>
-        </p:spPr>
-        <p:txBody>
-          <a:bodyPr wrap="square" rtlCol="0">
-            <a:spAutoFit/>
-          </a:bodyPr>
-          <a:lstStyle/>
-          <a:p>
-            <a:r>
-              <a:rPr lang="en-US" sz="4800" dirty="0" smtClean="0">
-                <a:solidFill>
-                  <a:srgbClr val="0033CC"/>
-                </a:solidFill>
-                <a:latin typeface="Comic Sans MS" pitchFamily="66" charset="0"/>
-                <a:sym typeface="Euclid Symbol"/>
-              </a:rPr>
-              <a:t>  n</a:t>
-            </a:r>
-            <a:r>
-              <a:rPr lang="en-US" sz="4800" dirty="0" smtClean="0">
-                <a:solidFill>
-                  <a:srgbClr val="000000"/>
-                </a:solidFill>
-                <a:latin typeface="Comic Sans MS" pitchFamily="66" charset="0"/>
-                <a:sym typeface="Euclid Symbol"/>
-              </a:rPr>
-              <a:t>+9</a:t>
-            </a:r>
-            <a:r>
-              <a:rPr lang="en-US" sz="4800" dirty="0" smtClean="0">
-                <a:latin typeface="Comic Sans MS" pitchFamily="66" charset="0"/>
-                <a:cs typeface="Times New Roman" pitchFamily="18" charset="0"/>
-              </a:rPr>
-              <a:t>¢   </a:t>
-            </a:r>
-            <a:endParaRPr lang="en-US" sz="4800" dirty="0" smtClean="0">
-              <a:latin typeface="Comic Sans MS" pitchFamily="66" charset="0"/>
-            </a:endParaRPr>
           </a:p>
         </p:txBody>
       </p:sp>
@@ -10395,6 +11960,1326 @@
                       </p:childTnLst>
                     </p:cTn>
                   </p:par>
+                </p:childTnLst>
+              </p:cTn>
+              <p:prevCondLst>
+                <p:cond evt="onPrev" delay="0">
+                  <p:tgtEl>
+                    <p:sldTgt/>
+                  </p:tgtEl>
+                </p:cond>
+              </p:prevCondLst>
+              <p:nextCondLst>
+                <p:cond evt="onNext" delay="0">
+                  <p:tgtEl>
+                    <p:sldTgt/>
+                  </p:tgtEl>
+                </p:cond>
+              </p:nextCondLst>
+            </p:seq>
+          </p:childTnLst>
+        </p:cTn>
+      </p:par>
+    </p:tnLst>
+    <p:bldLst>
+      <p:bldP spid="345099" grpId="0" build="p"/>
+    </p:bldLst>
+  </p:timing>
+</p:sld>
+</file>
+
+<file path=ppt/slides/slide6.xml><?xml version="1.0" encoding="utf-8"?>
+<p:sld xmlns:a="http://schemas.openxmlformats.org/drawingml/2006/main" xmlns:r="http://schemas.openxmlformats.org/officeDocument/2006/relationships" xmlns:p="http://schemas.openxmlformats.org/presentationml/2006/main">
+  <p:cSld>
+    <p:spTree>
+      <p:nvGrpSpPr>
+        <p:cNvPr id="1" name=""/>
+        <p:cNvGrpSpPr/>
+        <p:nvPr/>
+      </p:nvGrpSpPr>
+      <p:grpSpPr>
+        <a:xfrm>
+          <a:off x="0" y="0"/>
+          <a:ext cx="0" cy="0"/>
+          <a:chOff x="0" y="0"/>
+          <a:chExt cx="0" cy="0"/>
+        </a:xfrm>
+      </p:grpSpPr>
+      <p:grpSp>
+        <p:nvGrpSpPr>
+          <p:cNvPr id="2" name="Group 10"/>
+          <p:cNvGrpSpPr/>
+          <p:nvPr/>
+        </p:nvGrpSpPr>
+        <p:grpSpPr>
+          <a:xfrm>
+            <a:off x="223838" y="1165223"/>
+            <a:ext cx="8158162" cy="2111377"/>
+            <a:chOff x="223838" y="1165223"/>
+            <a:chExt cx="8158162" cy="2111377"/>
+          </a:xfrm>
+        </p:grpSpPr>
+        <p:sp>
+          <p:nvSpPr>
+            <p:cNvPr id="22531" name="Text Box 4"/>
+            <p:cNvSpPr txBox="1">
+              <a:spLocks noChangeArrowheads="1"/>
+            </p:cNvSpPr>
+            <p:nvPr/>
+          </p:nvSpPr>
+          <p:spPr bwMode="auto">
+            <a:xfrm>
+              <a:off x="223838" y="1668959"/>
+              <a:ext cx="4613764" cy="769441"/>
+            </a:xfrm>
+            <a:prstGeom prst="rect">
+              <a:avLst/>
+            </a:prstGeom>
+            <a:noFill/>
+            <a:ln w="9525">
+              <a:noFill/>
+              <a:miter lim="800000"/>
+              <a:headEnd/>
+              <a:tailEnd type="none" w="lg" len="lg"/>
+            </a:ln>
+          </p:spPr>
+          <p:txBody>
+            <a:bodyPr wrap="none">
+              <a:spAutoFit/>
+            </a:bodyPr>
+            <a:lstStyle/>
+            <a:p>
+              <a:r>
+                <a:rPr lang="en-US" sz="4400" dirty="0">
+                  <a:latin typeface="Comic Sans MS" pitchFamily="66" charset="0"/>
+                </a:rPr>
+                <a:t>available stamps:</a:t>
+              </a:r>
+            </a:p>
+          </p:txBody>
+        </p:sp>
+        <p:grpSp>
+          <p:nvGrpSpPr>
+            <p:cNvPr id="3" name="Group 12"/>
+            <p:cNvGrpSpPr>
+              <a:grpSpLocks/>
+            </p:cNvGrpSpPr>
+            <p:nvPr/>
+          </p:nvGrpSpPr>
+          <p:grpSpPr bwMode="auto">
+            <a:xfrm>
+              <a:off x="5116513" y="1165223"/>
+              <a:ext cx="3265487" cy="2111377"/>
+              <a:chOff x="3031" y="672"/>
+              <a:chExt cx="2057" cy="1330"/>
+            </a:xfrm>
+          </p:grpSpPr>
+          <p:pic>
+            <p:nvPicPr>
+              <p:cNvPr id="22537" name="Picture 5" descr="s150fr"/>
+              <p:cNvPicPr>
+                <a:picLocks noChangeAspect="1" noChangeArrowheads="1"/>
+              </p:cNvPicPr>
+              <p:nvPr/>
+            </p:nvPicPr>
+            <p:blipFill>
+              <a:blip r:embed="rId3"/>
+              <a:srcRect/>
+              <a:stretch>
+                <a:fillRect/>
+              </a:stretch>
+            </p:blipFill>
+            <p:spPr bwMode="auto">
+              <a:xfrm>
+                <a:off x="3031" y="672"/>
+                <a:ext cx="750" cy="912"/>
+              </a:xfrm>
+              <a:prstGeom prst="rect">
+                <a:avLst/>
+              </a:prstGeom>
+              <a:noFill/>
+              <a:ln w="9525">
+                <a:noFill/>
+                <a:miter lim="800000"/>
+                <a:headEnd/>
+                <a:tailEnd/>
+              </a:ln>
+            </p:spPr>
+          </p:pic>
+          <p:pic>
+            <p:nvPicPr>
+              <p:cNvPr id="22538" name="Picture 6" descr="s1945"/>
+              <p:cNvPicPr>
+                <a:picLocks noChangeAspect="1" noChangeArrowheads="1"/>
+              </p:cNvPicPr>
+              <p:nvPr/>
+            </p:nvPicPr>
+            <p:blipFill>
+              <a:blip r:embed="rId4"/>
+              <a:srcRect/>
+              <a:stretch>
+                <a:fillRect/>
+              </a:stretch>
+            </p:blipFill>
+            <p:spPr bwMode="auto">
+              <a:xfrm>
+                <a:off x="3943" y="727"/>
+                <a:ext cx="1145" cy="713"/>
+              </a:xfrm>
+              <a:prstGeom prst="rect">
+                <a:avLst/>
+              </a:prstGeom>
+              <a:noFill/>
+              <a:ln w="9525">
+                <a:noFill/>
+                <a:miter lim="800000"/>
+                <a:headEnd/>
+                <a:tailEnd/>
+              </a:ln>
+            </p:spPr>
+          </p:pic>
+          <p:sp>
+            <p:nvSpPr>
+              <p:cNvPr id="22539" name="Rectangle 8"/>
+              <p:cNvSpPr>
+                <a:spLocks noChangeArrowheads="1"/>
+              </p:cNvSpPr>
+              <p:nvPr/>
+            </p:nvSpPr>
+            <p:spPr bwMode="auto">
+              <a:xfrm>
+                <a:off x="3248" y="1634"/>
+                <a:ext cx="435" cy="368"/>
+              </a:xfrm>
+              <a:prstGeom prst="rect">
+                <a:avLst/>
+              </a:prstGeom>
+              <a:noFill/>
+              <a:ln w="9525">
+                <a:noFill/>
+                <a:miter lim="800000"/>
+                <a:headEnd/>
+                <a:tailEnd type="none" w="lg" len="lg"/>
+              </a:ln>
+            </p:spPr>
+            <p:txBody>
+              <a:bodyPr wrap="none">
+                <a:spAutoFit/>
+              </a:bodyPr>
+              <a:lstStyle/>
+              <a:p>
+                <a:r>
+                  <a:rPr lang="en-US" sz="3200" dirty="0">
+                    <a:latin typeface="Comic Sans MS" pitchFamily="66" charset="0"/>
+                  </a:rPr>
+                  <a:t>5</a:t>
+                </a:r>
+                <a:r>
+                  <a:rPr lang="en-US" sz="3200" dirty="0">
+                    <a:latin typeface="Comic Sans MS" pitchFamily="66" charset="0"/>
+                    <a:cs typeface="Times New Roman" pitchFamily="18" charset="0"/>
+                  </a:rPr>
+                  <a:t>¢</a:t>
+                </a:r>
+              </a:p>
+            </p:txBody>
+          </p:sp>
+          <p:sp>
+            <p:nvSpPr>
+              <p:cNvPr id="22540" name="Rectangle 9"/>
+              <p:cNvSpPr>
+                <a:spLocks noChangeArrowheads="1"/>
+              </p:cNvSpPr>
+              <p:nvPr/>
+            </p:nvSpPr>
+            <p:spPr bwMode="auto">
+              <a:xfrm>
+                <a:off x="4352" y="1634"/>
+                <a:ext cx="435" cy="368"/>
+              </a:xfrm>
+              <a:prstGeom prst="rect">
+                <a:avLst/>
+              </a:prstGeom>
+              <a:noFill/>
+              <a:ln w="9525">
+                <a:noFill/>
+                <a:miter lim="800000"/>
+                <a:headEnd/>
+                <a:tailEnd type="none" w="lg" len="lg"/>
+              </a:ln>
+            </p:spPr>
+            <p:txBody>
+              <a:bodyPr wrap="none">
+                <a:spAutoFit/>
+              </a:bodyPr>
+              <a:lstStyle/>
+              <a:p>
+                <a:r>
+                  <a:rPr lang="en-US" sz="3200" dirty="0">
+                    <a:latin typeface="Comic Sans MS" pitchFamily="66" charset="0"/>
+                  </a:rPr>
+                  <a:t>3</a:t>
+                </a:r>
+                <a:r>
+                  <a:rPr lang="en-US" sz="3200" dirty="0">
+                    <a:latin typeface="Comic Sans MS" pitchFamily="66" charset="0"/>
+                    <a:cs typeface="Times New Roman" pitchFamily="18" charset="0"/>
+                  </a:rPr>
+                  <a:t>¢</a:t>
+                </a:r>
+              </a:p>
+            </p:txBody>
+          </p:sp>
+        </p:grpSp>
+      </p:grpSp>
+      <p:sp>
+        <p:nvSpPr>
+          <p:cNvPr id="22534" name="Text Box 10"/>
+          <p:cNvSpPr txBox="1">
+            <a:spLocks noChangeArrowheads="1"/>
+          </p:cNvSpPr>
+          <p:nvPr/>
+        </p:nvSpPr>
+        <p:spPr bwMode="auto">
+          <a:xfrm>
+            <a:off x="228600" y="3124200"/>
+            <a:ext cx="8534400" cy="923330"/>
+          </a:xfrm>
+          <a:prstGeom prst="rect">
+            <a:avLst/>
+          </a:prstGeom>
+          <a:noFill/>
+          <a:ln w="9525">
+            <a:noFill/>
+            <a:miter lim="800000"/>
+            <a:headEnd/>
+            <a:tailEnd type="none" w="lg" len="lg"/>
+          </a:ln>
+        </p:spPr>
+        <p:txBody>
+          <a:bodyPr wrap="square">
+            <a:spAutoFit/>
+          </a:bodyPr>
+          <a:lstStyle/>
+          <a:p>
+            <a:r>
+              <a:rPr lang="en-US" sz="4400" dirty="0" err="1" smtClean="0">
+                <a:solidFill>
+                  <a:srgbClr val="7030A0"/>
+                </a:solidFill>
+                <a:latin typeface="Comic Sans MS" pitchFamily="66" charset="0"/>
+              </a:rPr>
+              <a:t>Thm</a:t>
+            </a:r>
+            <a:r>
+              <a:rPr lang="en-US" sz="4400" dirty="0" smtClean="0">
+                <a:solidFill>
+                  <a:srgbClr val="7030A0"/>
+                </a:solidFill>
+                <a:latin typeface="Comic Sans MS" pitchFamily="66" charset="0"/>
+              </a:rPr>
+              <a:t>:</a:t>
+            </a:r>
+            <a:r>
+              <a:rPr lang="en-US" sz="5400" dirty="0" smtClean="0">
+                <a:latin typeface="Comic Sans MS" pitchFamily="66" charset="0"/>
+              </a:rPr>
+              <a:t> </a:t>
+            </a:r>
+            <a:r>
+              <a:rPr lang="en-US" sz="4800" dirty="0" smtClean="0">
+                <a:latin typeface="Comic Sans MS" pitchFamily="66" charset="0"/>
+              </a:rPr>
+              <a:t>Get any amount </a:t>
+            </a:r>
+            <a:r>
+              <a:rPr lang="en-US" sz="4800" b="1" dirty="0" smtClean="0">
+                <a:latin typeface="Euclid Symbol"/>
+                <a:sym typeface="Euclid Symbol"/>
+              </a:rPr>
+              <a:t>≥ </a:t>
+            </a:r>
+            <a:r>
+              <a:rPr lang="en-US" sz="5400" dirty="0" smtClean="0">
+                <a:latin typeface="Comic Sans MS" pitchFamily="66" charset="0"/>
+              </a:rPr>
+              <a:t>8</a:t>
+            </a:r>
+            <a:r>
+              <a:rPr lang="en-US" sz="5400" dirty="0">
+                <a:latin typeface="Comic Sans MS" pitchFamily="66" charset="0"/>
+                <a:cs typeface="Times New Roman" pitchFamily="18" charset="0"/>
+              </a:rPr>
+              <a:t>¢</a:t>
+            </a:r>
+            <a:endParaRPr lang="en-US" sz="5400" dirty="0">
+              <a:latin typeface="Comic Sans MS" pitchFamily="66" charset="0"/>
+            </a:endParaRPr>
+          </a:p>
+        </p:txBody>
+      </p:sp>
+      <p:sp>
+        <p:nvSpPr>
+          <p:cNvPr id="345099" name="Text Box 11"/>
+          <p:cNvSpPr txBox="1">
+            <a:spLocks noChangeArrowheads="1"/>
+          </p:cNvSpPr>
+          <p:nvPr/>
+        </p:nvSpPr>
+        <p:spPr bwMode="auto">
+          <a:xfrm>
+            <a:off x="304800" y="3733800"/>
+            <a:ext cx="8610600" cy="1569660"/>
+          </a:xfrm>
+          <a:prstGeom prst="rect">
+            <a:avLst/>
+          </a:prstGeom>
+          <a:noFill/>
+          <a:ln w="9525">
+            <a:noFill/>
+            <a:miter lim="800000"/>
+            <a:headEnd/>
+            <a:tailEnd type="none" w="lg" len="lg"/>
+          </a:ln>
+        </p:spPr>
+        <p:txBody>
+          <a:bodyPr wrap="square">
+            <a:spAutoFit/>
+          </a:bodyPr>
+          <a:lstStyle/>
+          <a:p>
+            <a:r>
+              <a:rPr lang="en-US" sz="4800" dirty="0" smtClean="0">
+                <a:solidFill>
+                  <a:srgbClr val="FF33CC"/>
+                </a:solidFill>
+                <a:latin typeface="Comic Sans MS" pitchFamily="66" charset="0"/>
+              </a:rPr>
+              <a:t>inductive step:</a:t>
+            </a:r>
+          </a:p>
+          <a:p>
+            <a:pPr>
+              <a:spcAft>
+                <a:spcPts val="600"/>
+              </a:spcAft>
+            </a:pPr>
+            <a:r>
+              <a:rPr lang="en-US" sz="4800" dirty="0" smtClean="0">
+                <a:solidFill>
+                  <a:srgbClr val="FF33CC"/>
+                </a:solidFill>
+                <a:latin typeface="Comic Sans MS" pitchFamily="66" charset="0"/>
+              </a:rPr>
+              <a:t>Assume</a:t>
+            </a:r>
+            <a:r>
+              <a:rPr lang="en-US" sz="4800" dirty="0" smtClean="0">
+                <a:latin typeface="Comic Sans MS"/>
+                <a:cs typeface="Comic Sans MS"/>
+              </a:rPr>
+              <a:t> </a:t>
+            </a:r>
+            <a:r>
+              <a:rPr lang="en-US" sz="4800" dirty="0">
+                <a:latin typeface="Comic Sans MS"/>
+                <a:cs typeface="Comic Sans MS"/>
+              </a:rPr>
+              <a:t>all </a:t>
+            </a:r>
+            <a:r>
+              <a:rPr lang="en-US" sz="4800" dirty="0">
+                <a:latin typeface="Comic Sans MS"/>
+                <a:cs typeface="Comic Sans MS"/>
+                <a:sym typeface="Euclid Symbol"/>
+              </a:rPr>
+              <a:t>from</a:t>
+            </a:r>
+            <a:r>
+              <a:rPr lang="en-US" sz="4800" dirty="0">
+                <a:solidFill>
+                  <a:srgbClr val="028822"/>
+                </a:solidFill>
+                <a:latin typeface="Comic Sans MS"/>
+                <a:cs typeface="Comic Sans MS"/>
+                <a:sym typeface="Euclid Symbol"/>
+              </a:rPr>
+              <a:t> 8</a:t>
+            </a:r>
+            <a:r>
+              <a:rPr lang="en-US" sz="4800" dirty="0">
+                <a:latin typeface="Comic Sans MS"/>
+                <a:cs typeface="Comic Sans MS"/>
+                <a:sym typeface="Euclid Symbol"/>
+              </a:rPr>
+              <a:t> to </a:t>
+            </a:r>
+            <a:r>
+              <a:rPr lang="en-US" sz="4800" dirty="0">
+                <a:solidFill>
+                  <a:srgbClr val="0000FF"/>
+                </a:solidFill>
+                <a:latin typeface="Comic Sans MS"/>
+                <a:cs typeface="Comic Sans MS"/>
+                <a:sym typeface="Euclid Symbol"/>
+              </a:rPr>
+              <a:t>n</a:t>
+            </a:r>
+            <a:r>
+              <a:rPr lang="en-US" sz="4800" dirty="0">
+                <a:latin typeface="Comic Sans MS"/>
+                <a:cs typeface="Comic Sans MS"/>
+                <a:sym typeface="Euclid Symbol"/>
+              </a:rPr>
+              <a:t>+8</a:t>
+            </a:r>
+            <a:r>
+              <a:rPr lang="en-US" sz="4800" dirty="0">
+                <a:solidFill>
+                  <a:prstClr val="black"/>
+                </a:solidFill>
+                <a:latin typeface="Comic Sans MS"/>
+                <a:cs typeface="Comic Sans MS"/>
+              </a:rPr>
+              <a:t>¢</a:t>
+            </a:r>
+            <a:r>
+              <a:rPr lang="en-US" sz="4800" dirty="0" smtClean="0">
+                <a:solidFill>
+                  <a:prstClr val="black"/>
+                </a:solidFill>
+                <a:latin typeface="Comic Sans MS"/>
+                <a:cs typeface="Comic Sans MS"/>
+              </a:rPr>
+              <a:t>.</a:t>
+            </a:r>
+            <a:endParaRPr lang="en-US" sz="3600" dirty="0">
+              <a:latin typeface="Comic Sans MS" pitchFamily="66" charset="0"/>
+              <a:cs typeface="Times New Roman" pitchFamily="18" charset="0"/>
+              <a:sym typeface="Euclid Symbol"/>
+            </a:endParaRPr>
+          </a:p>
+        </p:txBody>
+      </p:sp>
+      <p:sp>
+        <p:nvSpPr>
+          <p:cNvPr id="14" name="Rectangle 14"/>
+          <p:cNvSpPr>
+            <a:spLocks noGrp="1" noChangeArrowheads="1"/>
+          </p:cNvSpPr>
+          <p:nvPr>
+            <p:ph type="title"/>
+          </p:nvPr>
+        </p:nvSpPr>
+        <p:spPr>
+          <a:xfrm>
+            <a:off x="1447800" y="122238"/>
+            <a:ext cx="7696200" cy="1173162"/>
+          </a:xfrm>
+          <a:noFill/>
+        </p:spPr>
+        <p:txBody>
+          <a:bodyPr/>
+          <a:lstStyle/>
+          <a:p>
+            <a:pPr eaLnBrk="1" hangingPunct="1"/>
+            <a:r>
+              <a:rPr lang="en-US" dirty="0" smtClean="0"/>
+              <a:t>Postage by Strong Induction</a:t>
+            </a:r>
+          </a:p>
+        </p:txBody>
+      </p:sp>
+    </p:spTree>
+    <p:extLst>
+      <p:ext uri="{BB962C8B-B14F-4D97-AF65-F5344CB8AC3E}">
+        <p14:creationId xmlns:p14="http://schemas.microsoft.com/office/powerpoint/2010/main" val="3513998180"/>
+      </p:ext>
+    </p:extLst>
+  </p:cSld>
+  <p:clrMapOvr>
+    <a:masterClrMapping/>
+  </p:clrMapOvr>
+  <p:transition xmlns:p14="http://schemas.microsoft.com/office/powerpoint/2010/main">
+    <p:fade/>
+  </p:transition>
+  <p:timing>
+    <p:tnLst>
+      <p:par>
+        <p:cTn xmlns:p14="http://schemas.microsoft.com/office/powerpoint/2010/main" id="1" dur="indefinite" restart="never" nodeType="tmRoot"/>
+      </p:par>
+    </p:tnLst>
+  </p:timing>
+</p:sld>
+</file>
+
+<file path=ppt/slides/slide7.xml><?xml version="1.0" encoding="utf-8"?>
+<p:sld xmlns:a="http://schemas.openxmlformats.org/drawingml/2006/main" xmlns:r="http://schemas.openxmlformats.org/officeDocument/2006/relationships" xmlns:p="http://schemas.openxmlformats.org/presentationml/2006/main">
+  <p:cSld>
+    <p:spTree>
+      <p:nvGrpSpPr>
+        <p:cNvPr id="1" name=""/>
+        <p:cNvGrpSpPr/>
+        <p:nvPr/>
+      </p:nvGrpSpPr>
+      <p:grpSpPr>
+        <a:xfrm>
+          <a:off x="0" y="0"/>
+          <a:ext cx="0" cy="0"/>
+          <a:chOff x="0" y="0"/>
+          <a:chExt cx="0" cy="0"/>
+        </a:xfrm>
+      </p:grpSpPr>
+      <p:grpSp>
+        <p:nvGrpSpPr>
+          <p:cNvPr id="2" name="Group 10"/>
+          <p:cNvGrpSpPr/>
+          <p:nvPr/>
+        </p:nvGrpSpPr>
+        <p:grpSpPr>
+          <a:xfrm>
+            <a:off x="223838" y="1165223"/>
+            <a:ext cx="8158162" cy="2111377"/>
+            <a:chOff x="223838" y="1165223"/>
+            <a:chExt cx="8158162" cy="2111377"/>
+          </a:xfrm>
+        </p:grpSpPr>
+        <p:sp>
+          <p:nvSpPr>
+            <p:cNvPr id="22531" name="Text Box 4"/>
+            <p:cNvSpPr txBox="1">
+              <a:spLocks noChangeArrowheads="1"/>
+            </p:cNvSpPr>
+            <p:nvPr/>
+          </p:nvSpPr>
+          <p:spPr bwMode="auto">
+            <a:xfrm>
+              <a:off x="223838" y="1668959"/>
+              <a:ext cx="4613764" cy="769441"/>
+            </a:xfrm>
+            <a:prstGeom prst="rect">
+              <a:avLst/>
+            </a:prstGeom>
+            <a:noFill/>
+            <a:ln w="9525">
+              <a:noFill/>
+              <a:miter lim="800000"/>
+              <a:headEnd/>
+              <a:tailEnd type="none" w="lg" len="lg"/>
+            </a:ln>
+          </p:spPr>
+          <p:txBody>
+            <a:bodyPr wrap="none">
+              <a:spAutoFit/>
+            </a:bodyPr>
+            <a:lstStyle/>
+            <a:p>
+              <a:r>
+                <a:rPr lang="en-US" sz="4400" dirty="0">
+                  <a:latin typeface="Comic Sans MS" pitchFamily="66" charset="0"/>
+                </a:rPr>
+                <a:t>available stamps:</a:t>
+              </a:r>
+            </a:p>
+          </p:txBody>
+        </p:sp>
+        <p:grpSp>
+          <p:nvGrpSpPr>
+            <p:cNvPr id="3" name="Group 12"/>
+            <p:cNvGrpSpPr>
+              <a:grpSpLocks/>
+            </p:cNvGrpSpPr>
+            <p:nvPr/>
+          </p:nvGrpSpPr>
+          <p:grpSpPr bwMode="auto">
+            <a:xfrm>
+              <a:off x="5116513" y="1165223"/>
+              <a:ext cx="3265487" cy="2111377"/>
+              <a:chOff x="3031" y="672"/>
+              <a:chExt cx="2057" cy="1330"/>
+            </a:xfrm>
+          </p:grpSpPr>
+          <p:pic>
+            <p:nvPicPr>
+              <p:cNvPr id="22537" name="Picture 5" descr="s150fr"/>
+              <p:cNvPicPr>
+                <a:picLocks noChangeAspect="1" noChangeArrowheads="1"/>
+              </p:cNvPicPr>
+              <p:nvPr/>
+            </p:nvPicPr>
+            <p:blipFill>
+              <a:blip r:embed="rId3"/>
+              <a:srcRect/>
+              <a:stretch>
+                <a:fillRect/>
+              </a:stretch>
+            </p:blipFill>
+            <p:spPr bwMode="auto">
+              <a:xfrm>
+                <a:off x="3031" y="672"/>
+                <a:ext cx="750" cy="912"/>
+              </a:xfrm>
+              <a:prstGeom prst="rect">
+                <a:avLst/>
+              </a:prstGeom>
+              <a:noFill/>
+              <a:ln w="9525">
+                <a:noFill/>
+                <a:miter lim="800000"/>
+                <a:headEnd/>
+                <a:tailEnd/>
+              </a:ln>
+            </p:spPr>
+          </p:pic>
+          <p:pic>
+            <p:nvPicPr>
+              <p:cNvPr id="22538" name="Picture 6" descr="s1945"/>
+              <p:cNvPicPr>
+                <a:picLocks noChangeAspect="1" noChangeArrowheads="1"/>
+              </p:cNvPicPr>
+              <p:nvPr/>
+            </p:nvPicPr>
+            <p:blipFill>
+              <a:blip r:embed="rId4"/>
+              <a:srcRect/>
+              <a:stretch>
+                <a:fillRect/>
+              </a:stretch>
+            </p:blipFill>
+            <p:spPr bwMode="auto">
+              <a:xfrm>
+                <a:off x="3943" y="727"/>
+                <a:ext cx="1145" cy="713"/>
+              </a:xfrm>
+              <a:prstGeom prst="rect">
+                <a:avLst/>
+              </a:prstGeom>
+              <a:noFill/>
+              <a:ln w="9525">
+                <a:noFill/>
+                <a:miter lim="800000"/>
+                <a:headEnd/>
+                <a:tailEnd/>
+              </a:ln>
+            </p:spPr>
+          </p:pic>
+          <p:sp>
+            <p:nvSpPr>
+              <p:cNvPr id="22539" name="Rectangle 8"/>
+              <p:cNvSpPr>
+                <a:spLocks noChangeArrowheads="1"/>
+              </p:cNvSpPr>
+              <p:nvPr/>
+            </p:nvSpPr>
+            <p:spPr bwMode="auto">
+              <a:xfrm>
+                <a:off x="3248" y="1634"/>
+                <a:ext cx="435" cy="368"/>
+              </a:xfrm>
+              <a:prstGeom prst="rect">
+                <a:avLst/>
+              </a:prstGeom>
+              <a:noFill/>
+              <a:ln w="9525">
+                <a:noFill/>
+                <a:miter lim="800000"/>
+                <a:headEnd/>
+                <a:tailEnd type="none" w="lg" len="lg"/>
+              </a:ln>
+            </p:spPr>
+            <p:txBody>
+              <a:bodyPr wrap="none">
+                <a:spAutoFit/>
+              </a:bodyPr>
+              <a:lstStyle/>
+              <a:p>
+                <a:r>
+                  <a:rPr lang="en-US" sz="3200" dirty="0">
+                    <a:latin typeface="Comic Sans MS" pitchFamily="66" charset="0"/>
+                  </a:rPr>
+                  <a:t>5</a:t>
+                </a:r>
+                <a:r>
+                  <a:rPr lang="en-US" sz="3200" dirty="0">
+                    <a:latin typeface="Comic Sans MS" pitchFamily="66" charset="0"/>
+                    <a:cs typeface="Times New Roman" pitchFamily="18" charset="0"/>
+                  </a:rPr>
+                  <a:t>¢</a:t>
+                </a:r>
+              </a:p>
+            </p:txBody>
+          </p:sp>
+          <p:sp>
+            <p:nvSpPr>
+              <p:cNvPr id="22540" name="Rectangle 9"/>
+              <p:cNvSpPr>
+                <a:spLocks noChangeArrowheads="1"/>
+              </p:cNvSpPr>
+              <p:nvPr/>
+            </p:nvSpPr>
+            <p:spPr bwMode="auto">
+              <a:xfrm>
+                <a:off x="4352" y="1634"/>
+                <a:ext cx="435" cy="368"/>
+              </a:xfrm>
+              <a:prstGeom prst="rect">
+                <a:avLst/>
+              </a:prstGeom>
+              <a:noFill/>
+              <a:ln w="9525">
+                <a:noFill/>
+                <a:miter lim="800000"/>
+                <a:headEnd/>
+                <a:tailEnd type="none" w="lg" len="lg"/>
+              </a:ln>
+            </p:spPr>
+            <p:txBody>
+              <a:bodyPr wrap="none">
+                <a:spAutoFit/>
+              </a:bodyPr>
+              <a:lstStyle/>
+              <a:p>
+                <a:r>
+                  <a:rPr lang="en-US" sz="3200" dirty="0">
+                    <a:latin typeface="Comic Sans MS" pitchFamily="66" charset="0"/>
+                  </a:rPr>
+                  <a:t>3</a:t>
+                </a:r>
+                <a:r>
+                  <a:rPr lang="en-US" sz="3200" dirty="0">
+                    <a:latin typeface="Comic Sans MS" pitchFamily="66" charset="0"/>
+                    <a:cs typeface="Times New Roman" pitchFamily="18" charset="0"/>
+                  </a:rPr>
+                  <a:t>¢</a:t>
+                </a:r>
+              </a:p>
+            </p:txBody>
+          </p:sp>
+        </p:grpSp>
+      </p:grpSp>
+      <p:sp>
+        <p:nvSpPr>
+          <p:cNvPr id="22534" name="Text Box 10"/>
+          <p:cNvSpPr txBox="1">
+            <a:spLocks noChangeArrowheads="1"/>
+          </p:cNvSpPr>
+          <p:nvPr/>
+        </p:nvSpPr>
+        <p:spPr bwMode="auto">
+          <a:xfrm>
+            <a:off x="228600" y="3124200"/>
+            <a:ext cx="8534400" cy="923330"/>
+          </a:xfrm>
+          <a:prstGeom prst="rect">
+            <a:avLst/>
+          </a:prstGeom>
+          <a:noFill/>
+          <a:ln w="9525">
+            <a:noFill/>
+            <a:miter lim="800000"/>
+            <a:headEnd/>
+            <a:tailEnd type="none" w="lg" len="lg"/>
+          </a:ln>
+        </p:spPr>
+        <p:txBody>
+          <a:bodyPr wrap="square">
+            <a:spAutoFit/>
+          </a:bodyPr>
+          <a:lstStyle/>
+          <a:p>
+            <a:r>
+              <a:rPr lang="en-US" sz="4400" dirty="0" err="1" smtClean="0">
+                <a:solidFill>
+                  <a:srgbClr val="7030A0"/>
+                </a:solidFill>
+                <a:latin typeface="Comic Sans MS" pitchFamily="66" charset="0"/>
+              </a:rPr>
+              <a:t>Thm</a:t>
+            </a:r>
+            <a:r>
+              <a:rPr lang="en-US" sz="4400" dirty="0" smtClean="0">
+                <a:solidFill>
+                  <a:srgbClr val="7030A0"/>
+                </a:solidFill>
+                <a:latin typeface="Comic Sans MS" pitchFamily="66" charset="0"/>
+              </a:rPr>
+              <a:t>:</a:t>
+            </a:r>
+            <a:r>
+              <a:rPr lang="en-US" sz="5400" dirty="0" smtClean="0">
+                <a:latin typeface="Comic Sans MS" pitchFamily="66" charset="0"/>
+              </a:rPr>
+              <a:t> </a:t>
+            </a:r>
+            <a:r>
+              <a:rPr lang="en-US" sz="4800" dirty="0" smtClean="0">
+                <a:latin typeface="Comic Sans MS" pitchFamily="66" charset="0"/>
+              </a:rPr>
+              <a:t>Get any amount </a:t>
+            </a:r>
+            <a:r>
+              <a:rPr lang="en-US" sz="4800" b="1" dirty="0" smtClean="0">
+                <a:latin typeface="Euclid Symbol"/>
+                <a:sym typeface="Euclid Symbol"/>
+              </a:rPr>
+              <a:t>≥ </a:t>
+            </a:r>
+            <a:r>
+              <a:rPr lang="en-US" sz="5400" dirty="0" smtClean="0">
+                <a:latin typeface="Comic Sans MS" pitchFamily="66" charset="0"/>
+              </a:rPr>
+              <a:t>8</a:t>
+            </a:r>
+            <a:r>
+              <a:rPr lang="en-US" sz="5400" dirty="0">
+                <a:latin typeface="Comic Sans MS" pitchFamily="66" charset="0"/>
+                <a:cs typeface="Times New Roman" pitchFamily="18" charset="0"/>
+              </a:rPr>
+              <a:t>¢</a:t>
+            </a:r>
+            <a:endParaRPr lang="en-US" sz="5400" dirty="0">
+              <a:latin typeface="Comic Sans MS" pitchFamily="66" charset="0"/>
+            </a:endParaRPr>
+          </a:p>
+        </p:txBody>
+      </p:sp>
+      <p:sp>
+        <p:nvSpPr>
+          <p:cNvPr id="345099" name="Text Box 11"/>
+          <p:cNvSpPr txBox="1">
+            <a:spLocks noChangeArrowheads="1"/>
+          </p:cNvSpPr>
+          <p:nvPr/>
+        </p:nvSpPr>
+        <p:spPr bwMode="auto">
+          <a:xfrm>
+            <a:off x="304800" y="3733800"/>
+            <a:ext cx="8610600" cy="1569660"/>
+          </a:xfrm>
+          <a:prstGeom prst="rect">
+            <a:avLst/>
+          </a:prstGeom>
+          <a:noFill/>
+          <a:ln w="9525">
+            <a:noFill/>
+            <a:miter lim="800000"/>
+            <a:headEnd/>
+            <a:tailEnd type="none" w="lg" len="lg"/>
+          </a:ln>
+        </p:spPr>
+        <p:txBody>
+          <a:bodyPr wrap="square">
+            <a:spAutoFit/>
+          </a:bodyPr>
+          <a:lstStyle/>
+          <a:p>
+            <a:r>
+              <a:rPr lang="en-US" sz="4800" dirty="0" smtClean="0">
+                <a:solidFill>
+                  <a:srgbClr val="FF33CC"/>
+                </a:solidFill>
+                <a:latin typeface="Comic Sans MS" pitchFamily="66" charset="0"/>
+              </a:rPr>
+              <a:t>inductive step:</a:t>
+            </a:r>
+          </a:p>
+          <a:p>
+            <a:pPr>
+              <a:spcAft>
+                <a:spcPts val="600"/>
+              </a:spcAft>
+            </a:pPr>
+            <a:r>
+              <a:rPr lang="en-US" sz="4800" dirty="0" smtClean="0">
+                <a:solidFill>
+                  <a:srgbClr val="FF33CC"/>
+                </a:solidFill>
+                <a:latin typeface="Comic Sans MS" pitchFamily="66" charset="0"/>
+              </a:rPr>
+              <a:t>Assume</a:t>
+            </a:r>
+            <a:r>
+              <a:rPr lang="en-US" sz="4800" dirty="0" smtClean="0">
+                <a:latin typeface="Comic Sans MS"/>
+                <a:cs typeface="Comic Sans MS"/>
+              </a:rPr>
+              <a:t> </a:t>
+            </a:r>
+            <a:r>
+              <a:rPr lang="en-US" sz="4800" dirty="0">
+                <a:latin typeface="Comic Sans MS"/>
+                <a:cs typeface="Comic Sans MS"/>
+              </a:rPr>
+              <a:t>all </a:t>
+            </a:r>
+            <a:r>
+              <a:rPr lang="en-US" sz="4800" dirty="0">
+                <a:latin typeface="Comic Sans MS"/>
+                <a:cs typeface="Comic Sans MS"/>
+                <a:sym typeface="Euclid Symbol"/>
+              </a:rPr>
+              <a:t>from</a:t>
+            </a:r>
+            <a:r>
+              <a:rPr lang="en-US" sz="4800" dirty="0">
+                <a:solidFill>
+                  <a:srgbClr val="028822"/>
+                </a:solidFill>
+                <a:latin typeface="Comic Sans MS"/>
+                <a:cs typeface="Comic Sans MS"/>
+                <a:sym typeface="Euclid Symbol"/>
+              </a:rPr>
+              <a:t> 8</a:t>
+            </a:r>
+            <a:r>
+              <a:rPr lang="en-US" sz="4800" dirty="0">
+                <a:latin typeface="Comic Sans MS"/>
+                <a:cs typeface="Comic Sans MS"/>
+                <a:sym typeface="Euclid Symbol"/>
+              </a:rPr>
+              <a:t> to </a:t>
+            </a:r>
+            <a:r>
+              <a:rPr lang="en-US" sz="4800" dirty="0">
+                <a:solidFill>
+                  <a:srgbClr val="0000FF"/>
+                </a:solidFill>
+                <a:latin typeface="Comic Sans MS"/>
+                <a:cs typeface="Comic Sans MS"/>
+                <a:sym typeface="Euclid Symbol"/>
+              </a:rPr>
+              <a:t>n</a:t>
+            </a:r>
+            <a:r>
+              <a:rPr lang="en-US" sz="4800" dirty="0">
+                <a:latin typeface="Comic Sans MS"/>
+                <a:cs typeface="Comic Sans MS"/>
+                <a:sym typeface="Euclid Symbol"/>
+              </a:rPr>
+              <a:t>+8</a:t>
+            </a:r>
+            <a:r>
+              <a:rPr lang="en-US" sz="4800" dirty="0">
+                <a:solidFill>
+                  <a:prstClr val="black"/>
+                </a:solidFill>
+                <a:latin typeface="Comic Sans MS"/>
+                <a:cs typeface="Comic Sans MS"/>
+              </a:rPr>
+              <a:t>¢</a:t>
+            </a:r>
+            <a:r>
+              <a:rPr lang="en-US" sz="4800" dirty="0" smtClean="0">
+                <a:solidFill>
+                  <a:prstClr val="black"/>
+                </a:solidFill>
+                <a:latin typeface="Comic Sans MS"/>
+                <a:cs typeface="Comic Sans MS"/>
+              </a:rPr>
+              <a:t>.</a:t>
+            </a:r>
+            <a:endParaRPr lang="en-US" sz="3600" dirty="0">
+              <a:latin typeface="Comic Sans MS" pitchFamily="66" charset="0"/>
+              <a:cs typeface="Times New Roman" pitchFamily="18" charset="0"/>
+              <a:sym typeface="Euclid Symbol"/>
+            </a:endParaRPr>
+          </a:p>
+        </p:txBody>
+      </p:sp>
+      <p:sp>
+        <p:nvSpPr>
+          <p:cNvPr id="14" name="Rectangle 14"/>
+          <p:cNvSpPr>
+            <a:spLocks noGrp="1" noChangeArrowheads="1"/>
+          </p:cNvSpPr>
+          <p:nvPr>
+            <p:ph type="title"/>
+          </p:nvPr>
+        </p:nvSpPr>
+        <p:spPr>
+          <a:xfrm>
+            <a:off x="1447800" y="122238"/>
+            <a:ext cx="7696200" cy="1173162"/>
+          </a:xfrm>
+          <a:noFill/>
+        </p:spPr>
+        <p:txBody>
+          <a:bodyPr/>
+          <a:lstStyle/>
+          <a:p>
+            <a:pPr eaLnBrk="1" hangingPunct="1"/>
+            <a:r>
+              <a:rPr lang="en-US" dirty="0" smtClean="0"/>
+              <a:t>Postage by Strong Induction</a:t>
+            </a:r>
+          </a:p>
+        </p:txBody>
+      </p:sp>
+      <p:sp>
+        <p:nvSpPr>
+          <p:cNvPr id="4" name="Rectangle 3"/>
+          <p:cNvSpPr/>
+          <p:nvPr/>
+        </p:nvSpPr>
+        <p:spPr>
+          <a:xfrm>
+            <a:off x="381000" y="5334000"/>
+            <a:ext cx="6774511" cy="830997"/>
+          </a:xfrm>
+          <a:prstGeom prst="rect">
+            <a:avLst/>
+          </a:prstGeom>
+        </p:spPr>
+        <p:txBody>
+          <a:bodyPr wrap="none">
+            <a:spAutoFit/>
+          </a:bodyPr>
+          <a:lstStyle/>
+          <a:p>
+            <a:r>
+              <a:rPr lang="en-US" sz="4800" dirty="0">
+                <a:solidFill>
+                  <a:srgbClr val="FF33CC"/>
+                </a:solidFill>
+                <a:latin typeface="Comic Sans MS" pitchFamily="66" charset="0"/>
+                <a:sym typeface="Euclid Symbol"/>
+              </a:rPr>
+              <a:t>Prove can get </a:t>
+            </a:r>
+            <a:r>
+              <a:rPr lang="en-US" sz="4800" dirty="0">
+                <a:latin typeface="Comic Sans MS" pitchFamily="66" charset="0"/>
+                <a:sym typeface="Euclid Symbol"/>
+              </a:rPr>
+              <a:t>(</a:t>
+            </a:r>
+            <a:r>
+              <a:rPr lang="en-US" sz="4800" dirty="0">
+                <a:solidFill>
+                  <a:srgbClr val="0033CC"/>
+                </a:solidFill>
+                <a:latin typeface="Comic Sans MS" pitchFamily="66" charset="0"/>
+                <a:sym typeface="Euclid Symbol"/>
+              </a:rPr>
+              <a:t>n+1)</a:t>
+            </a:r>
+            <a:r>
+              <a:rPr lang="en-US" sz="4800" dirty="0">
+                <a:latin typeface="Comic Sans MS"/>
+                <a:cs typeface="Comic Sans MS"/>
+                <a:sym typeface="Euclid Symbol" pitchFamily="18" charset="2"/>
+              </a:rPr>
+              <a:t>+</a:t>
+            </a:r>
+            <a:r>
+              <a:rPr lang="en-US" sz="4800" dirty="0">
+                <a:latin typeface="Comic Sans MS"/>
+                <a:cs typeface="Comic Sans MS"/>
+              </a:rPr>
+              <a:t>8</a:t>
+            </a:r>
+            <a:r>
+              <a:rPr lang="en-US" sz="4800" dirty="0" smtClean="0">
+                <a:latin typeface="Comic Sans MS" pitchFamily="66" charset="0"/>
+                <a:cs typeface="Times New Roman" pitchFamily="18" charset="0"/>
+              </a:rPr>
+              <a:t>¢</a:t>
+            </a:r>
+            <a:endParaRPr lang="en-US" sz="4800" dirty="0">
+              <a:latin typeface="Comic Sans MS" pitchFamily="66" charset="0"/>
+              <a:cs typeface="Times New Roman" pitchFamily="18" charset="0"/>
+            </a:endParaRPr>
+          </a:p>
+        </p:txBody>
+      </p:sp>
+      <p:sp useBgFill="1">
+        <p:nvSpPr>
+          <p:cNvPr id="13" name="TextBox 12"/>
+          <p:cNvSpPr txBox="1"/>
+          <p:nvPr/>
+        </p:nvSpPr>
+        <p:spPr>
+          <a:xfrm>
+            <a:off x="4343400" y="5341203"/>
+            <a:ext cx="4572000" cy="830997"/>
+          </a:xfrm>
+          <a:prstGeom prst="rect">
+            <a:avLst/>
+          </a:prstGeom>
+        </p:spPr>
+        <p:txBody>
+          <a:bodyPr wrap="square" rtlCol="0">
+            <a:spAutoFit/>
+          </a:bodyPr>
+          <a:lstStyle/>
+          <a:p>
+            <a:r>
+              <a:rPr lang="en-US" sz="4800" dirty="0" smtClean="0">
+                <a:solidFill>
+                  <a:srgbClr val="0033CC"/>
+                </a:solidFill>
+                <a:latin typeface="Comic Sans MS" pitchFamily="66" charset="0"/>
+                <a:sym typeface="Euclid Symbol"/>
+              </a:rPr>
+              <a:t> </a:t>
+            </a:r>
+            <a:r>
+              <a:rPr lang="en-US" sz="4800" dirty="0" smtClean="0">
+                <a:solidFill>
+                  <a:srgbClr val="0033CC"/>
+                </a:solidFill>
+                <a:latin typeface="Comic Sans MS" pitchFamily="66" charset="0"/>
+                <a:sym typeface="Euclid Symbol"/>
+              </a:rPr>
+              <a:t>n</a:t>
+            </a:r>
+            <a:r>
+              <a:rPr lang="en-US" sz="4800" dirty="0" smtClean="0">
+                <a:solidFill>
+                  <a:srgbClr val="000000"/>
+                </a:solidFill>
+                <a:latin typeface="Comic Sans MS" pitchFamily="66" charset="0"/>
+                <a:sym typeface="Euclid Symbol"/>
+              </a:rPr>
+              <a:t>+9</a:t>
+            </a:r>
+            <a:r>
+              <a:rPr lang="en-US" sz="4800" dirty="0" smtClean="0">
+                <a:latin typeface="Comic Sans MS" pitchFamily="66" charset="0"/>
+                <a:cs typeface="Times New Roman" pitchFamily="18" charset="0"/>
+              </a:rPr>
+              <a:t>¢       </a:t>
+            </a:r>
+            <a:endParaRPr lang="en-US" sz="4800" dirty="0" smtClean="0">
+              <a:latin typeface="Comic Sans MS" pitchFamily="66" charset="0"/>
+            </a:endParaRPr>
+          </a:p>
+        </p:txBody>
+      </p:sp>
+      <p:sp>
+        <p:nvSpPr>
+          <p:cNvPr id="5" name="TextBox 4"/>
+          <p:cNvSpPr txBox="1"/>
+          <p:nvPr/>
+        </p:nvSpPr>
+        <p:spPr>
+          <a:xfrm>
+            <a:off x="5791200" y="5334000"/>
+            <a:ext cx="2903531" cy="830997"/>
+          </a:xfrm>
+          <a:prstGeom prst="rect">
+            <a:avLst/>
+          </a:prstGeom>
+          <a:noFill/>
+        </p:spPr>
+        <p:txBody>
+          <a:bodyPr wrap="none" rtlCol="0">
+            <a:spAutoFit/>
+          </a:bodyPr>
+          <a:lstStyle/>
+          <a:p>
+            <a:r>
+              <a:rPr lang="en-US" sz="4800" dirty="0">
+                <a:latin typeface="Comic Sans MS" pitchFamily="66" charset="0"/>
+                <a:cs typeface="Times New Roman" pitchFamily="18" charset="0"/>
+              </a:rPr>
+              <a:t>, for n</a:t>
+            </a:r>
+            <a:r>
+              <a:rPr lang="en-US" sz="4800" b="1" dirty="0">
+                <a:latin typeface="Euclid Symbol"/>
+                <a:sym typeface="Euclid Symbol"/>
+              </a:rPr>
+              <a:t>≥</a:t>
+            </a:r>
+            <a:r>
+              <a:rPr lang="en-US" sz="4800" dirty="0">
+                <a:latin typeface="Comic Sans MS"/>
+                <a:cs typeface="Comic Sans MS"/>
+                <a:sym typeface="Euclid Symbol"/>
+              </a:rPr>
+              <a:t>0</a:t>
+            </a:r>
+            <a:endParaRPr lang="en-US" sz="4800" dirty="0" smtClean="0">
+              <a:latin typeface="Comic Sans MS" pitchFamily="66" charset="0"/>
+            </a:endParaRPr>
+          </a:p>
+        </p:txBody>
+      </p:sp>
+    </p:spTree>
+    <p:extLst>
+      <p:ext uri="{BB962C8B-B14F-4D97-AF65-F5344CB8AC3E}">
+        <p14:creationId xmlns:p14="http://schemas.microsoft.com/office/powerpoint/2010/main" val="3847596913"/>
+      </p:ext>
+    </p:extLst>
+  </p:cSld>
+  <p:clrMapOvr>
+    <a:masterClrMapping/>
+  </p:clrMapOvr>
+  <p:transition xmlns:p14="http://schemas.microsoft.com/office/powerpoint/2010/main">
+    <p:fade/>
+  </p:transition>
+  <p:timing>
+    <p:tnLst>
+      <p:par>
+        <p:cTn xmlns:p14="http://schemas.microsoft.com/office/powerpoint/2010/main" id="1" dur="indefinite" restart="never" nodeType="tmRoot">
+          <p:childTnLst>
+            <p:seq concurrent="1" nextAc="seek">
+              <p:cTn id="2" dur="indefinite" nodeType="mainSeq">
+                <p:childTnLst>
+                  <p:par>
+                    <p:cTn id="3" fill="hold">
+                      <p:stCondLst>
+                        <p:cond delay="indefinite"/>
+                      </p:stCondLst>
+                      <p:childTnLst>
+                        <p:par>
+                          <p:cTn id="4" fill="hold">
+                            <p:stCondLst>
+                              <p:cond delay="0"/>
+                            </p:stCondLst>
+                            <p:childTnLst>
+                              <p:par>
+                                <p:cTn id="5" presetID="10" presetClass="entr" presetSubtype="0" fill="hold" grpId="0" nodeType="clickEffect">
+                                  <p:stCondLst>
+                                    <p:cond delay="0"/>
+                                  </p:stCondLst>
+                                  <p:childTnLst>
+                                    <p:set>
+                                      <p:cBhvr>
+                                        <p:cTn id="6" dur="1" fill="hold">
+                                          <p:stCondLst>
+                                            <p:cond delay="0"/>
+                                          </p:stCondLst>
+                                        </p:cTn>
+                                        <p:tgtEl>
+                                          <p:spTgt spid="13"/>
+                                        </p:tgtEl>
+                                        <p:attrNameLst>
+                                          <p:attrName>style.visibility</p:attrName>
+                                        </p:attrNameLst>
+                                      </p:cBhvr>
+                                      <p:to>
+                                        <p:strVal val="visible"/>
+                                      </p:to>
+                                    </p:set>
+                                    <p:animEffect transition="in" filter="fade">
+                                      <p:cBhvr>
+                                        <p:cTn id="7" dur="1000"/>
+                                        <p:tgtEl>
+                                          <p:spTgt spid="13"/>
+                                        </p:tgtEl>
+                                      </p:cBhvr>
+                                    </p:animEffect>
+                                  </p:childTnLst>
+                                </p:cTn>
+                              </p:par>
+                            </p:childTnLst>
+                          </p:cTn>
+                        </p:par>
+                      </p:childTnLst>
+                    </p:cTn>
+                  </p:par>
                   <p:par>
                     <p:cTn id="8" fill="hold">
                       <p:stCondLst>
@@ -10421,11 +13306,7 @@
                                           </p:stCondLst>
                                         </p:cTn>
                                         <p:tgtEl>
-                                          <p:spTgt spid="345099">
-                                            <p:txEl>
-                                              <p:pRg st="2" end="2"/>
-                                            </p:txEl>
-                                          </p:spTgt>
+                                          <p:spTgt spid="5"/>
                                         </p:tgtEl>
                                         <p:attrNameLst>
                                           <p:attrName>style.visibility</p:attrName>
@@ -10439,64 +13320,7 @@
                                       <p:cBhvr>
                                         <p:cTn id="12" dur="500"/>
                                         <p:tgtEl>
-                                          <p:spTgt spid="345099">
-                                            <p:txEl>
-                                              <p:pRg st="2" end="2"/>
-                                            </p:txEl>
-                                          </p:spTgt>
-                                        </p:tgtEl>
-                                      </p:cBhvr>
-                                    </p:animEffect>
-                                  </p:childTnLst>
-                                </p:cTn>
-                              </p:par>
-                            </p:childTnLst>
-                          </p:cTn>
-                        </p:par>
-                      </p:childTnLst>
-                    </p:cTn>
-                  </p:par>
-                  <p:par>
-                    <p:cTn id="13" fill="hold">
-                      <p:stCondLst>
-                        <p:cond delay="indefinite"/>
-                      </p:stCondLst>
-                      <p:childTnLst>
-                        <p:par>
-                          <p:cTn id="14" fill="hold">
-                            <p:stCondLst>
-                              <p:cond delay="0"/>
-                            </p:stCondLst>
-                            <p:childTnLst>
-                              <p:par>
-                                <p:cTn id="15" presetID="10" presetClass="entr" presetSubtype="0" fill="hold" grpId="0" nodeType="clickEffect">
-                                  <p:stCondLst>
-                                    <p:cond delay="0"/>
-                                  </p:stCondLst>
-                                  <p:childTnLst>
-                                    <p:set>
-                                      <p:cBhvr>
-                                        <p:cTn id="16" dur="1" fill="hold">
-                                          <p:stCondLst>
-                                            <p:cond delay="0"/>
-                                          </p:stCondLst>
-                                        </p:cTn>
-                                        <p:tgtEl>
-                                          <p:spTgt spid="12"/>
-                                        </p:tgtEl>
-                                        <p:attrNameLst>
-                                          <p:attrName>style.visibility</p:attrName>
-                                        </p:attrNameLst>
-                                      </p:cBhvr>
-                                      <p:to>
-                                        <p:strVal val="visible"/>
-                                      </p:to>
-                                    </p:set>
-                                    <p:animEffect transition="in" filter="fade">
-                                      <p:cBhvr>
-                                        <p:cTn id="17" dur="1000"/>
-                                        <p:tgtEl>
-                                          <p:spTgt spid="12"/>
+                                          <p:spTgt spid="5"/>
                                         </p:tgtEl>
                                       </p:cBhvr>
                                     </p:animEffect>
@@ -10531,14 +13355,14 @@
       </p:par>
     </p:tnLst>
     <p:bldLst>
-      <p:bldP spid="345099" grpId="0" build="p"/>
-      <p:bldP spid="12" grpId="0" animBg="1"/>
+      <p:bldP spid="13" grpId="0" animBg="1"/>
+      <p:bldP spid="5" grpId="0"/>
     </p:bldLst>
   </p:timing>
 </p:sld>
 </file>
 
-<file path=ppt/slides/slide6.xml><?xml version="1.0" encoding="utf-8"?>
+<file path=ppt/slides/slide8.xml><?xml version="1.0" encoding="utf-8"?>
 <p:sld xmlns:a="http://schemas.openxmlformats.org/drawingml/2006/main" xmlns:r="http://schemas.openxmlformats.org/officeDocument/2006/relationships" xmlns:p="http://schemas.openxmlformats.org/presentationml/2006/main">
   <p:cSld>
     <p:spTree>
@@ -11337,7 +14161,7 @@
 </p:sld>
 </file>
 
-<file path=ppt/slides/slide7.xml><?xml version="1.0" encoding="utf-8"?>
+<file path=ppt/slides/slide9.xml><?xml version="1.0" encoding="utf-8"?>
 <p:sld xmlns:a="http://schemas.openxmlformats.org/drawingml/2006/main" xmlns:r="http://schemas.openxmlformats.org/officeDocument/2006/relationships" xmlns:p="http://schemas.openxmlformats.org/presentationml/2006/main">
   <p:cSld>
     <p:spTree>
@@ -13045,1503 +15869,6 @@
 </p:sld>
 </file>
 
-<file path=ppt/slides/slide8.xml><?xml version="1.0" encoding="utf-8"?>
-<p:sld xmlns:a="http://schemas.openxmlformats.org/drawingml/2006/main" xmlns:r="http://schemas.openxmlformats.org/officeDocument/2006/relationships" xmlns:p="http://schemas.openxmlformats.org/presentationml/2006/main">
-  <p:cSld>
-    <p:spTree>
-      <p:nvGrpSpPr>
-        <p:cNvPr id="1" name=""/>
-        <p:cNvGrpSpPr/>
-        <p:nvPr/>
-      </p:nvGrpSpPr>
-      <p:grpSpPr>
-        <a:xfrm>
-          <a:off x="0" y="0"/>
-          <a:ext cx="0" cy="0"/>
-          <a:chOff x="0" y="0"/>
-          <a:chExt cx="0" cy="0"/>
-        </a:xfrm>
-      </p:grpSpPr>
-      <p:sp>
-        <p:nvSpPr>
-          <p:cNvPr id="35" name="TextBox 34"/>
-          <p:cNvSpPr txBox="1"/>
-          <p:nvPr/>
-        </p:nvSpPr>
-        <p:spPr bwMode="auto">
-          <a:xfrm>
-            <a:off x="609600" y="1371600"/>
-            <a:ext cx="7920482" cy="4247317"/>
-          </a:xfrm>
-          <a:prstGeom prst="rect">
-            <a:avLst/>
-          </a:prstGeom>
-          <a:noFill/>
-          <a:ln w="9525">
-            <a:noFill/>
-            <a:miter lim="800000"/>
-            <a:headEnd/>
-            <a:tailEnd type="none" w="lg" len="lg"/>
-          </a:ln>
-        </p:spPr>
-        <p:txBody>
-          <a:bodyPr wrap="none" rtlCol="0">
-            <a:spAutoFit/>
-          </a:bodyPr>
-          <a:lstStyle/>
-          <a:p>
-            <a:r>
-              <a:rPr lang="en-US" sz="5400" dirty="0" smtClean="0">
-                <a:latin typeface="Comic Sans MS" pitchFamily="66" charset="0"/>
-              </a:rPr>
-              <a:t>We</a:t>
-            </a:r>
-            <a:r>
-              <a:rPr lang="en-US" sz="5400" dirty="0">
-                <a:latin typeface="Comic Sans MS" pitchFamily="66" charset="0"/>
-              </a:rPr>
-              <a:t> </a:t>
-            </a:r>
-            <a:r>
-              <a:rPr lang="en-US" sz="5400" dirty="0" smtClean="0">
-                <a:latin typeface="Comic Sans MS" pitchFamily="66" charset="0"/>
-              </a:rPr>
-              <a:t>conclude by strong</a:t>
-            </a:r>
-          </a:p>
-          <a:p>
-            <a:r>
-              <a:rPr lang="en-US" sz="5400" dirty="0" smtClean="0">
-                <a:latin typeface="Comic Sans MS" pitchFamily="66" charset="0"/>
-                <a:cs typeface="Times New Roman" pitchFamily="18" charset="0"/>
-              </a:rPr>
-              <a:t>induction that,</a:t>
-            </a:r>
-          </a:p>
-          <a:p>
-            <a:r>
-              <a:rPr lang="en-US" sz="5400" dirty="0" smtClean="0">
-                <a:latin typeface="Comic Sans MS"/>
-                <a:cs typeface="Comic Sans MS"/>
-              </a:rPr>
-              <a:t>using </a:t>
-            </a:r>
-            <a:r>
-              <a:rPr lang="en-US" sz="5400" dirty="0">
-                <a:latin typeface="Comic Sans MS"/>
-                <a:cs typeface="Comic Sans MS"/>
-              </a:rPr>
-              <a:t>3¢ and 5</a:t>
-            </a:r>
-            <a:r>
-              <a:rPr lang="en-US" sz="5400" dirty="0" smtClean="0">
-                <a:latin typeface="Comic Sans MS"/>
-                <a:cs typeface="Comic Sans MS"/>
-              </a:rPr>
-              <a:t>¢ stamps,</a:t>
-            </a:r>
-          </a:p>
-          <a:p>
-            <a:r>
-              <a:rPr lang="en-US" sz="5400" dirty="0" smtClean="0">
-                <a:solidFill>
-                  <a:srgbClr val="0000FF"/>
-                </a:solidFill>
-                <a:latin typeface="Comic Sans MS"/>
-                <a:cs typeface="Comic Sans MS"/>
-              </a:rPr>
-              <a:t>n </a:t>
-            </a:r>
-            <a:r>
-              <a:rPr lang="en-US" sz="5400" dirty="0">
-                <a:latin typeface="Comic Sans MS"/>
-                <a:cs typeface="Comic Sans MS"/>
-                <a:sym typeface="Euclid Symbol" pitchFamily="18" charset="2"/>
-              </a:rPr>
-              <a:t>+ </a:t>
-            </a:r>
-            <a:r>
-              <a:rPr lang="en-US" sz="5400" dirty="0">
-                <a:latin typeface="Comic Sans MS"/>
-                <a:cs typeface="Comic Sans MS"/>
-              </a:rPr>
-              <a:t>8</a:t>
-            </a:r>
-            <a:r>
-              <a:rPr lang="en-US" sz="5400" dirty="0" smtClean="0">
-                <a:latin typeface="Comic Sans MS"/>
-                <a:cs typeface="Comic Sans MS"/>
-              </a:rPr>
-              <a:t>¢ postage can be</a:t>
-            </a:r>
-          </a:p>
-          <a:p>
-            <a:r>
-              <a:rPr lang="en-US" sz="5400" dirty="0" smtClean="0">
-                <a:latin typeface="Comic Sans MS"/>
-                <a:cs typeface="Comic Sans MS"/>
-              </a:rPr>
-              <a:t>formed</a:t>
-            </a:r>
-            <a:endParaRPr lang="en-US" sz="5400" dirty="0" smtClean="0">
-              <a:latin typeface="Comic Sans MS" pitchFamily="66" charset="0"/>
-              <a:cs typeface="Times New Roman" pitchFamily="18" charset="0"/>
-            </a:endParaRPr>
-          </a:p>
-        </p:txBody>
-      </p:sp>
-      <p:sp>
-        <p:nvSpPr>
-          <p:cNvPr id="27" name="Rectangle 14"/>
-          <p:cNvSpPr>
-            <a:spLocks noGrp="1" noChangeArrowheads="1"/>
-          </p:cNvSpPr>
-          <p:nvPr>
-            <p:ph type="title"/>
-          </p:nvPr>
-        </p:nvSpPr>
-        <p:spPr>
-          <a:xfrm>
-            <a:off x="1447800" y="122238"/>
-            <a:ext cx="7696200" cy="1173162"/>
-          </a:xfrm>
-          <a:noFill/>
-        </p:spPr>
-        <p:txBody>
-          <a:bodyPr/>
-          <a:lstStyle/>
-          <a:p>
-            <a:pPr eaLnBrk="1" hangingPunct="1"/>
-            <a:r>
-              <a:rPr lang="en-US" dirty="0" smtClean="0"/>
-              <a:t>Postage by Strong Induction</a:t>
-            </a:r>
-          </a:p>
-        </p:txBody>
-      </p:sp>
-      <p:sp>
-        <p:nvSpPr>
-          <p:cNvPr id="9" name="TextBox 8"/>
-          <p:cNvSpPr txBox="1"/>
-          <p:nvPr/>
-        </p:nvSpPr>
-        <p:spPr>
-          <a:xfrm>
-            <a:off x="3282073" y="4648200"/>
-            <a:ext cx="4337927" cy="923330"/>
-          </a:xfrm>
-          <a:prstGeom prst="rect">
-            <a:avLst/>
-          </a:prstGeom>
-          <a:noFill/>
-        </p:spPr>
-        <p:txBody>
-          <a:bodyPr wrap="none" rtlCol="0">
-            <a:spAutoFit/>
-          </a:bodyPr>
-          <a:lstStyle/>
-          <a:p>
-            <a:r>
-              <a:rPr lang="en-US" sz="5400" dirty="0">
-                <a:solidFill>
-                  <a:srgbClr val="BC34CA"/>
-                </a:solidFill>
-                <a:latin typeface="Comic Sans MS" pitchFamily="66" charset="0"/>
-                <a:cs typeface="Times New Roman" pitchFamily="18" charset="0"/>
-              </a:rPr>
-              <a:t>for all</a:t>
-            </a:r>
-            <a:r>
-              <a:rPr lang="en-US" sz="5400" dirty="0">
-                <a:solidFill>
-                  <a:prstClr val="black"/>
-                </a:solidFill>
-                <a:latin typeface="Comic Sans MS" pitchFamily="66" charset="0"/>
-                <a:cs typeface="Times New Roman" pitchFamily="18" charset="0"/>
-              </a:rPr>
-              <a:t> </a:t>
-            </a:r>
-            <a:r>
-              <a:rPr lang="en-US" sz="5400" dirty="0">
-                <a:solidFill>
-                  <a:srgbClr val="0000FF"/>
-                </a:solidFill>
-                <a:latin typeface="Comic Sans MS" pitchFamily="66" charset="0"/>
-                <a:cs typeface="Times New Roman" pitchFamily="18" charset="0"/>
-              </a:rPr>
-              <a:t>n</a:t>
-            </a:r>
-            <a:r>
-              <a:rPr lang="en-US" sz="5400" dirty="0">
-                <a:solidFill>
-                  <a:prstClr val="black"/>
-                </a:solidFill>
-                <a:latin typeface="Comic Sans MS" pitchFamily="66" charset="0"/>
-                <a:cs typeface="Times New Roman" pitchFamily="18" charset="0"/>
-              </a:rPr>
-              <a:t> </a:t>
-            </a:r>
-            <a:r>
-              <a:rPr lang="en-US" sz="5400" b="1" dirty="0">
-                <a:solidFill>
-                  <a:prstClr val="black"/>
-                </a:solidFill>
-                <a:latin typeface="Euclid Symbol" charset="2"/>
-                <a:cs typeface="Euclid Symbol" charset="2"/>
-              </a:rPr>
-              <a:t>≥ </a:t>
-            </a:r>
-            <a:r>
-              <a:rPr lang="en-US" sz="5400" dirty="0">
-                <a:solidFill>
-                  <a:prstClr val="black"/>
-                </a:solidFill>
-                <a:latin typeface="Comic Sans MS" pitchFamily="66" charset="0"/>
-                <a:cs typeface="Times New Roman" pitchFamily="18" charset="0"/>
-              </a:rPr>
-              <a:t>0.</a:t>
-            </a:r>
-            <a:endParaRPr lang="en-US" sz="4800" dirty="0" smtClean="0">
-              <a:latin typeface="Comic Sans MS" pitchFamily="66" charset="0"/>
-            </a:endParaRPr>
-          </a:p>
-        </p:txBody>
-      </p:sp>
-    </p:spTree>
-    <p:extLst>
-      <p:ext uri="{BB962C8B-B14F-4D97-AF65-F5344CB8AC3E}">
-        <p14:creationId xmlns:p14="http://schemas.microsoft.com/office/powerpoint/2010/main" val="999838335"/>
-      </p:ext>
-    </p:extLst>
-  </p:cSld>
-  <p:clrMapOvr>
-    <a:masterClrMapping/>
-  </p:clrMapOvr>
-  <mc:AlternateContent xmlns:mc="http://schemas.openxmlformats.org/markup-compatibility/2006" xmlns:p14="http://schemas.microsoft.com/office/powerpoint/2010/main">
-    <mc:Choice Requires="p14">
-      <p:transition spd="med" p14:dur="700">
-        <p:fade/>
-      </p:transition>
-    </mc:Choice>
-    <mc:Fallback xmlns="">
-      <p:transition xmlns:p14="http://schemas.microsoft.com/office/powerpoint/2010/main" spd="med">
-        <p:fade/>
-      </p:transition>
-    </mc:Fallback>
-  </mc:AlternateContent>
-  <p:timing>
-    <p:tnLst>
-      <p:par>
-        <p:cTn xmlns:p14="http://schemas.microsoft.com/office/powerpoint/2010/main" id="1" dur="indefinite" restart="never" nodeType="tmRoot">
-          <p:childTnLst>
-            <p:seq concurrent="1" nextAc="seek">
-              <p:cTn id="2" dur="indefinite" nodeType="mainSeq">
-                <p:childTnLst>
-                  <p:par>
-                    <p:cTn id="3" fill="hold">
-                      <p:stCondLst>
-                        <p:cond delay="indefinite"/>
-                      </p:stCondLst>
-                      <p:childTnLst>
-                        <p:par>
-                          <p:cTn id="4" fill="hold">
-                            <p:stCondLst>
-                              <p:cond delay="0"/>
-                            </p:stCondLst>
-                            <p:childTnLst>
-                              <p:par>
-                                <p:cTn id="5" presetID="9" presetClass="entr" presetSubtype="0" fill="hold" grpId="0" nodeType="clickEffect">
-                                  <p:stCondLst>
-                                    <p:cond delay="0"/>
-                                  </p:stCondLst>
-                                  <p:childTnLst>
-                                    <p:set>
-                                      <p:cBhvr>
-                                        <p:cTn id="6" dur="1" fill="hold">
-                                          <p:stCondLst>
-                                            <p:cond delay="0"/>
-                                          </p:stCondLst>
-                                        </p:cTn>
-                                        <p:tgtEl>
-                                          <p:spTgt spid="9"/>
-                                        </p:tgtEl>
-                                        <p:attrNameLst>
-                                          <p:attrName>style.visibility</p:attrName>
-                                        </p:attrNameLst>
-                                      </p:cBhvr>
-                                      <p:to>
-                                        <p:strVal val="visible"/>
-                                      </p:to>
-                                    </p:set>
-                                    <p:animEffect transition="in" filter="dissolve">
-                                      <p:cBhvr>
-                                        <p:cTn id="7" dur="500"/>
-                                        <p:tgtEl>
-                                          <p:spTgt spid="9"/>
-                                        </p:tgtEl>
-                                      </p:cBhvr>
-                                    </p:animEffect>
-                                  </p:childTnLst>
-                                </p:cTn>
-                              </p:par>
-                            </p:childTnLst>
-                          </p:cTn>
-                        </p:par>
-                      </p:childTnLst>
-                    </p:cTn>
-                  </p:par>
-                </p:childTnLst>
-              </p:cTn>
-              <p:prevCondLst>
-                <p:cond evt="onPrev" delay="0">
-                  <p:tgtEl>
-                    <p:sldTgt/>
-                  </p:tgtEl>
-                </p:cond>
-              </p:prevCondLst>
-              <p:nextCondLst>
-                <p:cond evt="onNext" delay="0">
-                  <p:tgtEl>
-                    <p:sldTgt/>
-                  </p:tgtEl>
-                </p:cond>
-              </p:nextCondLst>
-            </p:seq>
-          </p:childTnLst>
-        </p:cTn>
-      </p:par>
-    </p:tnLst>
-    <p:bldLst>
-      <p:bldP spid="9" grpId="0"/>
-    </p:bldLst>
-  </p:timing>
-</p:sld>
-</file>
-
-<file path=ppt/slides/slide9.xml><?xml version="1.0" encoding="utf-8"?>
-<p:sld xmlns:a="http://schemas.openxmlformats.org/drawingml/2006/main" xmlns:r="http://schemas.openxmlformats.org/officeDocument/2006/relationships" xmlns:p="http://schemas.openxmlformats.org/presentationml/2006/main">
-  <p:cSld>
-    <p:spTree>
-      <p:nvGrpSpPr>
-        <p:cNvPr id="1" name=""/>
-        <p:cNvGrpSpPr/>
-        <p:nvPr/>
-      </p:nvGrpSpPr>
-      <p:grpSpPr>
-        <a:xfrm>
-          <a:off x="0" y="0"/>
-          <a:ext cx="0" cy="0"/>
-          <a:chOff x="0" y="0"/>
-          <a:chExt cx="0" cy="0"/>
-        </a:xfrm>
-      </p:grpSpPr>
-      <p:sp>
-        <p:nvSpPr>
-          <p:cNvPr id="14339" name="Rectangle 2"/>
-          <p:cNvSpPr>
-            <a:spLocks noGrp="1" noChangeArrowheads="1"/>
-          </p:cNvSpPr>
-          <p:nvPr>
-            <p:ph type="title"/>
-          </p:nvPr>
-        </p:nvSpPr>
-        <p:spPr/>
-        <p:txBody>
-          <a:bodyPr/>
-          <a:lstStyle/>
-          <a:p>
-            <a:pPr eaLnBrk="1" hangingPunct="1"/>
-            <a:r>
-              <a:rPr lang="en-US" sz="4800" smtClean="0"/>
-              <a:t>Unstacking game</a:t>
-            </a:r>
-          </a:p>
-        </p:txBody>
-      </p:sp>
-      <p:sp>
-        <p:nvSpPr>
-          <p:cNvPr id="295939" name="Rectangle 3"/>
-          <p:cNvSpPr>
-            <a:spLocks noGrp="1" noChangeArrowheads="1"/>
-          </p:cNvSpPr>
-          <p:nvPr>
-            <p:ph type="body" idx="1"/>
-          </p:nvPr>
-        </p:nvSpPr>
-        <p:spPr>
-          <a:xfrm>
-            <a:off x="381000" y="2209800"/>
-            <a:ext cx="8153400" cy="4114800"/>
-          </a:xfrm>
-        </p:spPr>
-        <p:txBody>
-          <a:bodyPr/>
-          <a:lstStyle/>
-          <a:p>
-            <a:r>
-              <a:rPr lang="en-US" sz="3600" dirty="0" smtClean="0"/>
-              <a:t>Start: a stack of boxes </a:t>
-            </a:r>
-          </a:p>
-          <a:p>
-            <a:pPr eaLnBrk="1" hangingPunct="1"/>
-            <a:r>
-              <a:rPr lang="en-US" sz="3600" dirty="0" smtClean="0"/>
-              <a:t>Move: split any stack into two of sizes </a:t>
-            </a:r>
-            <a:r>
-              <a:rPr lang="en-US" sz="3600" dirty="0" err="1" smtClean="0">
-                <a:solidFill>
-                  <a:srgbClr val="003399"/>
-                </a:solidFill>
-              </a:rPr>
-              <a:t>a</a:t>
-            </a:r>
-            <a:r>
-              <a:rPr lang="en-US" sz="3600" dirty="0" err="1" smtClean="0"/>
-              <a:t>,</a:t>
-            </a:r>
-            <a:r>
-              <a:rPr lang="en-US" sz="3600" dirty="0" err="1" smtClean="0">
-                <a:solidFill>
-                  <a:srgbClr val="003399"/>
-                </a:solidFill>
-              </a:rPr>
-              <a:t>b</a:t>
-            </a:r>
-            <a:r>
-              <a:rPr lang="en-US" sz="3600" dirty="0" smtClean="0">
-                <a:latin typeface="Symbol" charset="2"/>
-                <a:cs typeface="Symbol" charset="2"/>
-              </a:rPr>
-              <a:t>&gt;</a:t>
-            </a:r>
-            <a:r>
-              <a:rPr lang="en-US" sz="3600" dirty="0" smtClean="0"/>
-              <a:t>0 </a:t>
-            </a:r>
-          </a:p>
-          <a:p>
-            <a:pPr eaLnBrk="1" hangingPunct="1"/>
-            <a:r>
-              <a:rPr lang="en-US" sz="3600" dirty="0" smtClean="0"/>
-              <a:t>Scoring: </a:t>
-            </a:r>
-            <a:r>
-              <a:rPr lang="en-US" sz="3600" dirty="0" err="1" smtClean="0">
-                <a:solidFill>
-                  <a:srgbClr val="003399"/>
-                </a:solidFill>
-              </a:rPr>
-              <a:t>a</a:t>
-            </a:r>
-            <a:r>
-              <a:rPr lang="en-US" sz="3600" b="1" dirty="0" err="1" smtClean="0">
-                <a:solidFill>
-                  <a:srgbClr val="003399"/>
-                </a:solidFill>
-              </a:rPr>
-              <a:t>⋅</a:t>
-            </a:r>
-            <a:r>
-              <a:rPr lang="en-US" sz="3600" dirty="0" err="1" smtClean="0">
-                <a:solidFill>
-                  <a:srgbClr val="003399"/>
-                </a:solidFill>
-              </a:rPr>
-              <a:t>b</a:t>
-            </a:r>
-            <a:r>
-              <a:rPr lang="en-US" sz="3600" dirty="0" smtClean="0"/>
-              <a:t> points</a:t>
-            </a:r>
-          </a:p>
-          <a:p>
-            <a:pPr eaLnBrk="1" hangingPunct="1"/>
-            <a:r>
-              <a:rPr lang="en-US" sz="3600" dirty="0" smtClean="0"/>
-              <a:t>Keep moving: until stuck</a:t>
-            </a:r>
-          </a:p>
-          <a:p>
-            <a:pPr eaLnBrk="1" hangingPunct="1"/>
-            <a:r>
-              <a:rPr lang="en-US" sz="3600" dirty="0" smtClean="0"/>
-              <a:t>Overall score:  sum of move scores </a:t>
-            </a:r>
-          </a:p>
-        </p:txBody>
-      </p:sp>
-      <p:grpSp>
-        <p:nvGrpSpPr>
-          <p:cNvPr id="2" name="Group 20"/>
-          <p:cNvGrpSpPr>
-            <a:grpSpLocks/>
-          </p:cNvGrpSpPr>
-          <p:nvPr/>
-        </p:nvGrpSpPr>
-        <p:grpSpPr bwMode="auto">
-          <a:xfrm>
-            <a:off x="5943600" y="1219200"/>
-            <a:ext cx="533400" cy="1371600"/>
-            <a:chOff x="3984" y="624"/>
-            <a:chExt cx="336" cy="864"/>
-          </a:xfrm>
-        </p:grpSpPr>
-        <p:sp>
-          <p:nvSpPr>
-            <p:cNvPr id="14355" name="Rectangle 4"/>
-            <p:cNvSpPr>
-              <a:spLocks noChangeArrowheads="1"/>
-            </p:cNvSpPr>
-            <p:nvPr/>
-          </p:nvSpPr>
-          <p:spPr bwMode="auto">
-            <a:xfrm>
-              <a:off x="3984" y="1248"/>
-              <a:ext cx="336" cy="240"/>
-            </a:xfrm>
-            <a:prstGeom prst="rect">
-              <a:avLst/>
-            </a:prstGeom>
-            <a:solidFill>
-              <a:srgbClr val="FF6600"/>
-            </a:solidFill>
-            <a:ln w="9525">
-              <a:solidFill>
-                <a:schemeClr val="tx1"/>
-              </a:solidFill>
-              <a:miter lim="800000"/>
-              <a:headEnd/>
-              <a:tailEnd type="none" w="lg" len="lg"/>
-            </a:ln>
-          </p:spPr>
-          <p:txBody>
-            <a:bodyPr wrap="none" anchor="ctr"/>
-            <a:lstStyle/>
-            <a:p>
-              <a:endParaRPr lang="en-US"/>
-            </a:p>
-          </p:txBody>
-        </p:sp>
-        <p:sp>
-          <p:nvSpPr>
-            <p:cNvPr id="14356" name="Rectangle 5"/>
-            <p:cNvSpPr>
-              <a:spLocks noChangeArrowheads="1"/>
-            </p:cNvSpPr>
-            <p:nvPr/>
-          </p:nvSpPr>
-          <p:spPr bwMode="auto">
-            <a:xfrm>
-              <a:off x="3984" y="624"/>
-              <a:ext cx="336" cy="240"/>
-            </a:xfrm>
-            <a:prstGeom prst="rect">
-              <a:avLst/>
-            </a:prstGeom>
-            <a:solidFill>
-              <a:srgbClr val="FF6600"/>
-            </a:solidFill>
-            <a:ln w="9525">
-              <a:solidFill>
-                <a:schemeClr val="tx1"/>
-              </a:solidFill>
-              <a:miter lim="800000"/>
-              <a:headEnd/>
-              <a:tailEnd type="none" w="lg" len="lg"/>
-            </a:ln>
-          </p:spPr>
-          <p:txBody>
-            <a:bodyPr wrap="none" anchor="ctr"/>
-            <a:lstStyle/>
-            <a:p>
-              <a:pPr algn="ctr"/>
-              <a:endParaRPr lang="en-US" sz="2400"/>
-            </a:p>
-          </p:txBody>
-        </p:sp>
-        <p:sp>
-          <p:nvSpPr>
-            <p:cNvPr id="14357" name="Rectangle 6"/>
-            <p:cNvSpPr>
-              <a:spLocks noChangeArrowheads="1"/>
-            </p:cNvSpPr>
-            <p:nvPr/>
-          </p:nvSpPr>
-          <p:spPr bwMode="auto">
-            <a:xfrm>
-              <a:off x="3984" y="816"/>
-              <a:ext cx="336" cy="240"/>
-            </a:xfrm>
-            <a:prstGeom prst="rect">
-              <a:avLst/>
-            </a:prstGeom>
-            <a:solidFill>
-              <a:srgbClr val="FF6600"/>
-            </a:solidFill>
-            <a:ln w="9525">
-              <a:solidFill>
-                <a:schemeClr val="tx1"/>
-              </a:solidFill>
-              <a:miter lim="800000"/>
-              <a:headEnd/>
-              <a:tailEnd type="none" w="lg" len="lg"/>
-            </a:ln>
-          </p:spPr>
-          <p:txBody>
-            <a:bodyPr wrap="none" anchor="ctr"/>
-            <a:lstStyle/>
-            <a:p>
-              <a:endParaRPr lang="en-US"/>
-            </a:p>
-          </p:txBody>
-        </p:sp>
-        <p:sp>
-          <p:nvSpPr>
-            <p:cNvPr id="14358" name="Rectangle 7"/>
-            <p:cNvSpPr>
-              <a:spLocks noChangeArrowheads="1"/>
-            </p:cNvSpPr>
-            <p:nvPr/>
-          </p:nvSpPr>
-          <p:spPr bwMode="auto">
-            <a:xfrm>
-              <a:off x="3984" y="1056"/>
-              <a:ext cx="336" cy="240"/>
-            </a:xfrm>
-            <a:prstGeom prst="rect">
-              <a:avLst/>
-            </a:prstGeom>
-            <a:solidFill>
-              <a:srgbClr val="FF6600"/>
-            </a:solidFill>
-            <a:ln w="9525">
-              <a:solidFill>
-                <a:schemeClr val="tx1"/>
-              </a:solidFill>
-              <a:miter lim="800000"/>
-              <a:headEnd/>
-              <a:tailEnd type="none" w="lg" len="lg"/>
-            </a:ln>
-          </p:spPr>
-          <p:txBody>
-            <a:bodyPr wrap="none" anchor="ctr"/>
-            <a:lstStyle/>
-            <a:p>
-              <a:endParaRPr lang="en-US"/>
-            </a:p>
-          </p:txBody>
-        </p:sp>
-      </p:grpSp>
-      <p:grpSp>
-        <p:nvGrpSpPr>
-          <p:cNvPr id="3" name="Group 24"/>
-          <p:cNvGrpSpPr>
-            <a:grpSpLocks/>
-          </p:cNvGrpSpPr>
-          <p:nvPr/>
-        </p:nvGrpSpPr>
-        <p:grpSpPr bwMode="auto">
-          <a:xfrm>
-            <a:off x="6629400" y="1524000"/>
-            <a:ext cx="1981200" cy="1498601"/>
-            <a:chOff x="4416" y="816"/>
-            <a:chExt cx="1248" cy="944"/>
-          </a:xfrm>
-        </p:grpSpPr>
-        <p:grpSp>
-          <p:nvGrpSpPr>
-            <p:cNvPr id="4" name="Group 18"/>
-            <p:cNvGrpSpPr>
-              <a:grpSpLocks/>
-            </p:cNvGrpSpPr>
-            <p:nvPr/>
-          </p:nvGrpSpPr>
-          <p:grpSpPr bwMode="auto">
-            <a:xfrm>
-              <a:off x="4896" y="960"/>
-              <a:ext cx="336" cy="800"/>
-              <a:chOff x="4896" y="960"/>
-              <a:chExt cx="336" cy="800"/>
-            </a:xfrm>
-          </p:grpSpPr>
-          <p:grpSp>
-            <p:nvGrpSpPr>
-              <p:cNvPr id="5" name="Group 16"/>
-              <p:cNvGrpSpPr>
-                <a:grpSpLocks/>
-              </p:cNvGrpSpPr>
-              <p:nvPr/>
-            </p:nvGrpSpPr>
-            <p:grpSpPr bwMode="auto">
-              <a:xfrm>
-                <a:off x="4896" y="960"/>
-                <a:ext cx="336" cy="480"/>
-                <a:chOff x="4896" y="816"/>
-                <a:chExt cx="336" cy="480"/>
-              </a:xfrm>
-            </p:grpSpPr>
-            <p:sp>
-              <p:nvSpPr>
-                <p:cNvPr id="14353" name="Rectangle 11"/>
-                <p:cNvSpPr>
-                  <a:spLocks noChangeArrowheads="1"/>
-                </p:cNvSpPr>
-                <p:nvPr/>
-              </p:nvSpPr>
-              <p:spPr bwMode="auto">
-                <a:xfrm>
-                  <a:off x="4896" y="816"/>
-                  <a:ext cx="336" cy="240"/>
-                </a:xfrm>
-                <a:prstGeom prst="rect">
-                  <a:avLst/>
-                </a:prstGeom>
-                <a:solidFill>
-                  <a:srgbClr val="FF6600"/>
-                </a:solidFill>
-                <a:ln w="9525">
-                  <a:solidFill>
-                    <a:schemeClr val="tx1"/>
-                  </a:solidFill>
-                  <a:miter lim="800000"/>
-                  <a:headEnd/>
-                  <a:tailEnd type="none" w="lg" len="lg"/>
-                </a:ln>
-              </p:spPr>
-              <p:txBody>
-                <a:bodyPr wrap="none" anchor="ctr"/>
-                <a:lstStyle/>
-                <a:p>
-                  <a:pPr algn="ctr"/>
-                  <a:endParaRPr lang="en-US" sz="2400"/>
-                </a:p>
-              </p:txBody>
-            </p:sp>
-            <p:sp>
-              <p:nvSpPr>
-                <p:cNvPr id="14354" name="Rectangle 12"/>
-                <p:cNvSpPr>
-                  <a:spLocks noChangeArrowheads="1"/>
-                </p:cNvSpPr>
-                <p:nvPr/>
-              </p:nvSpPr>
-              <p:spPr bwMode="auto">
-                <a:xfrm>
-                  <a:off x="4896" y="1056"/>
-                  <a:ext cx="336" cy="240"/>
-                </a:xfrm>
-                <a:prstGeom prst="rect">
-                  <a:avLst/>
-                </a:prstGeom>
-                <a:solidFill>
-                  <a:srgbClr val="FF6600"/>
-                </a:solidFill>
-                <a:ln w="9525">
-                  <a:solidFill>
-                    <a:schemeClr val="tx1"/>
-                  </a:solidFill>
-                  <a:miter lim="800000"/>
-                  <a:headEnd/>
-                  <a:tailEnd type="none" w="lg" len="lg"/>
-                </a:ln>
-              </p:spPr>
-              <p:txBody>
-                <a:bodyPr wrap="none" anchor="ctr"/>
-                <a:lstStyle/>
-                <a:p>
-                  <a:pPr algn="ctr"/>
-                  <a:endParaRPr lang="en-US" sz="2400"/>
-                </a:p>
-              </p:txBody>
-            </p:sp>
-          </p:grpSp>
-          <p:sp>
-            <p:nvSpPr>
-              <p:cNvPr id="14352" name="Text Box 14"/>
-              <p:cNvSpPr txBox="1">
-                <a:spLocks noChangeArrowheads="1"/>
-              </p:cNvSpPr>
-              <p:nvPr/>
-            </p:nvSpPr>
-            <p:spPr bwMode="auto">
-              <a:xfrm>
-                <a:off x="4944" y="1392"/>
-                <a:ext cx="249" cy="368"/>
-              </a:xfrm>
-              <a:prstGeom prst="rect">
-                <a:avLst/>
-              </a:prstGeom>
-              <a:noFill/>
-              <a:ln w="9525">
-                <a:noFill/>
-                <a:miter lim="800000"/>
-                <a:headEnd/>
-                <a:tailEnd type="none" w="lg" len="lg"/>
-              </a:ln>
-            </p:spPr>
-            <p:txBody>
-              <a:bodyPr wrap="none">
-                <a:spAutoFit/>
-              </a:bodyPr>
-              <a:lstStyle/>
-              <a:p>
-                <a:r>
-                  <a:rPr lang="en-US" sz="3200" dirty="0">
-                    <a:solidFill>
-                      <a:srgbClr val="003399"/>
-                    </a:solidFill>
-                    <a:latin typeface="Comic Sans MS"/>
-                    <a:cs typeface="Comic Sans MS"/>
-                  </a:rPr>
-                  <a:t>a</a:t>
-                </a:r>
-              </a:p>
-            </p:txBody>
-          </p:sp>
-        </p:grpSp>
-        <p:grpSp>
-          <p:nvGrpSpPr>
-            <p:cNvPr id="6" name="Group 19"/>
-            <p:cNvGrpSpPr>
-              <a:grpSpLocks/>
-            </p:cNvGrpSpPr>
-            <p:nvPr/>
-          </p:nvGrpSpPr>
-          <p:grpSpPr bwMode="auto">
-            <a:xfrm>
-              <a:off x="5328" y="960"/>
-              <a:ext cx="336" cy="800"/>
-              <a:chOff x="5328" y="960"/>
-              <a:chExt cx="336" cy="800"/>
-            </a:xfrm>
-          </p:grpSpPr>
-          <p:grpSp>
-            <p:nvGrpSpPr>
-              <p:cNvPr id="7" name="Group 17"/>
-              <p:cNvGrpSpPr>
-                <a:grpSpLocks/>
-              </p:cNvGrpSpPr>
-              <p:nvPr/>
-            </p:nvGrpSpPr>
-            <p:grpSpPr bwMode="auto">
-              <a:xfrm>
-                <a:off x="5328" y="960"/>
-                <a:ext cx="336" cy="480"/>
-                <a:chOff x="5328" y="816"/>
-                <a:chExt cx="336" cy="480"/>
-              </a:xfrm>
-            </p:grpSpPr>
-            <p:sp>
-              <p:nvSpPr>
-                <p:cNvPr id="14349" name="Rectangle 9"/>
-                <p:cNvSpPr>
-                  <a:spLocks noChangeArrowheads="1"/>
-                </p:cNvSpPr>
-                <p:nvPr/>
-              </p:nvSpPr>
-              <p:spPr bwMode="auto">
-                <a:xfrm>
-                  <a:off x="5328" y="1056"/>
-                  <a:ext cx="336" cy="240"/>
-                </a:xfrm>
-                <a:prstGeom prst="rect">
-                  <a:avLst/>
-                </a:prstGeom>
-                <a:solidFill>
-                  <a:srgbClr val="FF6600"/>
-                </a:solidFill>
-                <a:ln w="9525">
-                  <a:solidFill>
-                    <a:schemeClr val="tx1"/>
-                  </a:solidFill>
-                  <a:miter lim="800000"/>
-                  <a:headEnd/>
-                  <a:tailEnd type="none" w="lg" len="lg"/>
-                </a:ln>
-              </p:spPr>
-              <p:txBody>
-                <a:bodyPr wrap="none" anchor="ctr"/>
-                <a:lstStyle/>
-                <a:p>
-                  <a:pPr algn="ctr"/>
-                  <a:endParaRPr lang="en-US" sz="2400"/>
-                </a:p>
-              </p:txBody>
-            </p:sp>
-            <p:sp>
-              <p:nvSpPr>
-                <p:cNvPr id="14350" name="Rectangle 10"/>
-                <p:cNvSpPr>
-                  <a:spLocks noChangeArrowheads="1"/>
-                </p:cNvSpPr>
-                <p:nvPr/>
-              </p:nvSpPr>
-              <p:spPr bwMode="auto">
-                <a:xfrm>
-                  <a:off x="5328" y="816"/>
-                  <a:ext cx="336" cy="240"/>
-                </a:xfrm>
-                <a:prstGeom prst="rect">
-                  <a:avLst/>
-                </a:prstGeom>
-                <a:solidFill>
-                  <a:srgbClr val="FF6600"/>
-                </a:solidFill>
-                <a:ln w="9525">
-                  <a:solidFill>
-                    <a:schemeClr val="tx1"/>
-                  </a:solidFill>
-                  <a:miter lim="800000"/>
-                  <a:headEnd/>
-                  <a:tailEnd type="none" w="lg" len="lg"/>
-                </a:ln>
-              </p:spPr>
-              <p:txBody>
-                <a:bodyPr wrap="none" anchor="ctr"/>
-                <a:lstStyle/>
-                <a:p>
-                  <a:pPr algn="ctr"/>
-                  <a:endParaRPr lang="en-US" sz="2400"/>
-                </a:p>
-              </p:txBody>
-            </p:sp>
-          </p:grpSp>
-          <p:sp>
-            <p:nvSpPr>
-              <p:cNvPr id="14348" name="Text Box 15"/>
-              <p:cNvSpPr txBox="1">
-                <a:spLocks noChangeArrowheads="1"/>
-              </p:cNvSpPr>
-              <p:nvPr/>
-            </p:nvSpPr>
-            <p:spPr bwMode="auto">
-              <a:xfrm>
-                <a:off x="5376" y="1392"/>
-                <a:ext cx="270" cy="368"/>
-              </a:xfrm>
-              <a:prstGeom prst="rect">
-                <a:avLst/>
-              </a:prstGeom>
-              <a:noFill/>
-              <a:ln w="9525">
-                <a:noFill/>
-                <a:miter lim="800000"/>
-                <a:headEnd/>
-                <a:tailEnd type="none" w="lg" len="lg"/>
-              </a:ln>
-            </p:spPr>
-            <p:txBody>
-              <a:bodyPr wrap="none">
-                <a:spAutoFit/>
-              </a:bodyPr>
-              <a:lstStyle/>
-              <a:p>
-                <a:r>
-                  <a:rPr lang="en-US" sz="3200" dirty="0" err="1">
-                    <a:solidFill>
-                      <a:srgbClr val="003399"/>
-                    </a:solidFill>
-                    <a:latin typeface="Comic Sans MS"/>
-                    <a:cs typeface="Comic Sans MS"/>
-                  </a:rPr>
-                  <a:t>b</a:t>
-                </a:r>
-                <a:endParaRPr lang="en-US" sz="3200" dirty="0">
-                  <a:solidFill>
-                    <a:srgbClr val="003399"/>
-                  </a:solidFill>
-                  <a:latin typeface="Comic Sans MS"/>
-                  <a:cs typeface="Comic Sans MS"/>
-                </a:endParaRPr>
-              </a:p>
-            </p:txBody>
-          </p:sp>
-        </p:grpSp>
-        <p:sp>
-          <p:nvSpPr>
-            <p:cNvPr id="14346" name="AutoShape 8"/>
-            <p:cNvSpPr>
-              <a:spLocks noChangeArrowheads="1"/>
-            </p:cNvSpPr>
-            <p:nvPr/>
-          </p:nvSpPr>
-          <p:spPr bwMode="auto">
-            <a:xfrm>
-              <a:off x="4416" y="816"/>
-              <a:ext cx="384" cy="306"/>
-            </a:xfrm>
-            <a:prstGeom prst="rightArrow">
-              <a:avLst>
-                <a:gd name="adj1" fmla="val 50000"/>
-                <a:gd name="adj2" fmla="val 31373"/>
-              </a:avLst>
-            </a:prstGeom>
-            <a:solidFill>
-              <a:srgbClr val="3333CC"/>
-            </a:solidFill>
-            <a:ln w="9525">
-              <a:solidFill>
-                <a:schemeClr val="tx1"/>
-              </a:solidFill>
-              <a:miter lim="800000"/>
-              <a:headEnd/>
-              <a:tailEnd type="none" w="lg" len="lg"/>
-            </a:ln>
-          </p:spPr>
-          <p:txBody>
-            <a:bodyPr wrap="none" anchor="ctr"/>
-            <a:lstStyle/>
-            <a:p>
-              <a:endParaRPr lang="en-US"/>
-            </a:p>
-          </p:txBody>
-        </p:sp>
-      </p:grpSp>
-      <p:sp>
-        <p:nvSpPr>
-          <p:cNvPr id="295958" name="Text Box 22"/>
-          <p:cNvSpPr txBox="1">
-            <a:spLocks noChangeArrowheads="1"/>
-          </p:cNvSpPr>
-          <p:nvPr/>
-        </p:nvSpPr>
-        <p:spPr bwMode="auto">
-          <a:xfrm>
-            <a:off x="5794115" y="2514600"/>
-            <a:ext cx="835285" cy="584776"/>
-          </a:xfrm>
-          <a:prstGeom prst="rect">
-            <a:avLst/>
-          </a:prstGeom>
-          <a:noFill/>
-          <a:ln w="9525">
-            <a:noFill/>
-            <a:miter lim="800000"/>
-            <a:headEnd/>
-            <a:tailEnd type="none" w="lg" len="lg"/>
-          </a:ln>
-        </p:spPr>
-        <p:txBody>
-          <a:bodyPr wrap="none">
-            <a:spAutoFit/>
-          </a:bodyPr>
-          <a:lstStyle/>
-          <a:p>
-            <a:r>
-              <a:rPr lang="en-US" sz="3200" dirty="0" err="1">
-                <a:solidFill>
-                  <a:srgbClr val="003399"/>
-                </a:solidFill>
-                <a:latin typeface="Comic Sans MS"/>
-                <a:cs typeface="Comic Sans MS"/>
-              </a:rPr>
-              <a:t>a</a:t>
-            </a:r>
-            <a:r>
-              <a:rPr lang="en-US" sz="3200" dirty="0" err="1">
-                <a:latin typeface="Comic Sans MS"/>
-                <a:cs typeface="Comic Sans MS"/>
-              </a:rPr>
-              <a:t>+</a:t>
-            </a:r>
-            <a:r>
-              <a:rPr lang="en-US" sz="3200" dirty="0" err="1">
-                <a:solidFill>
-                  <a:srgbClr val="003399"/>
-                </a:solidFill>
-                <a:latin typeface="Comic Sans MS"/>
-                <a:cs typeface="Comic Sans MS"/>
-              </a:rPr>
-              <a:t>b</a:t>
-            </a:r>
-            <a:endParaRPr lang="en-US" sz="2400" dirty="0">
-              <a:solidFill>
-                <a:srgbClr val="003399"/>
-              </a:solidFill>
-              <a:latin typeface="Comic Sans MS"/>
-              <a:cs typeface="Comic Sans MS"/>
-            </a:endParaRPr>
-          </a:p>
-        </p:txBody>
-      </p:sp>
-    </p:spTree>
-  </p:cSld>
-  <p:clrMapOvr>
-    <a:masterClrMapping/>
-  </p:clrMapOvr>
-  <p:transition xmlns:p14="http://schemas.microsoft.com/office/powerpoint/2010/main" spd="slow">
-    <p:fade thruBlk="1"/>
-  </p:transition>
-  <p:timing>
-    <p:tnLst>
-      <p:par>
-        <p:cTn xmlns:p14="http://schemas.microsoft.com/office/powerpoint/2010/main" id="1" dur="indefinite" restart="never" nodeType="tmRoot">
-          <p:childTnLst>
-            <p:seq concurrent="1" nextAc="seek">
-              <p:cTn id="2" dur="indefinite" nodeType="mainSeq">
-                <p:childTnLst>
-                  <p:par>
-                    <p:cTn id="3" fill="hold">
-                      <p:stCondLst>
-                        <p:cond delay="indefinite"/>
-                      </p:stCondLst>
-                      <p:childTnLst>
-                        <p:par>
-                          <p:cTn id="4" fill="hold">
-                            <p:stCondLst>
-                              <p:cond delay="0"/>
-                            </p:stCondLst>
-                            <p:childTnLst>
-                              <p:par>
-                                <p:cTn id="5" presetID="9" presetClass="entr" presetSubtype="0" fill="hold" nodeType="clickEffect">
-                                  <p:stCondLst>
-                                    <p:cond delay="0"/>
-                                  </p:stCondLst>
-                                  <p:childTnLst>
-                                    <p:set>
-                                      <p:cBhvr>
-                                        <p:cTn id="6" dur="1" fill="hold">
-                                          <p:stCondLst>
-                                            <p:cond delay="0"/>
-                                          </p:stCondLst>
-                                        </p:cTn>
-                                        <p:tgtEl>
-                                          <p:spTgt spid="295939">
-                                            <p:txEl>
-                                              <p:pRg st="1" end="1"/>
-                                            </p:txEl>
-                                          </p:spTgt>
-                                        </p:tgtEl>
-                                        <p:attrNameLst>
-                                          <p:attrName>style.visibility</p:attrName>
-                                        </p:attrNameLst>
-                                      </p:cBhvr>
-                                      <p:to>
-                                        <p:strVal val="visible"/>
-                                      </p:to>
-                                    </p:set>
-                                    <p:animEffect transition="in" filter="dissolve">
-                                      <p:cBhvr>
-                                        <p:cTn id="7" dur="500"/>
-                                        <p:tgtEl>
-                                          <p:spTgt spid="295939">
-                                            <p:txEl>
-                                              <p:pRg st="1" end="1"/>
-                                            </p:txEl>
-                                          </p:spTgt>
-                                        </p:tgtEl>
-                                      </p:cBhvr>
-                                    </p:animEffect>
-                                  </p:childTnLst>
-                                </p:cTn>
-                              </p:par>
-                            </p:childTnLst>
-                          </p:cTn>
-                        </p:par>
-                      </p:childTnLst>
-                    </p:cTn>
-                  </p:par>
-                  <p:par>
-                    <p:cTn id="8" fill="hold">
-                      <p:stCondLst>
-                        <p:cond delay="indefinite"/>
-                      </p:stCondLst>
-                      <p:childTnLst>
-                        <p:par>
-                          <p:cTn id="9" fill="hold">
-                            <p:stCondLst>
-                              <p:cond delay="0"/>
-                            </p:stCondLst>
-                            <p:childTnLst>
-                              <p:par>
-                                <p:cTn id="10" presetID="9" presetClass="entr" presetSubtype="0" fill="hold" grpId="0" nodeType="clickEffect">
-                                  <p:stCondLst>
-                                    <p:cond delay="0"/>
-                                  </p:stCondLst>
-                                  <p:childTnLst>
-                                    <p:set>
-                                      <p:cBhvr>
-                                        <p:cTn id="11" dur="1" fill="hold">
-                                          <p:stCondLst>
-                                            <p:cond delay="0"/>
-                                          </p:stCondLst>
-                                        </p:cTn>
-                                        <p:tgtEl>
-                                          <p:spTgt spid="295958"/>
-                                        </p:tgtEl>
-                                        <p:attrNameLst>
-                                          <p:attrName>style.visibility</p:attrName>
-                                        </p:attrNameLst>
-                                      </p:cBhvr>
-                                      <p:to>
-                                        <p:strVal val="visible"/>
-                                      </p:to>
-                                    </p:set>
-                                    <p:animEffect transition="in" filter="dissolve">
-                                      <p:cBhvr>
-                                        <p:cTn id="12" dur="500"/>
-                                        <p:tgtEl>
-                                          <p:spTgt spid="295958"/>
-                                        </p:tgtEl>
-                                      </p:cBhvr>
-                                    </p:animEffect>
-                                  </p:childTnLst>
-                                </p:cTn>
-                              </p:par>
-                            </p:childTnLst>
-                          </p:cTn>
-                        </p:par>
-                      </p:childTnLst>
-                    </p:cTn>
-                  </p:par>
-                  <p:par>
-                    <p:cTn id="13" fill="hold">
-                      <p:stCondLst>
-                        <p:cond delay="indefinite"/>
-                      </p:stCondLst>
-                      <p:childTnLst>
-                        <p:par>
-                          <p:cTn id="14" fill="hold">
-                            <p:stCondLst>
-                              <p:cond delay="0"/>
-                            </p:stCondLst>
-                            <p:childTnLst>
-                              <p:par>
-                                <p:cTn id="15" presetID="22" presetClass="entr" presetSubtype="8" fill="hold" nodeType="clickEffect">
-                                  <p:stCondLst>
-                                    <p:cond delay="0"/>
-                                  </p:stCondLst>
-                                  <p:childTnLst>
-                                    <p:set>
-                                      <p:cBhvr>
-                                        <p:cTn id="16" dur="1" fill="hold">
-                                          <p:stCondLst>
-                                            <p:cond delay="0"/>
-                                          </p:stCondLst>
-                                        </p:cTn>
-                                        <p:tgtEl>
-                                          <p:spTgt spid="3"/>
-                                        </p:tgtEl>
-                                        <p:attrNameLst>
-                                          <p:attrName>style.visibility</p:attrName>
-                                        </p:attrNameLst>
-                                      </p:cBhvr>
-                                      <p:to>
-                                        <p:strVal val="visible"/>
-                                      </p:to>
-                                    </p:set>
-                                    <p:animEffect transition="in" filter="wipe(left)">
-                                      <p:cBhvr>
-                                        <p:cTn id="17" dur="500"/>
-                                        <p:tgtEl>
-                                          <p:spTgt spid="3"/>
-                                        </p:tgtEl>
-                                      </p:cBhvr>
-                                    </p:animEffect>
-                                  </p:childTnLst>
-                                </p:cTn>
-                              </p:par>
-                            </p:childTnLst>
-                          </p:cTn>
-                        </p:par>
-                      </p:childTnLst>
-                    </p:cTn>
-                  </p:par>
-                  <p:par>
-                    <p:cTn id="18" fill="hold">
-                      <p:stCondLst>
-                        <p:cond delay="indefinite"/>
-                      </p:stCondLst>
-                      <p:childTnLst>
-                        <p:par>
-                          <p:cTn id="19" fill="hold">
-                            <p:stCondLst>
-                              <p:cond delay="0"/>
-                            </p:stCondLst>
-                            <p:childTnLst>
-                              <p:par>
-                                <p:cTn id="20" presetID="22" presetClass="entr" presetSubtype="8" fill="hold" nodeType="clickEffect">
-                                  <p:stCondLst>
-                                    <p:cond delay="0"/>
-                                  </p:stCondLst>
-                                  <p:childTnLst>
-                                    <p:set>
-                                      <p:cBhvr>
-                                        <p:cTn id="21" dur="1" fill="hold">
-                                          <p:stCondLst>
-                                            <p:cond delay="0"/>
-                                          </p:stCondLst>
-                                        </p:cTn>
-                                        <p:tgtEl>
-                                          <p:spTgt spid="295939">
-                                            <p:txEl>
-                                              <p:pRg st="2" end="2"/>
-                                            </p:txEl>
-                                          </p:spTgt>
-                                        </p:tgtEl>
-                                        <p:attrNameLst>
-                                          <p:attrName>style.visibility</p:attrName>
-                                        </p:attrNameLst>
-                                      </p:cBhvr>
-                                      <p:to>
-                                        <p:strVal val="visible"/>
-                                      </p:to>
-                                    </p:set>
-                                    <p:animEffect transition="in" filter="wipe(left)">
-                                      <p:cBhvr>
-                                        <p:cTn id="22" dur="500"/>
-                                        <p:tgtEl>
-                                          <p:spTgt spid="295939">
-                                            <p:txEl>
-                                              <p:pRg st="2" end="2"/>
-                                            </p:txEl>
-                                          </p:spTgt>
-                                        </p:tgtEl>
-                                      </p:cBhvr>
-                                    </p:animEffect>
-                                  </p:childTnLst>
-                                </p:cTn>
-                              </p:par>
-                            </p:childTnLst>
-                          </p:cTn>
-                        </p:par>
-                      </p:childTnLst>
-                    </p:cTn>
-                  </p:par>
-                  <p:par>
-                    <p:cTn id="23" fill="hold">
-                      <p:stCondLst>
-                        <p:cond delay="indefinite"/>
-                      </p:stCondLst>
-                      <p:childTnLst>
-                        <p:par>
-                          <p:cTn id="24" fill="hold">
-                            <p:stCondLst>
-                              <p:cond delay="0"/>
-                            </p:stCondLst>
-                            <p:childTnLst>
-                              <p:par>
-                                <p:cTn id="25" presetID="9" presetClass="entr" presetSubtype="0" fill="hold" nodeType="clickEffect">
-                                  <p:stCondLst>
-                                    <p:cond delay="0"/>
-                                  </p:stCondLst>
-                                  <p:childTnLst>
-                                    <p:set>
-                                      <p:cBhvr>
-                                        <p:cTn id="26" dur="1" fill="hold">
-                                          <p:stCondLst>
-                                            <p:cond delay="0"/>
-                                          </p:stCondLst>
-                                        </p:cTn>
-                                        <p:tgtEl>
-                                          <p:spTgt spid="295939">
-                                            <p:txEl>
-                                              <p:pRg st="3" end="3"/>
-                                            </p:txEl>
-                                          </p:spTgt>
-                                        </p:tgtEl>
-                                        <p:attrNameLst>
-                                          <p:attrName>style.visibility</p:attrName>
-                                        </p:attrNameLst>
-                                      </p:cBhvr>
-                                      <p:to>
-                                        <p:strVal val="visible"/>
-                                      </p:to>
-                                    </p:set>
-                                    <p:animEffect transition="in" filter="dissolve">
-                                      <p:cBhvr>
-                                        <p:cTn id="27" dur="500"/>
-                                        <p:tgtEl>
-                                          <p:spTgt spid="295939">
-                                            <p:txEl>
-                                              <p:pRg st="3" end="3"/>
-                                            </p:txEl>
-                                          </p:spTgt>
-                                        </p:tgtEl>
-                                      </p:cBhvr>
-                                    </p:animEffect>
-                                  </p:childTnLst>
-                                </p:cTn>
-                              </p:par>
-                              <p:par>
-                                <p:cTn id="28" presetID="9" presetClass="entr" presetSubtype="0" fill="hold" nodeType="withEffect">
-                                  <p:stCondLst>
-                                    <p:cond delay="0"/>
-                                  </p:stCondLst>
-                                  <p:childTnLst>
-                                    <p:set>
-                                      <p:cBhvr>
-                                        <p:cTn id="29" dur="1" fill="hold">
-                                          <p:stCondLst>
-                                            <p:cond delay="0"/>
-                                          </p:stCondLst>
-                                        </p:cTn>
-                                        <p:tgtEl>
-                                          <p:spTgt spid="295939">
-                                            <p:txEl>
-                                              <p:pRg st="4" end="4"/>
-                                            </p:txEl>
-                                          </p:spTgt>
-                                        </p:tgtEl>
-                                        <p:attrNameLst>
-                                          <p:attrName>style.visibility</p:attrName>
-                                        </p:attrNameLst>
-                                      </p:cBhvr>
-                                      <p:to>
-                                        <p:strVal val="visible"/>
-                                      </p:to>
-                                    </p:set>
-                                    <p:animEffect transition="in" filter="dissolve">
-                                      <p:cBhvr>
-                                        <p:cTn id="30" dur="500"/>
-                                        <p:tgtEl>
-                                          <p:spTgt spid="295939">
-                                            <p:txEl>
-                                              <p:pRg st="4" end="4"/>
-                                            </p:txEl>
-                                          </p:spTgt>
-                                        </p:tgtEl>
-                                      </p:cBhvr>
-                                    </p:animEffect>
-                                  </p:childTnLst>
-                                </p:cTn>
-                              </p:par>
-                            </p:childTnLst>
-                          </p:cTn>
-                        </p:par>
-                      </p:childTnLst>
-                    </p:cTn>
-                  </p:par>
-                </p:childTnLst>
-              </p:cTn>
-              <p:prevCondLst>
-                <p:cond evt="onPrev" delay="0">
-                  <p:tgtEl>
-                    <p:sldTgt/>
-                  </p:tgtEl>
-                </p:cond>
-              </p:prevCondLst>
-              <p:nextCondLst>
-                <p:cond evt="onNext" delay="0">
-                  <p:tgtEl>
-                    <p:sldTgt/>
-                  </p:tgtEl>
-                </p:cond>
-              </p:nextCondLst>
-            </p:seq>
-          </p:childTnLst>
-        </p:cTn>
-      </p:par>
-    </p:tnLst>
-    <p:bldLst>
-      <p:bldP spid="295958" grpId="0"/>
-    </p:bldLst>
-  </p:timing>
-</p:sld>
-</file>
-
 <file path=ppt/tags/tag1.xml><?xml version="1.0" encoding="utf-8"?>
 <p:tagLst xmlns:a="http://schemas.openxmlformats.org/drawingml/2006/main" xmlns:r="http://schemas.openxmlformats.org/officeDocument/2006/relationships" xmlns:p="http://schemas.openxmlformats.org/presentationml/2006/main">
   <p:tag name="FIRSTALBERT20R2E20MEYER@YOGLRJUFUVWXY5M3" val="2818"/>
